--- a/Res/Capstone_Presentation.pptx
+++ b/Res/Capstone_Presentation.pptx
@@ -2,22 +2,23 @@
 <file path=ppt/presentation.xml><?xml version="1.0" encoding="utf-8"?>
 <p:presentation xmlns:a="http://schemas.openxmlformats.org/drawingml/2006/main" xmlns:r="http://schemas.openxmlformats.org/officeDocument/2006/relationships" xmlns:p="http://schemas.openxmlformats.org/presentationml/2006/main" saveSubsetFonts="1">
   <p:sldMasterIdLst>
-    <p:sldMasterId id="2147483660" r:id="rId1"/>
+    <p:sldMasterId id="2147483672" r:id="rId1"/>
   </p:sldMasterIdLst>
   <p:notesMasterIdLst>
-    <p:notesMasterId r:id="rId12"/>
+    <p:notesMasterId r:id="rId13"/>
   </p:notesMasterIdLst>
   <p:sldIdLst>
     <p:sldId id="257" r:id="rId2"/>
     <p:sldId id="258" r:id="rId3"/>
     <p:sldId id="259" r:id="rId4"/>
-    <p:sldId id="260" r:id="rId5"/>
-    <p:sldId id="261" r:id="rId6"/>
-    <p:sldId id="262" r:id="rId7"/>
-    <p:sldId id="263" r:id="rId8"/>
-    <p:sldId id="264" r:id="rId9"/>
-    <p:sldId id="265" r:id="rId10"/>
-    <p:sldId id="256" r:id="rId11"/>
+    <p:sldId id="266" r:id="rId5"/>
+    <p:sldId id="260" r:id="rId6"/>
+    <p:sldId id="261" r:id="rId7"/>
+    <p:sldId id="262" r:id="rId8"/>
+    <p:sldId id="263" r:id="rId9"/>
+    <p:sldId id="264" r:id="rId10"/>
+    <p:sldId id="265" r:id="rId11"/>
+    <p:sldId id="256" r:id="rId12"/>
   </p:sldIdLst>
   <p:sldSz cx="12192000" cy="6858000"/>
   <p:notesSz cx="6858000" cy="9144000"/>
@@ -206,7 +207,7 @@
           <a:p>
             <a:fld id="{425A47D8-7F16-4942-9FCB-D0BBB7D238D7}" type="datetimeFigureOut">
               <a:rPr lang="en-US" smtClean="0"/>
-              <a:t>11/9/2022</a:t>
+              <a:t>11/10/2022</a:t>
             </a:fld>
             <a:endParaRPr lang="en-US"/>
           </a:p>
@@ -705,27 +706,7 @@
             </a:pPr>
             <a:r>
               <a:rPr lang="en-US" dirty="0"/>
-              <a:t>With the login page we provided the option to select the player you are logging in as</a:t>
-            </a:r>
-          </a:p>
-          <a:p>
-            <a:pPr marL="171450" indent="-171450">
-              <a:buFont typeface="Arial" panose="020B0604020202020204" pitchFamily="34" charset="0"/>
-              <a:buChar char="•"/>
-            </a:pPr>
-            <a:r>
-              <a:rPr lang="en-US" dirty="0"/>
-              <a:t>Once you login you are provided the ability to logout from any of the Angular pages</a:t>
-            </a:r>
-          </a:p>
-          <a:p>
-            <a:pPr marL="171450" indent="-171450">
-              <a:buFont typeface="Arial" panose="020B0604020202020204" pitchFamily="34" charset="0"/>
-              <a:buChar char="•"/>
-            </a:pPr>
-            <a:r>
-              <a:rPr lang="en-US" dirty="0"/>
-              <a:t>The option to login is removed from view on the menu Manage since the user is already logged in</a:t>
+              <a:t>This login page on the ASP side allows the admin to add new users to the site</a:t>
             </a:r>
           </a:p>
         </p:txBody>
@@ -747,7 +728,7 @@
           <a:p>
             <a:fld id="{86F6A6CF-53D3-4F03-97A6-821D67EB5DE4}" type="slidenum">
               <a:rPr lang="en-US" smtClean="0"/>
-              <a:t>5</a:t>
+              <a:t>4</a:t>
             </a:fld>
             <a:endParaRPr lang="en-US"/>
           </a:p>
@@ -756,7 +737,7 @@
     </p:spTree>
     <p:extLst>
       <p:ext uri="{BB962C8B-B14F-4D97-AF65-F5344CB8AC3E}">
-        <p14:creationId xmlns:p14="http://schemas.microsoft.com/office/powerpoint/2010/main" val="1948862181"/>
+        <p14:creationId xmlns:p14="http://schemas.microsoft.com/office/powerpoint/2010/main" val="3898436782"/>
       </p:ext>
     </p:extLst>
   </p:cSld>
@@ -816,7 +797,7 @@
             </a:pPr>
             <a:r>
               <a:rPr lang="en-US" dirty="0"/>
-              <a:t>On the players page we provide the form to create a new player, the options to delete, and edit a player</a:t>
+              <a:t>Once you login you are provided the ability to logout from any of the Angular pages</a:t>
             </a:r>
           </a:p>
           <a:p>
@@ -826,7 +807,7 @@
             </a:pPr>
             <a:r>
               <a:rPr lang="en-US" dirty="0"/>
-              <a:t>If signed out, then the player list will show</a:t>
+              <a:t>The option to login is removed from view on the menu Manage since the user is already logged in</a:t>
             </a:r>
           </a:p>
           <a:p>
@@ -836,14 +817,12 @@
             </a:pPr>
             <a:r>
               <a:rPr lang="en-US" dirty="0"/>
-              <a:t>You can click into the details of a player by selecting their name</a:t>
-            </a:r>
-          </a:p>
-          <a:p>
-            <a:pPr marL="171450" indent="-171450">
-              <a:buFont typeface="Arial" panose="020B0604020202020204" pitchFamily="34" charset="0"/>
-              <a:buChar char="•"/>
-            </a:pPr>
+              <a:t>The player ID is tied to the Login from the SQL side and passed through C# to Angular to use through </a:t>
+            </a:r>
+            <a:r>
+              <a:rPr lang="en-US"/>
+              <a:t>the application</a:t>
+            </a:r>
             <a:endParaRPr lang="en-US" dirty="0"/>
           </a:p>
         </p:txBody>
@@ -874,7 +853,7 @@
     </p:spTree>
     <p:extLst>
       <p:ext uri="{BB962C8B-B14F-4D97-AF65-F5344CB8AC3E}">
-        <p14:creationId xmlns:p14="http://schemas.microsoft.com/office/powerpoint/2010/main" val="474544059"/>
+        <p14:creationId xmlns:p14="http://schemas.microsoft.com/office/powerpoint/2010/main" val="1948862181"/>
       </p:ext>
     </p:extLst>
   </p:cSld>
@@ -934,7 +913,7 @@
             </a:pPr>
             <a:r>
               <a:rPr lang="en-US" dirty="0"/>
-              <a:t>We built the weapon page to allow for quick view of the various weapons added to the database</a:t>
+              <a:t>On the players page we provide the form to create a new player, the options to delete, and edit a player</a:t>
             </a:r>
           </a:p>
           <a:p>
@@ -944,8 +923,25 @@
             </a:pPr>
             <a:r>
               <a:rPr lang="en-US" dirty="0"/>
-              <a:t>If logged in the ability to create a new weapon, edit a weapon or delete a weapon are easily available</a:t>
-            </a:r>
+              <a:t>If signed out, then the player list will show</a:t>
+            </a:r>
+          </a:p>
+          <a:p>
+            <a:pPr marL="171450" indent="-171450">
+              <a:buFont typeface="Arial" panose="020B0604020202020204" pitchFamily="34" charset="0"/>
+              <a:buChar char="•"/>
+            </a:pPr>
+            <a:r>
+              <a:rPr lang="en-US" dirty="0"/>
+              <a:t>You can click into the details of a player by selecting their name</a:t>
+            </a:r>
+          </a:p>
+          <a:p>
+            <a:pPr marL="171450" indent="-171450">
+              <a:buFont typeface="Arial" panose="020B0604020202020204" pitchFamily="34" charset="0"/>
+              <a:buChar char="•"/>
+            </a:pPr>
+            <a:endParaRPr lang="en-US" dirty="0"/>
           </a:p>
         </p:txBody>
       </p:sp>
@@ -966,7 +962,108 @@
           <a:p>
             <a:fld id="{86F6A6CF-53D3-4F03-97A6-821D67EB5DE4}" type="slidenum">
               <a:rPr lang="en-US" smtClean="0"/>
-              <a:t>9</a:t>
+              <a:t>7</a:t>
+            </a:fld>
+            <a:endParaRPr lang="en-US"/>
+          </a:p>
+        </p:txBody>
+      </p:sp>
+    </p:spTree>
+    <p:extLst>
+      <p:ext uri="{BB962C8B-B14F-4D97-AF65-F5344CB8AC3E}">
+        <p14:creationId xmlns:p14="http://schemas.microsoft.com/office/powerpoint/2010/main" val="474544059"/>
+      </p:ext>
+    </p:extLst>
+  </p:cSld>
+  <p:clrMapOvr>
+    <a:masterClrMapping/>
+  </p:clrMapOvr>
+</p:notes>
+</file>
+
+<file path=ppt/notesSlides/notesSlide6.xml><?xml version="1.0" encoding="utf-8"?>
+<p:notes xmlns:a="http://schemas.openxmlformats.org/drawingml/2006/main" xmlns:r="http://schemas.openxmlformats.org/officeDocument/2006/relationships" xmlns:p="http://schemas.openxmlformats.org/presentationml/2006/main">
+  <p:cSld>
+    <p:spTree>
+      <p:nvGrpSpPr>
+        <p:cNvPr id="1" name=""/>
+        <p:cNvGrpSpPr/>
+        <p:nvPr/>
+      </p:nvGrpSpPr>
+      <p:grpSpPr>
+        <a:xfrm>
+          <a:off x="0" y="0"/>
+          <a:ext cx="0" cy="0"/>
+          <a:chOff x="0" y="0"/>
+          <a:chExt cx="0" cy="0"/>
+        </a:xfrm>
+      </p:grpSpPr>
+      <p:sp>
+        <p:nvSpPr>
+          <p:cNvPr id="2" name="Slide Image Placeholder 1"/>
+          <p:cNvSpPr>
+            <a:spLocks noGrp="1" noRot="1" noChangeAspect="1"/>
+          </p:cNvSpPr>
+          <p:nvPr>
+            <p:ph type="sldImg"/>
+          </p:nvPr>
+        </p:nvSpPr>
+        <p:spPr/>
+      </p:sp>
+      <p:sp>
+        <p:nvSpPr>
+          <p:cNvPr id="3" name="Notes Placeholder 2"/>
+          <p:cNvSpPr>
+            <a:spLocks noGrp="1"/>
+          </p:cNvSpPr>
+          <p:nvPr>
+            <p:ph type="body" idx="1"/>
+          </p:nvPr>
+        </p:nvSpPr>
+        <p:spPr/>
+        <p:txBody>
+          <a:bodyPr/>
+          <a:lstStyle/>
+          <a:p>
+            <a:pPr marL="171450" indent="-171450">
+              <a:buFont typeface="Arial" panose="020B0604020202020204" pitchFamily="34" charset="0"/>
+              <a:buChar char="•"/>
+            </a:pPr>
+            <a:r>
+              <a:rPr lang="en-US" dirty="0"/>
+              <a:t>We built the weapon page to allow for quick view of the various weapons added to the database</a:t>
+            </a:r>
+          </a:p>
+          <a:p>
+            <a:pPr marL="171450" indent="-171450">
+              <a:buFont typeface="Arial" panose="020B0604020202020204" pitchFamily="34" charset="0"/>
+              <a:buChar char="•"/>
+            </a:pPr>
+            <a:r>
+              <a:rPr lang="en-US" dirty="0"/>
+              <a:t>If logged in the ability to create a new weapon, edit a weapon or delete a weapon are easily available</a:t>
+            </a:r>
+          </a:p>
+        </p:txBody>
+      </p:sp>
+      <p:sp>
+        <p:nvSpPr>
+          <p:cNvPr id="4" name="Slide Number Placeholder 3"/>
+          <p:cNvSpPr>
+            <a:spLocks noGrp="1"/>
+          </p:cNvSpPr>
+          <p:nvPr>
+            <p:ph type="sldNum" sz="quarter" idx="5"/>
+          </p:nvPr>
+        </p:nvSpPr>
+        <p:spPr/>
+        <p:txBody>
+          <a:bodyPr/>
+          <a:lstStyle/>
+          <a:p>
+            <a:fld id="{86F6A6CF-53D3-4F03-97A6-821D67EB5DE4}" type="slidenum">
+              <a:rPr lang="en-US" smtClean="0"/>
+              <a:t>10</a:t>
             </a:fld>
             <a:endParaRPr lang="en-US"/>
           </a:p>
@@ -1014,17 +1111,17 @@
         </p:nvSpPr>
         <p:spPr>
           <a:xfrm>
-            <a:off x="2417779" y="802298"/>
-            <a:ext cx="8637073" cy="2541431"/>
+            <a:off x="1595269" y="1122363"/>
+            <a:ext cx="9001462" cy="2387600"/>
           </a:xfrm>
         </p:spPr>
         <p:txBody>
-          <a:bodyPr bIns="0" anchor="b">
+          <a:bodyPr anchor="b">
             <a:normAutofit/>
           </a:bodyPr>
           <a:lstStyle>
-            <a:lvl1pPr algn="l">
-              <a:defRPr sz="6600"/>
+            <a:lvl1pPr algn="ctr">
+              <a:defRPr sz="4800"/>
             </a:lvl1pPr>
           </a:lstStyle>
           <a:p>
@@ -1048,26 +1145,20 @@
         </p:nvSpPr>
         <p:spPr>
           <a:xfrm>
-            <a:off x="2417780" y="3531204"/>
-            <a:ext cx="8637072" cy="977621"/>
+            <a:off x="1595269" y="3602038"/>
+            <a:ext cx="9001462" cy="1655762"/>
           </a:xfrm>
         </p:spPr>
         <p:txBody>
-          <a:bodyPr tIns="91440" bIns="91440">
-            <a:normAutofit/>
-          </a:bodyPr>
+          <a:bodyPr/>
           <a:lstStyle>
-            <a:lvl1pPr marL="0" indent="0" algn="l">
-              <a:buNone/>
-              <a:defRPr sz="1800" b="0" cap="all" baseline="0">
-                <a:solidFill>
-                  <a:schemeClr val="tx1"/>
-                </a:solidFill>
-              </a:defRPr>
+            <a:lvl1pPr marL="0" indent="0" algn="ctr">
+              <a:buNone/>
+              <a:defRPr sz="2400"/>
             </a:lvl1pPr>
             <a:lvl2pPr marL="457200" indent="0" algn="ctr">
               <a:buNone/>
-              <a:defRPr sz="1800"/>
+              <a:defRPr sz="2000"/>
             </a:lvl2pPr>
             <a:lvl3pPr marL="914400" indent="0" algn="ctr">
               <a:buNone/>
@@ -1124,7 +1215,7 @@
           <a:p>
             <a:fld id="{819EA221-4188-4646-9974-043ED30BD88A}" type="datetimeFigureOut">
               <a:rPr lang="en-US" smtClean="0"/>
-              <a:t>11/9/2022</a:t>
+              <a:t>11/10/2022</a:t>
             </a:fld>
             <a:endParaRPr lang="en-US"/>
           </a:p>
@@ -1140,12 +1231,7 @@
             <p:ph type="ftr" sz="quarter" idx="11"/>
           </p:nvPr>
         </p:nvSpPr>
-        <p:spPr>
-          <a:xfrm>
-            <a:off x="2416500" y="329307"/>
-            <a:ext cx="4973915" cy="309201"/>
-          </a:xfrm>
-        </p:spPr>
+        <p:spPr/>
         <p:txBody>
           <a:bodyPr/>
           <a:lstStyle/>
@@ -1164,12 +1250,7 @@
             <p:ph type="sldNum" sz="quarter" idx="12"/>
           </p:nvPr>
         </p:nvSpPr>
-        <p:spPr>
-          <a:xfrm>
-            <a:off x="1437664" y="798973"/>
-            <a:ext cx="811019" cy="503578"/>
-          </a:xfrm>
-        </p:spPr>
+        <p:spPr/>
         <p:txBody>
           <a:bodyPr/>
           <a:lstStyle/>
@@ -1182,41 +1263,10 @@
           </a:p>
         </p:txBody>
       </p:sp>
-      <p:cxnSp>
-        <p:nvCxnSpPr>
-          <p:cNvPr id="15" name="Straight Connector 14"/>
-          <p:cNvCxnSpPr/>
-          <p:nvPr/>
-        </p:nvCxnSpPr>
-        <p:spPr>
-          <a:xfrm>
-            <a:off x="2417780" y="3528542"/>
-            <a:ext cx="8637072" cy="0"/>
-          </a:xfrm>
-          <a:prstGeom prst="line">
-            <a:avLst/>
-          </a:prstGeom>
-          <a:ln w="31750"/>
-        </p:spPr>
-        <p:style>
-          <a:lnRef idx="3">
-            <a:schemeClr val="accent1"/>
-          </a:lnRef>
-          <a:fillRef idx="0">
-            <a:schemeClr val="accent1"/>
-          </a:fillRef>
-          <a:effectRef idx="2">
-            <a:schemeClr val="accent1"/>
-          </a:effectRef>
-          <a:fontRef idx="minor">
-            <a:schemeClr val="tx1"/>
-          </a:fontRef>
-        </p:style>
-      </p:cxnSp>
     </p:spTree>
     <p:extLst>
       <p:ext uri="{BB962C8B-B14F-4D97-AF65-F5344CB8AC3E}">
-        <p14:creationId xmlns:p14="http://schemas.microsoft.com/office/powerpoint/2010/main" val="2307362199"/>
+        <p14:creationId xmlns:p14="http://schemas.microsoft.com/office/powerpoint/2010/main" val="714969921"/>
       </p:ext>
     </p:extLst>
   </p:cSld>
@@ -1227,6 +1277,2556 @@
 </file>
 
 <file path=ppt/slideLayouts/slideLayout10.xml><?xml version="1.0" encoding="utf-8"?>
+<p:sldLayout xmlns:a="http://schemas.openxmlformats.org/drawingml/2006/main" xmlns:r="http://schemas.openxmlformats.org/officeDocument/2006/relationships" xmlns:p="http://schemas.openxmlformats.org/presentationml/2006/main" preserve="1">
+  <p:cSld name="Panoramic Picture with Caption">
+    <p:spTree>
+      <p:nvGrpSpPr>
+        <p:cNvPr id="1" name=""/>
+        <p:cNvGrpSpPr/>
+        <p:nvPr/>
+      </p:nvGrpSpPr>
+      <p:grpSpPr>
+        <a:xfrm>
+          <a:off x="0" y="0"/>
+          <a:ext cx="0" cy="0"/>
+          <a:chOff x="0" y="0"/>
+          <a:chExt cx="0" cy="0"/>
+        </a:xfrm>
+      </p:grpSpPr>
+      <p:sp>
+        <p:nvSpPr>
+          <p:cNvPr id="2" name="Title 1"/>
+          <p:cNvSpPr>
+            <a:spLocks noGrp="1"/>
+          </p:cNvSpPr>
+          <p:nvPr>
+            <p:ph type="title"/>
+          </p:nvPr>
+        </p:nvSpPr>
+        <p:spPr>
+          <a:xfrm>
+            <a:off x="913806" y="4289372"/>
+            <a:ext cx="10367564" cy="819355"/>
+          </a:xfrm>
+        </p:spPr>
+        <p:txBody>
+          <a:bodyPr anchor="b">
+            <a:normAutofit/>
+          </a:bodyPr>
+          <a:lstStyle>
+            <a:lvl1pPr>
+              <a:defRPr sz="2800"/>
+            </a:lvl1pPr>
+          </a:lstStyle>
+          <a:p>
+            <a:r>
+              <a:rPr lang="en-US"/>
+              <a:t>Click to edit Master title style</a:t>
+            </a:r>
+            <a:endParaRPr lang="en-US" dirty="0"/>
+          </a:p>
+        </p:txBody>
+      </p:sp>
+      <p:sp>
+        <p:nvSpPr>
+          <p:cNvPr id="3" name="Picture Placeholder 2"/>
+          <p:cNvSpPr>
+            <a:spLocks noGrp="1" noChangeAspect="1"/>
+          </p:cNvSpPr>
+          <p:nvPr>
+            <p:ph type="pic" idx="1"/>
+          </p:nvPr>
+        </p:nvSpPr>
+        <p:spPr>
+          <a:xfrm>
+            <a:off x="913806" y="621321"/>
+            <a:ext cx="10367564" cy="3379735"/>
+          </a:xfrm>
+          <a:noFill/>
+          <a:ln w="190500" cap="sq">
+            <a:solidFill>
+              <a:srgbClr val="FFFFFF"/>
+            </a:solidFill>
+            <a:miter lim="800000"/>
+          </a:ln>
+          <a:effectLst>
+            <a:outerShdw blurRad="55000" dist="18000" dir="5400000" algn="tl" rotWithShape="0">
+              <a:srgbClr val="000000">
+                <a:alpha val="40000"/>
+              </a:srgbClr>
+            </a:outerShdw>
+          </a:effectLst>
+          <a:scene3d>
+            <a:camera prst="orthographicFront"/>
+            <a:lightRig rig="twoPt" dir="t">
+              <a:rot lat="0" lon="0" rev="7200000"/>
+            </a:lightRig>
+          </a:scene3d>
+          <a:sp3d>
+            <a:bevelT w="25400" h="19050"/>
+            <a:contourClr>
+              <a:srgbClr val="FFFFFF"/>
+            </a:contourClr>
+          </a:sp3d>
+        </p:spPr>
+        <p:txBody>
+          <a:bodyPr anchor="t"/>
+          <a:lstStyle>
+            <a:lvl1pPr marL="0" indent="0" algn="ctr">
+              <a:buNone/>
+              <a:defRPr sz="3200"/>
+            </a:lvl1pPr>
+            <a:lvl2pPr marL="457200" indent="0">
+              <a:buNone/>
+              <a:defRPr sz="2800"/>
+            </a:lvl2pPr>
+            <a:lvl3pPr marL="914400" indent="0">
+              <a:buNone/>
+              <a:defRPr sz="2400"/>
+            </a:lvl3pPr>
+            <a:lvl4pPr marL="1371600" indent="0">
+              <a:buNone/>
+              <a:defRPr sz="2000"/>
+            </a:lvl4pPr>
+            <a:lvl5pPr marL="1828800" indent="0">
+              <a:buNone/>
+              <a:defRPr sz="2000"/>
+            </a:lvl5pPr>
+            <a:lvl6pPr marL="2286000" indent="0">
+              <a:buNone/>
+              <a:defRPr sz="2000"/>
+            </a:lvl6pPr>
+            <a:lvl7pPr marL="2743200" indent="0">
+              <a:buNone/>
+              <a:defRPr sz="2000"/>
+            </a:lvl7pPr>
+            <a:lvl8pPr marL="3200400" indent="0">
+              <a:buNone/>
+              <a:defRPr sz="2000"/>
+            </a:lvl8pPr>
+            <a:lvl9pPr marL="3657600" indent="0">
+              <a:buNone/>
+              <a:defRPr sz="2000"/>
+            </a:lvl9pPr>
+          </a:lstStyle>
+          <a:p>
+            <a:r>
+              <a:rPr lang="en-US"/>
+              <a:t>Click icon to add picture</a:t>
+            </a:r>
+            <a:endParaRPr lang="en-US" dirty="0"/>
+          </a:p>
+        </p:txBody>
+      </p:sp>
+      <p:sp>
+        <p:nvSpPr>
+          <p:cNvPr id="4" name="Text Placeholder 3"/>
+          <p:cNvSpPr>
+            <a:spLocks noGrp="1"/>
+          </p:cNvSpPr>
+          <p:nvPr>
+            <p:ph type="body" sz="half" idx="2"/>
+          </p:nvPr>
+        </p:nvSpPr>
+        <p:spPr>
+          <a:xfrm>
+            <a:off x="913795" y="5108728"/>
+            <a:ext cx="10365998" cy="682472"/>
+          </a:xfrm>
+        </p:spPr>
+        <p:txBody>
+          <a:bodyPr>
+            <a:normAutofit/>
+          </a:bodyPr>
+          <a:lstStyle>
+            <a:lvl1pPr marL="0" indent="0" algn="ctr">
+              <a:buNone/>
+              <a:defRPr sz="1800"/>
+            </a:lvl1pPr>
+            <a:lvl2pPr marL="457200" indent="0">
+              <a:buNone/>
+              <a:defRPr sz="1400"/>
+            </a:lvl2pPr>
+            <a:lvl3pPr marL="914400" indent="0">
+              <a:buNone/>
+              <a:defRPr sz="1200"/>
+            </a:lvl3pPr>
+            <a:lvl4pPr marL="1371600" indent="0">
+              <a:buNone/>
+              <a:defRPr sz="1000"/>
+            </a:lvl4pPr>
+            <a:lvl5pPr marL="1828800" indent="0">
+              <a:buNone/>
+              <a:defRPr sz="1000"/>
+            </a:lvl5pPr>
+            <a:lvl6pPr marL="2286000" indent="0">
+              <a:buNone/>
+              <a:defRPr sz="1000"/>
+            </a:lvl6pPr>
+            <a:lvl7pPr marL="2743200" indent="0">
+              <a:buNone/>
+              <a:defRPr sz="1000"/>
+            </a:lvl7pPr>
+            <a:lvl8pPr marL="3200400" indent="0">
+              <a:buNone/>
+              <a:defRPr sz="1000"/>
+            </a:lvl8pPr>
+            <a:lvl9pPr marL="3657600" indent="0">
+              <a:buNone/>
+              <a:defRPr sz="1000"/>
+            </a:lvl9pPr>
+          </a:lstStyle>
+          <a:p>
+            <a:pPr lvl="0"/>
+            <a:r>
+              <a:rPr lang="en-US"/>
+              <a:t>Click to edit Master text styles</a:t>
+            </a:r>
+          </a:p>
+        </p:txBody>
+      </p:sp>
+      <p:sp>
+        <p:nvSpPr>
+          <p:cNvPr id="5" name="Date Placeholder 4"/>
+          <p:cNvSpPr>
+            <a:spLocks noGrp="1"/>
+          </p:cNvSpPr>
+          <p:nvPr>
+            <p:ph type="dt" sz="half" idx="10"/>
+          </p:nvPr>
+        </p:nvSpPr>
+        <p:spPr/>
+        <p:txBody>
+          <a:bodyPr/>
+          <a:lstStyle/>
+          <a:p>
+            <a:fld id="{819EA221-4188-4646-9974-043ED30BD88A}" type="datetimeFigureOut">
+              <a:rPr lang="en-US" smtClean="0"/>
+              <a:t>11/10/2022</a:t>
+            </a:fld>
+            <a:endParaRPr lang="en-US"/>
+          </a:p>
+        </p:txBody>
+      </p:sp>
+      <p:sp>
+        <p:nvSpPr>
+          <p:cNvPr id="6" name="Footer Placeholder 5"/>
+          <p:cNvSpPr>
+            <a:spLocks noGrp="1"/>
+          </p:cNvSpPr>
+          <p:nvPr>
+            <p:ph type="ftr" sz="quarter" idx="11"/>
+          </p:nvPr>
+        </p:nvSpPr>
+        <p:spPr/>
+        <p:txBody>
+          <a:bodyPr/>
+          <a:lstStyle/>
+          <a:p>
+            <a:endParaRPr lang="en-US"/>
+          </a:p>
+        </p:txBody>
+      </p:sp>
+      <p:sp>
+        <p:nvSpPr>
+          <p:cNvPr id="7" name="Slide Number Placeholder 6"/>
+          <p:cNvSpPr>
+            <a:spLocks noGrp="1"/>
+          </p:cNvSpPr>
+          <p:nvPr>
+            <p:ph type="sldNum" sz="quarter" idx="12"/>
+          </p:nvPr>
+        </p:nvSpPr>
+        <p:spPr/>
+        <p:txBody>
+          <a:bodyPr/>
+          <a:lstStyle/>
+          <a:p>
+            <a:fld id="{817656AC-C31C-47CE-AB64-4449965F0314}" type="slidenum">
+              <a:rPr lang="en-US" smtClean="0"/>
+              <a:t>‹#›</a:t>
+            </a:fld>
+            <a:endParaRPr lang="en-US"/>
+          </a:p>
+        </p:txBody>
+      </p:sp>
+    </p:spTree>
+    <p:extLst>
+      <p:ext uri="{BB962C8B-B14F-4D97-AF65-F5344CB8AC3E}">
+        <p14:creationId xmlns:p14="http://schemas.microsoft.com/office/powerpoint/2010/main" val="736855864"/>
+      </p:ext>
+    </p:extLst>
+  </p:cSld>
+  <p:clrMapOvr>
+    <a:masterClrMapping/>
+  </p:clrMapOvr>
+</p:sldLayout>
+</file>
+
+<file path=ppt/slideLayouts/slideLayout11.xml><?xml version="1.0" encoding="utf-8"?>
+<p:sldLayout xmlns:a="http://schemas.openxmlformats.org/drawingml/2006/main" xmlns:r="http://schemas.openxmlformats.org/officeDocument/2006/relationships" xmlns:p="http://schemas.openxmlformats.org/presentationml/2006/main" preserve="1">
+  <p:cSld name="Title and Caption">
+    <p:spTree>
+      <p:nvGrpSpPr>
+        <p:cNvPr id="1" name=""/>
+        <p:cNvGrpSpPr/>
+        <p:nvPr/>
+      </p:nvGrpSpPr>
+      <p:grpSpPr>
+        <a:xfrm>
+          <a:off x="0" y="0"/>
+          <a:ext cx="0" cy="0"/>
+          <a:chOff x="0" y="0"/>
+          <a:chExt cx="0" cy="0"/>
+        </a:xfrm>
+      </p:grpSpPr>
+      <p:sp>
+        <p:nvSpPr>
+          <p:cNvPr id="2" name="Title 1"/>
+          <p:cNvSpPr>
+            <a:spLocks noGrp="1"/>
+          </p:cNvSpPr>
+          <p:nvPr>
+            <p:ph type="title"/>
+          </p:nvPr>
+        </p:nvSpPr>
+        <p:spPr>
+          <a:xfrm>
+            <a:off x="913795" y="609600"/>
+            <a:ext cx="10353762" cy="3424859"/>
+          </a:xfrm>
+        </p:spPr>
+        <p:txBody>
+          <a:bodyPr anchor="ctr"/>
+          <a:lstStyle>
+            <a:lvl1pPr>
+              <a:defRPr sz="3200"/>
+            </a:lvl1pPr>
+          </a:lstStyle>
+          <a:p>
+            <a:r>
+              <a:rPr lang="en-US"/>
+              <a:t>Click to edit Master title style</a:t>
+            </a:r>
+            <a:endParaRPr lang="en-US" dirty="0"/>
+          </a:p>
+        </p:txBody>
+      </p:sp>
+      <p:sp>
+        <p:nvSpPr>
+          <p:cNvPr id="4" name="Text Placeholder 3"/>
+          <p:cNvSpPr>
+            <a:spLocks noGrp="1"/>
+          </p:cNvSpPr>
+          <p:nvPr>
+            <p:ph type="body" sz="half" idx="2"/>
+          </p:nvPr>
+        </p:nvSpPr>
+        <p:spPr>
+          <a:xfrm>
+            <a:off x="913795" y="4204820"/>
+            <a:ext cx="10353761" cy="1592186"/>
+          </a:xfrm>
+        </p:spPr>
+        <p:txBody>
+          <a:bodyPr anchor="ctr"/>
+          <a:lstStyle>
+            <a:lvl1pPr marL="0" indent="0" algn="ctr">
+              <a:buNone/>
+              <a:defRPr sz="1600"/>
+            </a:lvl1pPr>
+            <a:lvl2pPr marL="457200" indent="0">
+              <a:buNone/>
+              <a:defRPr sz="1400"/>
+            </a:lvl2pPr>
+            <a:lvl3pPr marL="914400" indent="0">
+              <a:buNone/>
+              <a:defRPr sz="1200"/>
+            </a:lvl3pPr>
+            <a:lvl4pPr marL="1371600" indent="0">
+              <a:buNone/>
+              <a:defRPr sz="1000"/>
+            </a:lvl4pPr>
+            <a:lvl5pPr marL="1828800" indent="0">
+              <a:buNone/>
+              <a:defRPr sz="1000"/>
+            </a:lvl5pPr>
+            <a:lvl6pPr marL="2286000" indent="0">
+              <a:buNone/>
+              <a:defRPr sz="1000"/>
+            </a:lvl6pPr>
+            <a:lvl7pPr marL="2743200" indent="0">
+              <a:buNone/>
+              <a:defRPr sz="1000"/>
+            </a:lvl7pPr>
+            <a:lvl8pPr marL="3200400" indent="0">
+              <a:buNone/>
+              <a:defRPr sz="1000"/>
+            </a:lvl8pPr>
+            <a:lvl9pPr marL="3657600" indent="0">
+              <a:buNone/>
+              <a:defRPr sz="1000"/>
+            </a:lvl9pPr>
+          </a:lstStyle>
+          <a:p>
+            <a:pPr lvl="0"/>
+            <a:r>
+              <a:rPr lang="en-US"/>
+              <a:t>Click to edit Master text styles</a:t>
+            </a:r>
+          </a:p>
+        </p:txBody>
+      </p:sp>
+      <p:sp>
+        <p:nvSpPr>
+          <p:cNvPr id="5" name="Date Placeholder 4"/>
+          <p:cNvSpPr>
+            <a:spLocks noGrp="1"/>
+          </p:cNvSpPr>
+          <p:nvPr>
+            <p:ph type="dt" sz="half" idx="10"/>
+          </p:nvPr>
+        </p:nvSpPr>
+        <p:spPr/>
+        <p:txBody>
+          <a:bodyPr/>
+          <a:lstStyle/>
+          <a:p>
+            <a:fld id="{819EA221-4188-4646-9974-043ED30BD88A}" type="datetimeFigureOut">
+              <a:rPr lang="en-US" smtClean="0"/>
+              <a:t>11/10/2022</a:t>
+            </a:fld>
+            <a:endParaRPr lang="en-US"/>
+          </a:p>
+        </p:txBody>
+      </p:sp>
+      <p:sp>
+        <p:nvSpPr>
+          <p:cNvPr id="6" name="Footer Placeholder 5"/>
+          <p:cNvSpPr>
+            <a:spLocks noGrp="1"/>
+          </p:cNvSpPr>
+          <p:nvPr>
+            <p:ph type="ftr" sz="quarter" idx="11"/>
+          </p:nvPr>
+        </p:nvSpPr>
+        <p:spPr/>
+        <p:txBody>
+          <a:bodyPr/>
+          <a:lstStyle/>
+          <a:p>
+            <a:endParaRPr lang="en-US"/>
+          </a:p>
+        </p:txBody>
+      </p:sp>
+      <p:sp>
+        <p:nvSpPr>
+          <p:cNvPr id="7" name="Slide Number Placeholder 6"/>
+          <p:cNvSpPr>
+            <a:spLocks noGrp="1"/>
+          </p:cNvSpPr>
+          <p:nvPr>
+            <p:ph type="sldNum" sz="quarter" idx="12"/>
+          </p:nvPr>
+        </p:nvSpPr>
+        <p:spPr/>
+        <p:txBody>
+          <a:bodyPr/>
+          <a:lstStyle/>
+          <a:p>
+            <a:fld id="{817656AC-C31C-47CE-AB64-4449965F0314}" type="slidenum">
+              <a:rPr lang="en-US" smtClean="0"/>
+              <a:t>‹#›</a:t>
+            </a:fld>
+            <a:endParaRPr lang="en-US"/>
+          </a:p>
+        </p:txBody>
+      </p:sp>
+    </p:spTree>
+    <p:extLst>
+      <p:ext uri="{BB962C8B-B14F-4D97-AF65-F5344CB8AC3E}">
+        <p14:creationId xmlns:p14="http://schemas.microsoft.com/office/powerpoint/2010/main" val="3153394917"/>
+      </p:ext>
+    </p:extLst>
+  </p:cSld>
+  <p:clrMapOvr>
+    <a:masterClrMapping/>
+  </p:clrMapOvr>
+</p:sldLayout>
+</file>
+
+<file path=ppt/slideLayouts/slideLayout12.xml><?xml version="1.0" encoding="utf-8"?>
+<p:sldLayout xmlns:a="http://schemas.openxmlformats.org/drawingml/2006/main" xmlns:r="http://schemas.openxmlformats.org/officeDocument/2006/relationships" xmlns:p="http://schemas.openxmlformats.org/presentationml/2006/main" preserve="1">
+  <p:cSld name="Quote with Caption">
+    <p:spTree>
+      <p:nvGrpSpPr>
+        <p:cNvPr id="1" name=""/>
+        <p:cNvGrpSpPr/>
+        <p:nvPr/>
+      </p:nvGrpSpPr>
+      <p:grpSpPr>
+        <a:xfrm>
+          <a:off x="0" y="0"/>
+          <a:ext cx="0" cy="0"/>
+          <a:chOff x="0" y="0"/>
+          <a:chExt cx="0" cy="0"/>
+        </a:xfrm>
+      </p:grpSpPr>
+      <p:sp>
+        <p:nvSpPr>
+          <p:cNvPr id="2" name="Title 1"/>
+          <p:cNvSpPr>
+            <a:spLocks noGrp="1"/>
+          </p:cNvSpPr>
+          <p:nvPr>
+            <p:ph type="title"/>
+          </p:nvPr>
+        </p:nvSpPr>
+        <p:spPr>
+          <a:xfrm>
+            <a:off x="1446212" y="609600"/>
+            <a:ext cx="9302752" cy="2992904"/>
+          </a:xfrm>
+        </p:spPr>
+        <p:txBody>
+          <a:bodyPr anchor="ctr"/>
+          <a:lstStyle>
+            <a:lvl1pPr>
+              <a:defRPr sz="3200"/>
+            </a:lvl1pPr>
+          </a:lstStyle>
+          <a:p>
+            <a:r>
+              <a:rPr lang="en-US"/>
+              <a:t>Click to edit Master title style</a:t>
+            </a:r>
+            <a:endParaRPr lang="en-US" dirty="0"/>
+          </a:p>
+        </p:txBody>
+      </p:sp>
+      <p:sp>
+        <p:nvSpPr>
+          <p:cNvPr id="12" name="Text Placeholder 3"/>
+          <p:cNvSpPr>
+            <a:spLocks noGrp="1"/>
+          </p:cNvSpPr>
+          <p:nvPr>
+            <p:ph type="body" sz="half" idx="13"/>
+          </p:nvPr>
+        </p:nvSpPr>
+        <p:spPr>
+          <a:xfrm>
+            <a:off x="1720644" y="3610032"/>
+            <a:ext cx="8752299" cy="426812"/>
+          </a:xfrm>
+        </p:spPr>
+        <p:txBody>
+          <a:bodyPr anchor="t">
+            <a:normAutofit/>
+          </a:bodyPr>
+          <a:lstStyle>
+            <a:lvl1pPr marL="0" indent="0" algn="r">
+              <a:buNone/>
+              <a:defRPr sz="1400"/>
+            </a:lvl1pPr>
+            <a:lvl2pPr marL="457200" indent="0">
+              <a:buNone/>
+              <a:defRPr sz="1400"/>
+            </a:lvl2pPr>
+            <a:lvl3pPr marL="914400" indent="0">
+              <a:buNone/>
+              <a:defRPr sz="1200"/>
+            </a:lvl3pPr>
+            <a:lvl4pPr marL="1371600" indent="0">
+              <a:buNone/>
+              <a:defRPr sz="1000"/>
+            </a:lvl4pPr>
+            <a:lvl5pPr marL="1828800" indent="0">
+              <a:buNone/>
+              <a:defRPr sz="1000"/>
+            </a:lvl5pPr>
+            <a:lvl6pPr marL="2286000" indent="0">
+              <a:buNone/>
+              <a:defRPr sz="1000"/>
+            </a:lvl6pPr>
+            <a:lvl7pPr marL="2743200" indent="0">
+              <a:buNone/>
+              <a:defRPr sz="1000"/>
+            </a:lvl7pPr>
+            <a:lvl8pPr marL="3200400" indent="0">
+              <a:buNone/>
+              <a:defRPr sz="1000"/>
+            </a:lvl8pPr>
+            <a:lvl9pPr marL="3657600" indent="0">
+              <a:buNone/>
+              <a:defRPr sz="1000"/>
+            </a:lvl9pPr>
+          </a:lstStyle>
+          <a:p>
+            <a:pPr lvl="0"/>
+            <a:r>
+              <a:rPr lang="en-US"/>
+              <a:t>Click to edit Master text styles</a:t>
+            </a:r>
+          </a:p>
+        </p:txBody>
+      </p:sp>
+      <p:sp>
+        <p:nvSpPr>
+          <p:cNvPr id="4" name="Text Placeholder 3"/>
+          <p:cNvSpPr>
+            <a:spLocks noGrp="1"/>
+          </p:cNvSpPr>
+          <p:nvPr>
+            <p:ph type="body" sz="half" idx="2"/>
+          </p:nvPr>
+        </p:nvSpPr>
+        <p:spPr>
+          <a:xfrm>
+            <a:off x="913794" y="4204821"/>
+            <a:ext cx="10353762" cy="1586380"/>
+          </a:xfrm>
+        </p:spPr>
+        <p:txBody>
+          <a:bodyPr anchor="ctr">
+            <a:normAutofit/>
+          </a:bodyPr>
+          <a:lstStyle>
+            <a:lvl1pPr marL="0" indent="0" algn="ctr">
+              <a:buNone/>
+              <a:defRPr sz="1600"/>
+            </a:lvl1pPr>
+            <a:lvl2pPr marL="457200" indent="0">
+              <a:buNone/>
+              <a:defRPr sz="1400"/>
+            </a:lvl2pPr>
+            <a:lvl3pPr marL="914400" indent="0">
+              <a:buNone/>
+              <a:defRPr sz="1200"/>
+            </a:lvl3pPr>
+            <a:lvl4pPr marL="1371600" indent="0">
+              <a:buNone/>
+              <a:defRPr sz="1000"/>
+            </a:lvl4pPr>
+            <a:lvl5pPr marL="1828800" indent="0">
+              <a:buNone/>
+              <a:defRPr sz="1000"/>
+            </a:lvl5pPr>
+            <a:lvl6pPr marL="2286000" indent="0">
+              <a:buNone/>
+              <a:defRPr sz="1000"/>
+            </a:lvl6pPr>
+            <a:lvl7pPr marL="2743200" indent="0">
+              <a:buNone/>
+              <a:defRPr sz="1000"/>
+            </a:lvl7pPr>
+            <a:lvl8pPr marL="3200400" indent="0">
+              <a:buNone/>
+              <a:defRPr sz="1000"/>
+            </a:lvl8pPr>
+            <a:lvl9pPr marL="3657600" indent="0">
+              <a:buNone/>
+              <a:defRPr sz="1000"/>
+            </a:lvl9pPr>
+          </a:lstStyle>
+          <a:p>
+            <a:pPr lvl="0"/>
+            <a:r>
+              <a:rPr lang="en-US"/>
+              <a:t>Click to edit Master text styles</a:t>
+            </a:r>
+          </a:p>
+        </p:txBody>
+      </p:sp>
+      <p:sp>
+        <p:nvSpPr>
+          <p:cNvPr id="5" name="Date Placeholder 4"/>
+          <p:cNvSpPr>
+            <a:spLocks noGrp="1"/>
+          </p:cNvSpPr>
+          <p:nvPr>
+            <p:ph type="dt" sz="half" idx="10"/>
+          </p:nvPr>
+        </p:nvSpPr>
+        <p:spPr/>
+        <p:txBody>
+          <a:bodyPr/>
+          <a:lstStyle/>
+          <a:p>
+            <a:fld id="{819EA221-4188-4646-9974-043ED30BD88A}" type="datetimeFigureOut">
+              <a:rPr lang="en-US" smtClean="0"/>
+              <a:t>11/10/2022</a:t>
+            </a:fld>
+            <a:endParaRPr lang="en-US"/>
+          </a:p>
+        </p:txBody>
+      </p:sp>
+      <p:sp>
+        <p:nvSpPr>
+          <p:cNvPr id="6" name="Footer Placeholder 5"/>
+          <p:cNvSpPr>
+            <a:spLocks noGrp="1"/>
+          </p:cNvSpPr>
+          <p:nvPr>
+            <p:ph type="ftr" sz="quarter" idx="11"/>
+          </p:nvPr>
+        </p:nvSpPr>
+        <p:spPr/>
+        <p:txBody>
+          <a:bodyPr/>
+          <a:lstStyle/>
+          <a:p>
+            <a:endParaRPr lang="en-US"/>
+          </a:p>
+        </p:txBody>
+      </p:sp>
+      <p:sp>
+        <p:nvSpPr>
+          <p:cNvPr id="7" name="Slide Number Placeholder 6"/>
+          <p:cNvSpPr>
+            <a:spLocks noGrp="1"/>
+          </p:cNvSpPr>
+          <p:nvPr>
+            <p:ph type="sldNum" sz="quarter" idx="12"/>
+          </p:nvPr>
+        </p:nvSpPr>
+        <p:spPr/>
+        <p:txBody>
+          <a:bodyPr/>
+          <a:lstStyle/>
+          <a:p>
+            <a:fld id="{817656AC-C31C-47CE-AB64-4449965F0314}" type="slidenum">
+              <a:rPr lang="en-US" smtClean="0"/>
+              <a:t>‹#›</a:t>
+            </a:fld>
+            <a:endParaRPr lang="en-US"/>
+          </a:p>
+        </p:txBody>
+      </p:sp>
+      <p:sp>
+        <p:nvSpPr>
+          <p:cNvPr id="11" name="TextBox 10"/>
+          <p:cNvSpPr txBox="1"/>
+          <p:nvPr/>
+        </p:nvSpPr>
+        <p:spPr>
+          <a:xfrm>
+            <a:off x="836612" y="735241"/>
+            <a:ext cx="609600" cy="584776"/>
+          </a:xfrm>
+          <a:prstGeom prst="rect">
+            <a:avLst/>
+          </a:prstGeom>
+        </p:spPr>
+        <p:txBody>
+          <a:bodyPr vert="horz" lIns="91440" tIns="45720" rIns="91440" bIns="45720" rtlCol="0" anchor="ctr">
+            <a:noAutofit/>
+          </a:bodyPr>
+          <a:lstStyle>
+            <a:lvl1pPr>
+              <a:spcBef>
+                <a:spcPct val="0"/>
+              </a:spcBef>
+              <a:buNone/>
+              <a:defRPr sz="3200" b="0" cap="all">
+                <a:ln w="3175" cmpd="sng">
+                  <a:noFill/>
+                </a:ln>
+                <a:effectLst>
+                  <a:glow rad="38100">
+                    <a:schemeClr val="bg1">
+                      <a:lumMod val="65000"/>
+                      <a:lumOff val="35000"/>
+                      <a:alpha val="40000"/>
+                    </a:schemeClr>
+                  </a:glow>
+                  <a:outerShdw blurRad="28575" dist="38100" dir="14040000" algn="tl" rotWithShape="0">
+                    <a:srgbClr val="000000">
+                      <a:alpha val="25000"/>
+                    </a:srgbClr>
+                  </a:outerShdw>
+                </a:effectLst>
+              </a:defRPr>
+            </a:lvl1pPr>
+            <a:lvl2pPr>
+              <a:defRPr>
+                <a:solidFill>
+                  <a:schemeClr val="tx2"/>
+                </a:solidFill>
+              </a:defRPr>
+            </a:lvl2pPr>
+            <a:lvl3pPr>
+              <a:defRPr>
+                <a:solidFill>
+                  <a:schemeClr val="tx2"/>
+                </a:solidFill>
+              </a:defRPr>
+            </a:lvl3pPr>
+            <a:lvl4pPr>
+              <a:defRPr>
+                <a:solidFill>
+                  <a:schemeClr val="tx2"/>
+                </a:solidFill>
+              </a:defRPr>
+            </a:lvl4pPr>
+            <a:lvl5pPr>
+              <a:defRPr>
+                <a:solidFill>
+                  <a:schemeClr val="tx2"/>
+                </a:solidFill>
+              </a:defRPr>
+            </a:lvl5pPr>
+            <a:lvl6pPr>
+              <a:defRPr>
+                <a:solidFill>
+                  <a:schemeClr val="tx2"/>
+                </a:solidFill>
+              </a:defRPr>
+            </a:lvl6pPr>
+            <a:lvl7pPr>
+              <a:defRPr>
+                <a:solidFill>
+                  <a:schemeClr val="tx2"/>
+                </a:solidFill>
+              </a:defRPr>
+            </a:lvl7pPr>
+            <a:lvl8pPr>
+              <a:defRPr>
+                <a:solidFill>
+                  <a:schemeClr val="tx2"/>
+                </a:solidFill>
+              </a:defRPr>
+            </a:lvl8pPr>
+            <a:lvl9pPr>
+              <a:defRPr>
+                <a:solidFill>
+                  <a:schemeClr val="tx2"/>
+                </a:solidFill>
+              </a:defRPr>
+            </a:lvl9pPr>
+          </a:lstStyle>
+          <a:p>
+            <a:pPr lvl="0"/>
+            <a:r>
+              <a:rPr lang="en-US" sz="8000" dirty="0">
+                <a:solidFill>
+                  <a:schemeClr val="tx1"/>
+                </a:solidFill>
+                <a:effectLst/>
+              </a:rPr>
+              <a:t>“</a:t>
+            </a:r>
+          </a:p>
+        </p:txBody>
+      </p:sp>
+      <p:sp>
+        <p:nvSpPr>
+          <p:cNvPr id="13" name="TextBox 12"/>
+          <p:cNvSpPr txBox="1"/>
+          <p:nvPr/>
+        </p:nvSpPr>
+        <p:spPr>
+          <a:xfrm>
+            <a:off x="10657956" y="2972093"/>
+            <a:ext cx="609600" cy="584776"/>
+          </a:xfrm>
+          <a:prstGeom prst="rect">
+            <a:avLst/>
+          </a:prstGeom>
+        </p:spPr>
+        <p:txBody>
+          <a:bodyPr vert="horz" lIns="91440" tIns="45720" rIns="91440" bIns="45720" rtlCol="0" anchor="ctr">
+            <a:noAutofit/>
+          </a:bodyPr>
+          <a:lstStyle>
+            <a:lvl1pPr>
+              <a:spcBef>
+                <a:spcPct val="0"/>
+              </a:spcBef>
+              <a:buNone/>
+              <a:defRPr sz="3200" b="0" cap="all">
+                <a:ln w="3175" cmpd="sng">
+                  <a:noFill/>
+                </a:ln>
+                <a:effectLst>
+                  <a:glow rad="38100">
+                    <a:schemeClr val="bg1">
+                      <a:lumMod val="65000"/>
+                      <a:lumOff val="35000"/>
+                      <a:alpha val="40000"/>
+                    </a:schemeClr>
+                  </a:glow>
+                  <a:outerShdw blurRad="28575" dist="38100" dir="14040000" algn="tl" rotWithShape="0">
+                    <a:srgbClr val="000000">
+                      <a:alpha val="25000"/>
+                    </a:srgbClr>
+                  </a:outerShdw>
+                </a:effectLst>
+              </a:defRPr>
+            </a:lvl1pPr>
+            <a:lvl2pPr>
+              <a:defRPr>
+                <a:solidFill>
+                  <a:schemeClr val="tx2"/>
+                </a:solidFill>
+              </a:defRPr>
+            </a:lvl2pPr>
+            <a:lvl3pPr>
+              <a:defRPr>
+                <a:solidFill>
+                  <a:schemeClr val="tx2"/>
+                </a:solidFill>
+              </a:defRPr>
+            </a:lvl3pPr>
+            <a:lvl4pPr>
+              <a:defRPr>
+                <a:solidFill>
+                  <a:schemeClr val="tx2"/>
+                </a:solidFill>
+              </a:defRPr>
+            </a:lvl4pPr>
+            <a:lvl5pPr>
+              <a:defRPr>
+                <a:solidFill>
+                  <a:schemeClr val="tx2"/>
+                </a:solidFill>
+              </a:defRPr>
+            </a:lvl5pPr>
+            <a:lvl6pPr>
+              <a:defRPr>
+                <a:solidFill>
+                  <a:schemeClr val="tx2"/>
+                </a:solidFill>
+              </a:defRPr>
+            </a:lvl6pPr>
+            <a:lvl7pPr>
+              <a:defRPr>
+                <a:solidFill>
+                  <a:schemeClr val="tx2"/>
+                </a:solidFill>
+              </a:defRPr>
+            </a:lvl7pPr>
+            <a:lvl8pPr>
+              <a:defRPr>
+                <a:solidFill>
+                  <a:schemeClr val="tx2"/>
+                </a:solidFill>
+              </a:defRPr>
+            </a:lvl8pPr>
+            <a:lvl9pPr>
+              <a:defRPr>
+                <a:solidFill>
+                  <a:schemeClr val="tx2"/>
+                </a:solidFill>
+              </a:defRPr>
+            </a:lvl9pPr>
+          </a:lstStyle>
+          <a:p>
+            <a:pPr lvl="0" algn="r"/>
+            <a:r>
+              <a:rPr lang="en-US" sz="8000" dirty="0">
+                <a:solidFill>
+                  <a:schemeClr val="tx1"/>
+                </a:solidFill>
+                <a:effectLst/>
+              </a:rPr>
+              <a:t>”</a:t>
+            </a:r>
+          </a:p>
+        </p:txBody>
+      </p:sp>
+    </p:spTree>
+    <p:extLst>
+      <p:ext uri="{BB962C8B-B14F-4D97-AF65-F5344CB8AC3E}">
+        <p14:creationId xmlns:p14="http://schemas.microsoft.com/office/powerpoint/2010/main" val="818715489"/>
+      </p:ext>
+    </p:extLst>
+  </p:cSld>
+  <p:clrMapOvr>
+    <a:masterClrMapping/>
+  </p:clrMapOvr>
+</p:sldLayout>
+</file>
+
+<file path=ppt/slideLayouts/slideLayout13.xml><?xml version="1.0" encoding="utf-8"?>
+<p:sldLayout xmlns:a="http://schemas.openxmlformats.org/drawingml/2006/main" xmlns:r="http://schemas.openxmlformats.org/officeDocument/2006/relationships" xmlns:p="http://schemas.openxmlformats.org/presentationml/2006/main" preserve="1">
+  <p:cSld name="Name Card">
+    <p:spTree>
+      <p:nvGrpSpPr>
+        <p:cNvPr id="1" name=""/>
+        <p:cNvGrpSpPr/>
+        <p:nvPr/>
+      </p:nvGrpSpPr>
+      <p:grpSpPr>
+        <a:xfrm>
+          <a:off x="0" y="0"/>
+          <a:ext cx="0" cy="0"/>
+          <a:chOff x="0" y="0"/>
+          <a:chExt cx="0" cy="0"/>
+        </a:xfrm>
+      </p:grpSpPr>
+      <p:sp>
+        <p:nvSpPr>
+          <p:cNvPr id="2" name="Title 1"/>
+          <p:cNvSpPr>
+            <a:spLocks noGrp="1"/>
+          </p:cNvSpPr>
+          <p:nvPr>
+            <p:ph type="title"/>
+          </p:nvPr>
+        </p:nvSpPr>
+        <p:spPr>
+          <a:xfrm>
+            <a:off x="913806" y="2126942"/>
+            <a:ext cx="10355327" cy="2511835"/>
+          </a:xfrm>
+        </p:spPr>
+        <p:txBody>
+          <a:bodyPr anchor="b"/>
+          <a:lstStyle>
+            <a:lvl1pPr>
+              <a:defRPr sz="3200"/>
+            </a:lvl1pPr>
+          </a:lstStyle>
+          <a:p>
+            <a:r>
+              <a:rPr lang="en-US"/>
+              <a:t>Click to edit Master title style</a:t>
+            </a:r>
+            <a:endParaRPr lang="en-US" dirty="0"/>
+          </a:p>
+        </p:txBody>
+      </p:sp>
+      <p:sp>
+        <p:nvSpPr>
+          <p:cNvPr id="4" name="Text Placeholder 3"/>
+          <p:cNvSpPr>
+            <a:spLocks noGrp="1"/>
+          </p:cNvSpPr>
+          <p:nvPr>
+            <p:ph type="body" sz="half" idx="2"/>
+          </p:nvPr>
+        </p:nvSpPr>
+        <p:spPr>
+          <a:xfrm>
+            <a:off x="913794" y="4650556"/>
+            <a:ext cx="10353763" cy="1140644"/>
+          </a:xfrm>
+        </p:spPr>
+        <p:txBody>
+          <a:bodyPr anchor="t"/>
+          <a:lstStyle>
+            <a:lvl1pPr marL="0" indent="0" algn="ctr">
+              <a:buNone/>
+              <a:defRPr sz="1600"/>
+            </a:lvl1pPr>
+            <a:lvl2pPr marL="457200" indent="0">
+              <a:buNone/>
+              <a:defRPr sz="1400"/>
+            </a:lvl2pPr>
+            <a:lvl3pPr marL="914400" indent="0">
+              <a:buNone/>
+              <a:defRPr sz="1200"/>
+            </a:lvl3pPr>
+            <a:lvl4pPr marL="1371600" indent="0">
+              <a:buNone/>
+              <a:defRPr sz="1000"/>
+            </a:lvl4pPr>
+            <a:lvl5pPr marL="1828800" indent="0">
+              <a:buNone/>
+              <a:defRPr sz="1000"/>
+            </a:lvl5pPr>
+            <a:lvl6pPr marL="2286000" indent="0">
+              <a:buNone/>
+              <a:defRPr sz="1000"/>
+            </a:lvl6pPr>
+            <a:lvl7pPr marL="2743200" indent="0">
+              <a:buNone/>
+              <a:defRPr sz="1000"/>
+            </a:lvl7pPr>
+            <a:lvl8pPr marL="3200400" indent="0">
+              <a:buNone/>
+              <a:defRPr sz="1000"/>
+            </a:lvl8pPr>
+            <a:lvl9pPr marL="3657600" indent="0">
+              <a:buNone/>
+              <a:defRPr sz="1000"/>
+            </a:lvl9pPr>
+          </a:lstStyle>
+          <a:p>
+            <a:pPr lvl="0"/>
+            <a:r>
+              <a:rPr lang="en-US"/>
+              <a:t>Click to edit Master text styles</a:t>
+            </a:r>
+          </a:p>
+        </p:txBody>
+      </p:sp>
+      <p:sp>
+        <p:nvSpPr>
+          <p:cNvPr id="5" name="Date Placeholder 4"/>
+          <p:cNvSpPr>
+            <a:spLocks noGrp="1"/>
+          </p:cNvSpPr>
+          <p:nvPr>
+            <p:ph type="dt" sz="half" idx="10"/>
+          </p:nvPr>
+        </p:nvSpPr>
+        <p:spPr/>
+        <p:txBody>
+          <a:bodyPr/>
+          <a:lstStyle/>
+          <a:p>
+            <a:fld id="{819EA221-4188-4646-9974-043ED30BD88A}" type="datetimeFigureOut">
+              <a:rPr lang="en-US" smtClean="0"/>
+              <a:t>11/10/2022</a:t>
+            </a:fld>
+            <a:endParaRPr lang="en-US"/>
+          </a:p>
+        </p:txBody>
+      </p:sp>
+      <p:sp>
+        <p:nvSpPr>
+          <p:cNvPr id="6" name="Footer Placeholder 5"/>
+          <p:cNvSpPr>
+            <a:spLocks noGrp="1"/>
+          </p:cNvSpPr>
+          <p:nvPr>
+            <p:ph type="ftr" sz="quarter" idx="11"/>
+          </p:nvPr>
+        </p:nvSpPr>
+        <p:spPr/>
+        <p:txBody>
+          <a:bodyPr/>
+          <a:lstStyle/>
+          <a:p>
+            <a:endParaRPr lang="en-US"/>
+          </a:p>
+        </p:txBody>
+      </p:sp>
+      <p:sp>
+        <p:nvSpPr>
+          <p:cNvPr id="7" name="Slide Number Placeholder 6"/>
+          <p:cNvSpPr>
+            <a:spLocks noGrp="1"/>
+          </p:cNvSpPr>
+          <p:nvPr>
+            <p:ph type="sldNum" sz="quarter" idx="12"/>
+          </p:nvPr>
+        </p:nvSpPr>
+        <p:spPr/>
+        <p:txBody>
+          <a:bodyPr/>
+          <a:lstStyle/>
+          <a:p>
+            <a:fld id="{817656AC-C31C-47CE-AB64-4449965F0314}" type="slidenum">
+              <a:rPr lang="en-US" smtClean="0"/>
+              <a:t>‹#›</a:t>
+            </a:fld>
+            <a:endParaRPr lang="en-US"/>
+          </a:p>
+        </p:txBody>
+      </p:sp>
+    </p:spTree>
+    <p:extLst>
+      <p:ext uri="{BB962C8B-B14F-4D97-AF65-F5344CB8AC3E}">
+        <p14:creationId xmlns:p14="http://schemas.microsoft.com/office/powerpoint/2010/main" val="209153256"/>
+      </p:ext>
+    </p:extLst>
+  </p:cSld>
+  <p:clrMapOvr>
+    <a:masterClrMapping/>
+  </p:clrMapOvr>
+</p:sldLayout>
+</file>
+
+<file path=ppt/slideLayouts/slideLayout14.xml><?xml version="1.0" encoding="utf-8"?>
+<p:sldLayout xmlns:a="http://schemas.openxmlformats.org/drawingml/2006/main" xmlns:r="http://schemas.openxmlformats.org/officeDocument/2006/relationships" xmlns:p="http://schemas.openxmlformats.org/presentationml/2006/main" preserve="1">
+  <p:cSld name="3 Column">
+    <p:spTree>
+      <p:nvGrpSpPr>
+        <p:cNvPr id="1" name=""/>
+        <p:cNvGrpSpPr/>
+        <p:nvPr/>
+      </p:nvGrpSpPr>
+      <p:grpSpPr>
+        <a:xfrm>
+          <a:off x="0" y="0"/>
+          <a:ext cx="0" cy="0"/>
+          <a:chOff x="0" y="0"/>
+          <a:chExt cx="0" cy="0"/>
+        </a:xfrm>
+      </p:grpSpPr>
+      <p:sp>
+        <p:nvSpPr>
+          <p:cNvPr id="15" name="Title 1"/>
+          <p:cNvSpPr>
+            <a:spLocks noGrp="1"/>
+          </p:cNvSpPr>
+          <p:nvPr>
+            <p:ph type="title"/>
+          </p:nvPr>
+        </p:nvSpPr>
+        <p:spPr>
+          <a:xfrm>
+            <a:off x="913794" y="609600"/>
+            <a:ext cx="10353762" cy="1325563"/>
+          </a:xfrm>
+        </p:spPr>
+        <p:txBody>
+          <a:bodyPr/>
+          <a:lstStyle/>
+          <a:p>
+            <a:r>
+              <a:rPr lang="en-US"/>
+              <a:t>Click to edit Master title style</a:t>
+            </a:r>
+            <a:endParaRPr lang="en-US" dirty="0"/>
+          </a:p>
+        </p:txBody>
+      </p:sp>
+      <p:sp>
+        <p:nvSpPr>
+          <p:cNvPr id="7" name="Text Placeholder 2"/>
+          <p:cNvSpPr>
+            <a:spLocks noGrp="1"/>
+          </p:cNvSpPr>
+          <p:nvPr>
+            <p:ph type="body" idx="1"/>
+          </p:nvPr>
+        </p:nvSpPr>
+        <p:spPr>
+          <a:xfrm>
+            <a:off x="913794" y="2088319"/>
+            <a:ext cx="3298956" cy="823305"/>
+          </a:xfrm>
+        </p:spPr>
+        <p:txBody>
+          <a:bodyPr anchor="b">
+            <a:noAutofit/>
+          </a:bodyPr>
+          <a:lstStyle>
+            <a:lvl1pPr marL="0" indent="0" algn="ctr">
+              <a:lnSpc>
+                <a:spcPct val="100000"/>
+              </a:lnSpc>
+              <a:buNone/>
+              <a:defRPr sz="2400" b="0">
+                <a:solidFill>
+                  <a:schemeClr val="tx1"/>
+                </a:solidFill>
+              </a:defRPr>
+            </a:lvl1pPr>
+            <a:lvl2pPr marL="457200" indent="0">
+              <a:buNone/>
+              <a:defRPr sz="2000" b="1"/>
+            </a:lvl2pPr>
+            <a:lvl3pPr marL="914400" indent="0">
+              <a:buNone/>
+              <a:defRPr sz="1800" b="1"/>
+            </a:lvl3pPr>
+            <a:lvl4pPr marL="1371600" indent="0">
+              <a:buNone/>
+              <a:defRPr sz="1600" b="1"/>
+            </a:lvl4pPr>
+            <a:lvl5pPr marL="1828800" indent="0">
+              <a:buNone/>
+              <a:defRPr sz="1600" b="1"/>
+            </a:lvl5pPr>
+            <a:lvl6pPr marL="2286000" indent="0">
+              <a:buNone/>
+              <a:defRPr sz="1600" b="1"/>
+            </a:lvl6pPr>
+            <a:lvl7pPr marL="2743200" indent="0">
+              <a:buNone/>
+              <a:defRPr sz="1600" b="1"/>
+            </a:lvl7pPr>
+            <a:lvl8pPr marL="3200400" indent="0">
+              <a:buNone/>
+              <a:defRPr sz="1600" b="1"/>
+            </a:lvl8pPr>
+            <a:lvl9pPr marL="3657600" indent="0">
+              <a:buNone/>
+              <a:defRPr sz="1600" b="1"/>
+            </a:lvl9pPr>
+          </a:lstStyle>
+          <a:p>
+            <a:pPr lvl="0"/>
+            <a:r>
+              <a:rPr lang="en-US"/>
+              <a:t>Click to edit Master text styles</a:t>
+            </a:r>
+          </a:p>
+        </p:txBody>
+      </p:sp>
+      <p:sp>
+        <p:nvSpPr>
+          <p:cNvPr id="8" name="Text Placeholder 3"/>
+          <p:cNvSpPr>
+            <a:spLocks noGrp="1"/>
+          </p:cNvSpPr>
+          <p:nvPr>
+            <p:ph type="body" sz="half" idx="15"/>
+          </p:nvPr>
+        </p:nvSpPr>
+        <p:spPr>
+          <a:xfrm>
+            <a:off x="913794" y="2911624"/>
+            <a:ext cx="3298956" cy="2879576"/>
+          </a:xfrm>
+        </p:spPr>
+        <p:txBody>
+          <a:bodyPr anchor="t">
+            <a:normAutofit/>
+          </a:bodyPr>
+          <a:lstStyle>
+            <a:lvl1pPr marL="0" indent="0" algn="ctr">
+              <a:buNone/>
+              <a:defRPr sz="1400"/>
+            </a:lvl1pPr>
+            <a:lvl2pPr marL="457200" indent="0">
+              <a:buNone/>
+              <a:defRPr sz="1200"/>
+            </a:lvl2pPr>
+            <a:lvl3pPr marL="914400" indent="0">
+              <a:buNone/>
+              <a:defRPr sz="1000"/>
+            </a:lvl3pPr>
+            <a:lvl4pPr marL="1371600" indent="0">
+              <a:buNone/>
+              <a:defRPr sz="900"/>
+            </a:lvl4pPr>
+            <a:lvl5pPr marL="1828800" indent="0">
+              <a:buNone/>
+              <a:defRPr sz="900"/>
+            </a:lvl5pPr>
+            <a:lvl6pPr marL="2286000" indent="0">
+              <a:buNone/>
+              <a:defRPr sz="900"/>
+            </a:lvl6pPr>
+            <a:lvl7pPr marL="2743200" indent="0">
+              <a:buNone/>
+              <a:defRPr sz="900"/>
+            </a:lvl7pPr>
+            <a:lvl8pPr marL="3200400" indent="0">
+              <a:buNone/>
+              <a:defRPr sz="900"/>
+            </a:lvl8pPr>
+            <a:lvl9pPr marL="3657600" indent="0">
+              <a:buNone/>
+              <a:defRPr sz="900"/>
+            </a:lvl9pPr>
+          </a:lstStyle>
+          <a:p>
+            <a:pPr lvl="0"/>
+            <a:r>
+              <a:rPr lang="en-US"/>
+              <a:t>Click to edit Master text styles</a:t>
+            </a:r>
+          </a:p>
+        </p:txBody>
+      </p:sp>
+      <p:sp>
+        <p:nvSpPr>
+          <p:cNvPr id="9" name="Text Placeholder 4"/>
+          <p:cNvSpPr>
+            <a:spLocks noGrp="1"/>
+          </p:cNvSpPr>
+          <p:nvPr>
+            <p:ph type="body" sz="quarter" idx="3"/>
+          </p:nvPr>
+        </p:nvSpPr>
+        <p:spPr>
+          <a:xfrm>
+            <a:off x="4444878" y="2088320"/>
+            <a:ext cx="3298558" cy="823304"/>
+          </a:xfrm>
+        </p:spPr>
+        <p:txBody>
+          <a:bodyPr anchor="b">
+            <a:noAutofit/>
+          </a:bodyPr>
+          <a:lstStyle>
+            <a:lvl1pPr marL="0" indent="0" algn="ctr">
+              <a:lnSpc>
+                <a:spcPct val="100000"/>
+              </a:lnSpc>
+              <a:buNone/>
+              <a:defRPr sz="2400" b="0">
+                <a:solidFill>
+                  <a:schemeClr val="tx1"/>
+                </a:solidFill>
+              </a:defRPr>
+            </a:lvl1pPr>
+            <a:lvl2pPr marL="457200" indent="0">
+              <a:buNone/>
+              <a:defRPr sz="2000" b="1"/>
+            </a:lvl2pPr>
+            <a:lvl3pPr marL="914400" indent="0">
+              <a:buNone/>
+              <a:defRPr sz="1800" b="1"/>
+            </a:lvl3pPr>
+            <a:lvl4pPr marL="1371600" indent="0">
+              <a:buNone/>
+              <a:defRPr sz="1600" b="1"/>
+            </a:lvl4pPr>
+            <a:lvl5pPr marL="1828800" indent="0">
+              <a:buNone/>
+              <a:defRPr sz="1600" b="1"/>
+            </a:lvl5pPr>
+            <a:lvl6pPr marL="2286000" indent="0">
+              <a:buNone/>
+              <a:defRPr sz="1600" b="1"/>
+            </a:lvl6pPr>
+            <a:lvl7pPr marL="2743200" indent="0">
+              <a:buNone/>
+              <a:defRPr sz="1600" b="1"/>
+            </a:lvl7pPr>
+            <a:lvl8pPr marL="3200400" indent="0">
+              <a:buNone/>
+              <a:defRPr sz="1600" b="1"/>
+            </a:lvl8pPr>
+            <a:lvl9pPr marL="3657600" indent="0">
+              <a:buNone/>
+              <a:defRPr sz="1600" b="1"/>
+            </a:lvl9pPr>
+          </a:lstStyle>
+          <a:p>
+            <a:pPr lvl="0"/>
+            <a:r>
+              <a:rPr lang="en-US"/>
+              <a:t>Click to edit Master text styles</a:t>
+            </a:r>
+          </a:p>
+        </p:txBody>
+      </p:sp>
+      <p:sp>
+        <p:nvSpPr>
+          <p:cNvPr id="10" name="Text Placeholder 3"/>
+          <p:cNvSpPr>
+            <a:spLocks noGrp="1"/>
+          </p:cNvSpPr>
+          <p:nvPr>
+            <p:ph type="body" sz="half" idx="16"/>
+          </p:nvPr>
+        </p:nvSpPr>
+        <p:spPr>
+          <a:xfrm>
+            <a:off x="4444878" y="2911624"/>
+            <a:ext cx="3299821" cy="2879576"/>
+          </a:xfrm>
+        </p:spPr>
+        <p:txBody>
+          <a:bodyPr anchor="t">
+            <a:normAutofit/>
+          </a:bodyPr>
+          <a:lstStyle>
+            <a:lvl1pPr marL="0" indent="0" algn="ctr">
+              <a:buNone/>
+              <a:defRPr sz="1400"/>
+            </a:lvl1pPr>
+            <a:lvl2pPr marL="457200" indent="0">
+              <a:buNone/>
+              <a:defRPr sz="1200"/>
+            </a:lvl2pPr>
+            <a:lvl3pPr marL="914400" indent="0">
+              <a:buNone/>
+              <a:defRPr sz="1000"/>
+            </a:lvl3pPr>
+            <a:lvl4pPr marL="1371600" indent="0">
+              <a:buNone/>
+              <a:defRPr sz="900"/>
+            </a:lvl4pPr>
+            <a:lvl5pPr marL="1828800" indent="0">
+              <a:buNone/>
+              <a:defRPr sz="900"/>
+            </a:lvl5pPr>
+            <a:lvl6pPr marL="2286000" indent="0">
+              <a:buNone/>
+              <a:defRPr sz="900"/>
+            </a:lvl6pPr>
+            <a:lvl7pPr marL="2743200" indent="0">
+              <a:buNone/>
+              <a:defRPr sz="900"/>
+            </a:lvl7pPr>
+            <a:lvl8pPr marL="3200400" indent="0">
+              <a:buNone/>
+              <a:defRPr sz="900"/>
+            </a:lvl8pPr>
+            <a:lvl9pPr marL="3657600" indent="0">
+              <a:buNone/>
+              <a:defRPr sz="900"/>
+            </a:lvl9pPr>
+          </a:lstStyle>
+          <a:p>
+            <a:pPr lvl="0"/>
+            <a:r>
+              <a:rPr lang="en-US"/>
+              <a:t>Click to edit Master text styles</a:t>
+            </a:r>
+          </a:p>
+        </p:txBody>
+      </p:sp>
+      <p:sp>
+        <p:nvSpPr>
+          <p:cNvPr id="11" name="Text Placeholder 4"/>
+          <p:cNvSpPr>
+            <a:spLocks noGrp="1"/>
+          </p:cNvSpPr>
+          <p:nvPr>
+            <p:ph type="body" sz="quarter" idx="13"/>
+          </p:nvPr>
+        </p:nvSpPr>
+        <p:spPr>
+          <a:xfrm>
+            <a:off x="7973298" y="2088320"/>
+            <a:ext cx="3291211" cy="823304"/>
+          </a:xfrm>
+        </p:spPr>
+        <p:txBody>
+          <a:bodyPr anchor="b">
+            <a:noAutofit/>
+          </a:bodyPr>
+          <a:lstStyle>
+            <a:lvl1pPr marL="0" indent="0" algn="ctr">
+              <a:lnSpc>
+                <a:spcPct val="100000"/>
+              </a:lnSpc>
+              <a:buNone/>
+              <a:defRPr sz="2400" b="0">
+                <a:solidFill>
+                  <a:schemeClr val="tx1"/>
+                </a:solidFill>
+              </a:defRPr>
+            </a:lvl1pPr>
+            <a:lvl2pPr marL="457200" indent="0">
+              <a:buNone/>
+              <a:defRPr sz="2000" b="1"/>
+            </a:lvl2pPr>
+            <a:lvl3pPr marL="914400" indent="0">
+              <a:buNone/>
+              <a:defRPr sz="1800" b="1"/>
+            </a:lvl3pPr>
+            <a:lvl4pPr marL="1371600" indent="0">
+              <a:buNone/>
+              <a:defRPr sz="1600" b="1"/>
+            </a:lvl4pPr>
+            <a:lvl5pPr marL="1828800" indent="0">
+              <a:buNone/>
+              <a:defRPr sz="1600" b="1"/>
+            </a:lvl5pPr>
+            <a:lvl6pPr marL="2286000" indent="0">
+              <a:buNone/>
+              <a:defRPr sz="1600" b="1"/>
+            </a:lvl6pPr>
+            <a:lvl7pPr marL="2743200" indent="0">
+              <a:buNone/>
+              <a:defRPr sz="1600" b="1"/>
+            </a:lvl7pPr>
+            <a:lvl8pPr marL="3200400" indent="0">
+              <a:buNone/>
+              <a:defRPr sz="1600" b="1"/>
+            </a:lvl8pPr>
+            <a:lvl9pPr marL="3657600" indent="0">
+              <a:buNone/>
+              <a:defRPr sz="1600" b="1"/>
+            </a:lvl9pPr>
+          </a:lstStyle>
+          <a:p>
+            <a:pPr lvl="0"/>
+            <a:r>
+              <a:rPr lang="en-US"/>
+              <a:t>Click to edit Master text styles</a:t>
+            </a:r>
+          </a:p>
+        </p:txBody>
+      </p:sp>
+      <p:sp>
+        <p:nvSpPr>
+          <p:cNvPr id="12" name="Text Placeholder 3"/>
+          <p:cNvSpPr>
+            <a:spLocks noGrp="1"/>
+          </p:cNvSpPr>
+          <p:nvPr>
+            <p:ph type="body" sz="half" idx="17"/>
+          </p:nvPr>
+        </p:nvSpPr>
+        <p:spPr>
+          <a:xfrm>
+            <a:off x="7976346" y="2911624"/>
+            <a:ext cx="3291211" cy="2879576"/>
+          </a:xfrm>
+        </p:spPr>
+        <p:txBody>
+          <a:bodyPr anchor="t">
+            <a:normAutofit/>
+          </a:bodyPr>
+          <a:lstStyle>
+            <a:lvl1pPr marL="0" indent="0" algn="ctr">
+              <a:buNone/>
+              <a:defRPr sz="1400"/>
+            </a:lvl1pPr>
+            <a:lvl2pPr marL="457200" indent="0">
+              <a:buNone/>
+              <a:defRPr sz="1200"/>
+            </a:lvl2pPr>
+            <a:lvl3pPr marL="914400" indent="0">
+              <a:buNone/>
+              <a:defRPr sz="1000"/>
+            </a:lvl3pPr>
+            <a:lvl4pPr marL="1371600" indent="0">
+              <a:buNone/>
+              <a:defRPr sz="900"/>
+            </a:lvl4pPr>
+            <a:lvl5pPr marL="1828800" indent="0">
+              <a:buNone/>
+              <a:defRPr sz="900"/>
+            </a:lvl5pPr>
+            <a:lvl6pPr marL="2286000" indent="0">
+              <a:buNone/>
+              <a:defRPr sz="900"/>
+            </a:lvl6pPr>
+            <a:lvl7pPr marL="2743200" indent="0">
+              <a:buNone/>
+              <a:defRPr sz="900"/>
+            </a:lvl7pPr>
+            <a:lvl8pPr marL="3200400" indent="0">
+              <a:buNone/>
+              <a:defRPr sz="900"/>
+            </a:lvl8pPr>
+            <a:lvl9pPr marL="3657600" indent="0">
+              <a:buNone/>
+              <a:defRPr sz="900"/>
+            </a:lvl9pPr>
+          </a:lstStyle>
+          <a:p>
+            <a:pPr lvl="0"/>
+            <a:r>
+              <a:rPr lang="en-US"/>
+              <a:t>Click to edit Master text styles</a:t>
+            </a:r>
+          </a:p>
+        </p:txBody>
+      </p:sp>
+      <p:sp>
+        <p:nvSpPr>
+          <p:cNvPr id="3" name="Date Placeholder 2"/>
+          <p:cNvSpPr>
+            <a:spLocks noGrp="1"/>
+          </p:cNvSpPr>
+          <p:nvPr>
+            <p:ph type="dt" sz="half" idx="10"/>
+          </p:nvPr>
+        </p:nvSpPr>
+        <p:spPr/>
+        <p:txBody>
+          <a:bodyPr/>
+          <a:lstStyle/>
+          <a:p>
+            <a:fld id="{819EA221-4188-4646-9974-043ED30BD88A}" type="datetimeFigureOut">
+              <a:rPr lang="en-US" smtClean="0"/>
+              <a:t>11/10/2022</a:t>
+            </a:fld>
+            <a:endParaRPr lang="en-US"/>
+          </a:p>
+        </p:txBody>
+      </p:sp>
+      <p:sp>
+        <p:nvSpPr>
+          <p:cNvPr id="4" name="Footer Placeholder 3"/>
+          <p:cNvSpPr>
+            <a:spLocks noGrp="1"/>
+          </p:cNvSpPr>
+          <p:nvPr>
+            <p:ph type="ftr" sz="quarter" idx="11"/>
+          </p:nvPr>
+        </p:nvSpPr>
+        <p:spPr/>
+        <p:txBody>
+          <a:bodyPr/>
+          <a:lstStyle/>
+          <a:p>
+            <a:endParaRPr lang="en-US"/>
+          </a:p>
+        </p:txBody>
+      </p:sp>
+      <p:sp>
+        <p:nvSpPr>
+          <p:cNvPr id="5" name="Slide Number Placeholder 4"/>
+          <p:cNvSpPr>
+            <a:spLocks noGrp="1"/>
+          </p:cNvSpPr>
+          <p:nvPr>
+            <p:ph type="sldNum" sz="quarter" idx="12"/>
+          </p:nvPr>
+        </p:nvSpPr>
+        <p:spPr/>
+        <p:txBody>
+          <a:bodyPr/>
+          <a:lstStyle/>
+          <a:p>
+            <a:fld id="{817656AC-C31C-47CE-AB64-4449965F0314}" type="slidenum">
+              <a:rPr lang="en-US" smtClean="0"/>
+              <a:t>‹#›</a:t>
+            </a:fld>
+            <a:endParaRPr lang="en-US"/>
+          </a:p>
+        </p:txBody>
+      </p:sp>
+    </p:spTree>
+    <p:extLst>
+      <p:ext uri="{BB962C8B-B14F-4D97-AF65-F5344CB8AC3E}">
+        <p14:creationId xmlns:p14="http://schemas.microsoft.com/office/powerpoint/2010/main" val="163380259"/>
+      </p:ext>
+    </p:extLst>
+  </p:cSld>
+  <p:clrMapOvr>
+    <a:masterClrMapping/>
+  </p:clrMapOvr>
+</p:sldLayout>
+</file>
+
+<file path=ppt/slideLayouts/slideLayout15.xml><?xml version="1.0" encoding="utf-8"?>
+<p:sldLayout xmlns:a="http://schemas.openxmlformats.org/drawingml/2006/main" xmlns:r="http://schemas.openxmlformats.org/officeDocument/2006/relationships" xmlns:p="http://schemas.openxmlformats.org/presentationml/2006/main" preserve="1">
+  <p:cSld name="3 Picture Column">
+    <p:spTree>
+      <p:nvGrpSpPr>
+        <p:cNvPr id="1" name=""/>
+        <p:cNvGrpSpPr/>
+        <p:nvPr/>
+      </p:nvGrpSpPr>
+      <p:grpSpPr>
+        <a:xfrm>
+          <a:off x="0" y="0"/>
+          <a:ext cx="0" cy="0"/>
+          <a:chOff x="0" y="0"/>
+          <a:chExt cx="0" cy="0"/>
+        </a:xfrm>
+      </p:grpSpPr>
+      <p:sp>
+        <p:nvSpPr>
+          <p:cNvPr id="30" name="Title 1"/>
+          <p:cNvSpPr>
+            <a:spLocks noGrp="1"/>
+          </p:cNvSpPr>
+          <p:nvPr>
+            <p:ph type="title"/>
+          </p:nvPr>
+        </p:nvSpPr>
+        <p:spPr>
+          <a:xfrm>
+            <a:off x="913795" y="609600"/>
+            <a:ext cx="10353762" cy="1325563"/>
+          </a:xfrm>
+        </p:spPr>
+        <p:txBody>
+          <a:bodyPr/>
+          <a:lstStyle/>
+          <a:p>
+            <a:r>
+              <a:rPr lang="en-US"/>
+              <a:t>Click to edit Master title style</a:t>
+            </a:r>
+            <a:endParaRPr lang="en-US" dirty="0"/>
+          </a:p>
+        </p:txBody>
+      </p:sp>
+      <p:sp>
+        <p:nvSpPr>
+          <p:cNvPr id="19" name="Text Placeholder 2"/>
+          <p:cNvSpPr>
+            <a:spLocks noGrp="1"/>
+          </p:cNvSpPr>
+          <p:nvPr>
+            <p:ph type="body" idx="1"/>
+          </p:nvPr>
+        </p:nvSpPr>
+        <p:spPr>
+          <a:xfrm>
+            <a:off x="913795" y="4195899"/>
+            <a:ext cx="3298955" cy="576262"/>
+          </a:xfrm>
+        </p:spPr>
+        <p:txBody>
+          <a:bodyPr anchor="b">
+            <a:noAutofit/>
+          </a:bodyPr>
+          <a:lstStyle>
+            <a:lvl1pPr marL="0" indent="0" algn="ctr">
+              <a:lnSpc>
+                <a:spcPct val="100000"/>
+              </a:lnSpc>
+              <a:buNone/>
+              <a:defRPr sz="2000" b="0">
+                <a:solidFill>
+                  <a:schemeClr val="tx1"/>
+                </a:solidFill>
+              </a:defRPr>
+            </a:lvl1pPr>
+            <a:lvl2pPr marL="457200" indent="0">
+              <a:buNone/>
+              <a:defRPr sz="2000" b="1"/>
+            </a:lvl2pPr>
+            <a:lvl3pPr marL="914400" indent="0">
+              <a:buNone/>
+              <a:defRPr sz="1800" b="1"/>
+            </a:lvl3pPr>
+            <a:lvl4pPr marL="1371600" indent="0">
+              <a:buNone/>
+              <a:defRPr sz="1600" b="1"/>
+            </a:lvl4pPr>
+            <a:lvl5pPr marL="1828800" indent="0">
+              <a:buNone/>
+              <a:defRPr sz="1600" b="1"/>
+            </a:lvl5pPr>
+            <a:lvl6pPr marL="2286000" indent="0">
+              <a:buNone/>
+              <a:defRPr sz="1600" b="1"/>
+            </a:lvl6pPr>
+            <a:lvl7pPr marL="2743200" indent="0">
+              <a:buNone/>
+              <a:defRPr sz="1600" b="1"/>
+            </a:lvl7pPr>
+            <a:lvl8pPr marL="3200400" indent="0">
+              <a:buNone/>
+              <a:defRPr sz="1600" b="1"/>
+            </a:lvl8pPr>
+            <a:lvl9pPr marL="3657600" indent="0">
+              <a:buNone/>
+              <a:defRPr sz="1600" b="1"/>
+            </a:lvl9pPr>
+          </a:lstStyle>
+          <a:p>
+            <a:pPr lvl="0"/>
+            <a:r>
+              <a:rPr lang="en-US"/>
+              <a:t>Click to edit Master text styles</a:t>
+            </a:r>
+          </a:p>
+        </p:txBody>
+      </p:sp>
+      <p:sp>
+        <p:nvSpPr>
+          <p:cNvPr id="20" name="Picture Placeholder 2"/>
+          <p:cNvSpPr>
+            <a:spLocks noGrp="1" noChangeAspect="1"/>
+          </p:cNvSpPr>
+          <p:nvPr>
+            <p:ph type="pic" idx="15"/>
+          </p:nvPr>
+        </p:nvSpPr>
+        <p:spPr>
+          <a:xfrm>
+            <a:off x="1092020" y="2298987"/>
+            <a:ext cx="2940050" cy="1524000"/>
+          </a:xfrm>
+          <a:prstGeom prst="roundRect">
+            <a:avLst>
+              <a:gd name="adj" fmla="val 0"/>
+            </a:avLst>
+          </a:prstGeom>
+          <a:noFill/>
+          <a:ln w="146050" cap="sq">
+            <a:solidFill>
+              <a:srgbClr val="FFFFFF"/>
+            </a:solidFill>
+            <a:miter lim="800000"/>
+          </a:ln>
+          <a:effectLst>
+            <a:outerShdw blurRad="55000" dist="18000" dir="5400000" algn="tl" rotWithShape="0">
+              <a:srgbClr val="000000">
+                <a:alpha val="40000"/>
+              </a:srgbClr>
+            </a:outerShdw>
+          </a:effectLst>
+          <a:scene3d>
+            <a:camera prst="orthographicFront"/>
+            <a:lightRig rig="twoPt" dir="t">
+              <a:rot lat="0" lon="0" rev="7200000"/>
+            </a:lightRig>
+          </a:scene3d>
+          <a:sp3d>
+            <a:bevelT w="25400" h="19050"/>
+            <a:contourClr>
+              <a:srgbClr val="FFFFFF"/>
+            </a:contourClr>
+          </a:sp3d>
+        </p:spPr>
+        <p:txBody>
+          <a:bodyPr anchor="t">
+            <a:normAutofit/>
+          </a:bodyPr>
+          <a:lstStyle>
+            <a:lvl1pPr marL="0" indent="0" algn="ctr">
+              <a:buNone/>
+              <a:defRPr sz="1600"/>
+            </a:lvl1pPr>
+            <a:lvl2pPr marL="457200" indent="0">
+              <a:buNone/>
+              <a:defRPr sz="1600"/>
+            </a:lvl2pPr>
+            <a:lvl3pPr marL="914400" indent="0">
+              <a:buNone/>
+              <a:defRPr sz="1600"/>
+            </a:lvl3pPr>
+            <a:lvl4pPr marL="1371600" indent="0">
+              <a:buNone/>
+              <a:defRPr sz="1600"/>
+            </a:lvl4pPr>
+            <a:lvl5pPr marL="1828800" indent="0">
+              <a:buNone/>
+              <a:defRPr sz="1600"/>
+            </a:lvl5pPr>
+            <a:lvl6pPr marL="2286000" indent="0">
+              <a:buNone/>
+              <a:defRPr sz="1600"/>
+            </a:lvl6pPr>
+            <a:lvl7pPr marL="2743200" indent="0">
+              <a:buNone/>
+              <a:defRPr sz="1600"/>
+            </a:lvl7pPr>
+            <a:lvl8pPr marL="3200400" indent="0">
+              <a:buNone/>
+              <a:defRPr sz="1600"/>
+            </a:lvl8pPr>
+            <a:lvl9pPr marL="3657600" indent="0">
+              <a:buNone/>
+              <a:defRPr sz="1600"/>
+            </a:lvl9pPr>
+          </a:lstStyle>
+          <a:p>
+            <a:r>
+              <a:rPr lang="en-US"/>
+              <a:t>Click icon to add picture</a:t>
+            </a:r>
+            <a:endParaRPr lang="en-US" dirty="0"/>
+          </a:p>
+        </p:txBody>
+      </p:sp>
+      <p:sp>
+        <p:nvSpPr>
+          <p:cNvPr id="21" name="Text Placeholder 3"/>
+          <p:cNvSpPr>
+            <a:spLocks noGrp="1"/>
+          </p:cNvSpPr>
+          <p:nvPr>
+            <p:ph type="body" sz="half" idx="18"/>
+          </p:nvPr>
+        </p:nvSpPr>
+        <p:spPr>
+          <a:xfrm>
+            <a:off x="913795" y="4772161"/>
+            <a:ext cx="3298955" cy="1019038"/>
+          </a:xfrm>
+        </p:spPr>
+        <p:txBody>
+          <a:bodyPr anchor="t">
+            <a:normAutofit/>
+          </a:bodyPr>
+          <a:lstStyle>
+            <a:lvl1pPr marL="0" indent="0" algn="ctr">
+              <a:buNone/>
+              <a:defRPr sz="1400"/>
+            </a:lvl1pPr>
+            <a:lvl2pPr marL="457200" indent="0">
+              <a:buNone/>
+              <a:defRPr sz="1200"/>
+            </a:lvl2pPr>
+            <a:lvl3pPr marL="914400" indent="0">
+              <a:buNone/>
+              <a:defRPr sz="1000"/>
+            </a:lvl3pPr>
+            <a:lvl4pPr marL="1371600" indent="0">
+              <a:buNone/>
+              <a:defRPr sz="900"/>
+            </a:lvl4pPr>
+            <a:lvl5pPr marL="1828800" indent="0">
+              <a:buNone/>
+              <a:defRPr sz="900"/>
+            </a:lvl5pPr>
+            <a:lvl6pPr marL="2286000" indent="0">
+              <a:buNone/>
+              <a:defRPr sz="900"/>
+            </a:lvl6pPr>
+            <a:lvl7pPr marL="2743200" indent="0">
+              <a:buNone/>
+              <a:defRPr sz="900"/>
+            </a:lvl7pPr>
+            <a:lvl8pPr marL="3200400" indent="0">
+              <a:buNone/>
+              <a:defRPr sz="900"/>
+            </a:lvl8pPr>
+            <a:lvl9pPr marL="3657600" indent="0">
+              <a:buNone/>
+              <a:defRPr sz="900"/>
+            </a:lvl9pPr>
+          </a:lstStyle>
+          <a:p>
+            <a:pPr lvl="0"/>
+            <a:r>
+              <a:rPr lang="en-US"/>
+              <a:t>Click to edit Master text styles</a:t>
+            </a:r>
+          </a:p>
+        </p:txBody>
+      </p:sp>
+      <p:sp>
+        <p:nvSpPr>
+          <p:cNvPr id="22" name="Text Placeholder 4"/>
+          <p:cNvSpPr>
+            <a:spLocks noGrp="1"/>
+          </p:cNvSpPr>
+          <p:nvPr>
+            <p:ph type="body" sz="quarter" idx="3"/>
+          </p:nvPr>
+        </p:nvSpPr>
+        <p:spPr>
+          <a:xfrm>
+            <a:off x="4442701" y="4195899"/>
+            <a:ext cx="3298983" cy="576262"/>
+          </a:xfrm>
+        </p:spPr>
+        <p:txBody>
+          <a:bodyPr anchor="b">
+            <a:noAutofit/>
+          </a:bodyPr>
+          <a:lstStyle>
+            <a:lvl1pPr marL="0" indent="0" algn="ctr">
+              <a:lnSpc>
+                <a:spcPct val="100000"/>
+              </a:lnSpc>
+              <a:buNone/>
+              <a:defRPr sz="2000" b="0">
+                <a:solidFill>
+                  <a:schemeClr val="tx1"/>
+                </a:solidFill>
+              </a:defRPr>
+            </a:lvl1pPr>
+            <a:lvl2pPr marL="457200" indent="0">
+              <a:buNone/>
+              <a:defRPr sz="2000" b="1"/>
+            </a:lvl2pPr>
+            <a:lvl3pPr marL="914400" indent="0">
+              <a:buNone/>
+              <a:defRPr sz="1800" b="1"/>
+            </a:lvl3pPr>
+            <a:lvl4pPr marL="1371600" indent="0">
+              <a:buNone/>
+              <a:defRPr sz="1600" b="1"/>
+            </a:lvl4pPr>
+            <a:lvl5pPr marL="1828800" indent="0">
+              <a:buNone/>
+              <a:defRPr sz="1600" b="1"/>
+            </a:lvl5pPr>
+            <a:lvl6pPr marL="2286000" indent="0">
+              <a:buNone/>
+              <a:defRPr sz="1600" b="1"/>
+            </a:lvl6pPr>
+            <a:lvl7pPr marL="2743200" indent="0">
+              <a:buNone/>
+              <a:defRPr sz="1600" b="1"/>
+            </a:lvl7pPr>
+            <a:lvl8pPr marL="3200400" indent="0">
+              <a:buNone/>
+              <a:defRPr sz="1600" b="1"/>
+            </a:lvl8pPr>
+            <a:lvl9pPr marL="3657600" indent="0">
+              <a:buNone/>
+              <a:defRPr sz="1600" b="1"/>
+            </a:lvl9pPr>
+          </a:lstStyle>
+          <a:p>
+            <a:pPr lvl="0"/>
+            <a:r>
+              <a:rPr lang="en-US"/>
+              <a:t>Click to edit Master text styles</a:t>
+            </a:r>
+          </a:p>
+        </p:txBody>
+      </p:sp>
+      <p:sp>
+        <p:nvSpPr>
+          <p:cNvPr id="23" name="Picture Placeholder 2"/>
+          <p:cNvSpPr>
+            <a:spLocks noGrp="1" noChangeAspect="1"/>
+          </p:cNvSpPr>
+          <p:nvPr>
+            <p:ph type="pic" idx="21"/>
+          </p:nvPr>
+        </p:nvSpPr>
+        <p:spPr>
+          <a:xfrm>
+            <a:off x="4568996" y="2298987"/>
+            <a:ext cx="2930525" cy="1524000"/>
+          </a:xfrm>
+          <a:prstGeom prst="roundRect">
+            <a:avLst>
+              <a:gd name="adj" fmla="val 0"/>
+            </a:avLst>
+          </a:prstGeom>
+          <a:noFill/>
+          <a:ln w="146050" cap="sq">
+            <a:solidFill>
+              <a:srgbClr val="FFFFFF"/>
+            </a:solidFill>
+            <a:miter lim="800000"/>
+          </a:ln>
+          <a:effectLst>
+            <a:outerShdw blurRad="55000" dist="18000" dir="5400000" algn="tl" rotWithShape="0">
+              <a:srgbClr val="000000">
+                <a:alpha val="40000"/>
+              </a:srgbClr>
+            </a:outerShdw>
+          </a:effectLst>
+          <a:scene3d>
+            <a:camera prst="orthographicFront"/>
+            <a:lightRig rig="twoPt" dir="t">
+              <a:rot lat="0" lon="0" rev="7200000"/>
+            </a:lightRig>
+          </a:scene3d>
+          <a:sp3d>
+            <a:bevelT w="25400" h="19050"/>
+            <a:contourClr>
+              <a:srgbClr val="FFFFFF"/>
+            </a:contourClr>
+          </a:sp3d>
+        </p:spPr>
+        <p:txBody>
+          <a:bodyPr anchor="t">
+            <a:normAutofit/>
+          </a:bodyPr>
+          <a:lstStyle>
+            <a:lvl1pPr marL="0" indent="0" algn="ctr">
+              <a:buNone/>
+              <a:defRPr sz="1600"/>
+            </a:lvl1pPr>
+            <a:lvl2pPr marL="457200" indent="0">
+              <a:buNone/>
+              <a:defRPr sz="1600"/>
+            </a:lvl2pPr>
+            <a:lvl3pPr marL="914400" indent="0">
+              <a:buNone/>
+              <a:defRPr sz="1600"/>
+            </a:lvl3pPr>
+            <a:lvl4pPr marL="1371600" indent="0">
+              <a:buNone/>
+              <a:defRPr sz="1600"/>
+            </a:lvl4pPr>
+            <a:lvl5pPr marL="1828800" indent="0">
+              <a:buNone/>
+              <a:defRPr sz="1600"/>
+            </a:lvl5pPr>
+            <a:lvl6pPr marL="2286000" indent="0">
+              <a:buNone/>
+              <a:defRPr sz="1600"/>
+            </a:lvl6pPr>
+            <a:lvl7pPr marL="2743200" indent="0">
+              <a:buNone/>
+              <a:defRPr sz="1600"/>
+            </a:lvl7pPr>
+            <a:lvl8pPr marL="3200400" indent="0">
+              <a:buNone/>
+              <a:defRPr sz="1600"/>
+            </a:lvl8pPr>
+            <a:lvl9pPr marL="3657600" indent="0">
+              <a:buNone/>
+              <a:defRPr sz="1600"/>
+            </a:lvl9pPr>
+          </a:lstStyle>
+          <a:p>
+            <a:r>
+              <a:rPr lang="en-US"/>
+              <a:t>Click icon to add picture</a:t>
+            </a:r>
+            <a:endParaRPr lang="en-US" dirty="0"/>
+          </a:p>
+        </p:txBody>
+      </p:sp>
+      <p:sp>
+        <p:nvSpPr>
+          <p:cNvPr id="24" name="Text Placeholder 3"/>
+          <p:cNvSpPr>
+            <a:spLocks noGrp="1"/>
+          </p:cNvSpPr>
+          <p:nvPr>
+            <p:ph type="body" sz="half" idx="19"/>
+          </p:nvPr>
+        </p:nvSpPr>
+        <p:spPr>
+          <a:xfrm>
+            <a:off x="4441348" y="4772160"/>
+            <a:ext cx="3300336" cy="1019038"/>
+          </a:xfrm>
+        </p:spPr>
+        <p:txBody>
+          <a:bodyPr anchor="t">
+            <a:normAutofit/>
+          </a:bodyPr>
+          <a:lstStyle>
+            <a:lvl1pPr marL="0" indent="0" algn="ctr">
+              <a:buNone/>
+              <a:defRPr sz="1400"/>
+            </a:lvl1pPr>
+            <a:lvl2pPr marL="457200" indent="0">
+              <a:buNone/>
+              <a:defRPr sz="1200"/>
+            </a:lvl2pPr>
+            <a:lvl3pPr marL="914400" indent="0">
+              <a:buNone/>
+              <a:defRPr sz="1000"/>
+            </a:lvl3pPr>
+            <a:lvl4pPr marL="1371600" indent="0">
+              <a:buNone/>
+              <a:defRPr sz="900"/>
+            </a:lvl4pPr>
+            <a:lvl5pPr marL="1828800" indent="0">
+              <a:buNone/>
+              <a:defRPr sz="900"/>
+            </a:lvl5pPr>
+            <a:lvl6pPr marL="2286000" indent="0">
+              <a:buNone/>
+              <a:defRPr sz="900"/>
+            </a:lvl6pPr>
+            <a:lvl7pPr marL="2743200" indent="0">
+              <a:buNone/>
+              <a:defRPr sz="900"/>
+            </a:lvl7pPr>
+            <a:lvl8pPr marL="3200400" indent="0">
+              <a:buNone/>
+              <a:defRPr sz="900"/>
+            </a:lvl8pPr>
+            <a:lvl9pPr marL="3657600" indent="0">
+              <a:buNone/>
+              <a:defRPr sz="900"/>
+            </a:lvl9pPr>
+          </a:lstStyle>
+          <a:p>
+            <a:pPr lvl="0"/>
+            <a:r>
+              <a:rPr lang="en-US"/>
+              <a:t>Click to edit Master text styles</a:t>
+            </a:r>
+          </a:p>
+        </p:txBody>
+      </p:sp>
+      <p:sp>
+        <p:nvSpPr>
+          <p:cNvPr id="25" name="Text Placeholder 4"/>
+          <p:cNvSpPr>
+            <a:spLocks noGrp="1"/>
+          </p:cNvSpPr>
+          <p:nvPr>
+            <p:ph type="body" sz="quarter" idx="13"/>
+          </p:nvPr>
+        </p:nvSpPr>
+        <p:spPr>
+          <a:xfrm>
+            <a:off x="7973423" y="4195899"/>
+            <a:ext cx="3289900" cy="576262"/>
+          </a:xfrm>
+        </p:spPr>
+        <p:txBody>
+          <a:bodyPr anchor="b">
+            <a:noAutofit/>
+          </a:bodyPr>
+          <a:lstStyle>
+            <a:lvl1pPr marL="0" indent="0" algn="ctr">
+              <a:lnSpc>
+                <a:spcPct val="100000"/>
+              </a:lnSpc>
+              <a:buNone/>
+              <a:defRPr sz="2000" b="0">
+                <a:solidFill>
+                  <a:schemeClr val="tx1"/>
+                </a:solidFill>
+              </a:defRPr>
+            </a:lvl1pPr>
+            <a:lvl2pPr marL="457200" indent="0">
+              <a:buNone/>
+              <a:defRPr sz="2000" b="1"/>
+            </a:lvl2pPr>
+            <a:lvl3pPr marL="914400" indent="0">
+              <a:buNone/>
+              <a:defRPr sz="1800" b="1"/>
+            </a:lvl3pPr>
+            <a:lvl4pPr marL="1371600" indent="0">
+              <a:buNone/>
+              <a:defRPr sz="1600" b="1"/>
+            </a:lvl4pPr>
+            <a:lvl5pPr marL="1828800" indent="0">
+              <a:buNone/>
+              <a:defRPr sz="1600" b="1"/>
+            </a:lvl5pPr>
+            <a:lvl6pPr marL="2286000" indent="0">
+              <a:buNone/>
+              <a:defRPr sz="1600" b="1"/>
+            </a:lvl6pPr>
+            <a:lvl7pPr marL="2743200" indent="0">
+              <a:buNone/>
+              <a:defRPr sz="1600" b="1"/>
+            </a:lvl7pPr>
+            <a:lvl8pPr marL="3200400" indent="0">
+              <a:buNone/>
+              <a:defRPr sz="1600" b="1"/>
+            </a:lvl8pPr>
+            <a:lvl9pPr marL="3657600" indent="0">
+              <a:buNone/>
+              <a:defRPr sz="1600" b="1"/>
+            </a:lvl9pPr>
+          </a:lstStyle>
+          <a:p>
+            <a:pPr lvl="0"/>
+            <a:r>
+              <a:rPr lang="en-US"/>
+              <a:t>Click to edit Master text styles</a:t>
+            </a:r>
+          </a:p>
+        </p:txBody>
+      </p:sp>
+      <p:sp>
+        <p:nvSpPr>
+          <p:cNvPr id="26" name="Picture Placeholder 2"/>
+          <p:cNvSpPr>
+            <a:spLocks noGrp="1" noChangeAspect="1"/>
+          </p:cNvSpPr>
+          <p:nvPr>
+            <p:ph type="pic" idx="22"/>
+          </p:nvPr>
+        </p:nvSpPr>
+        <p:spPr>
+          <a:xfrm>
+            <a:off x="8152803" y="2298987"/>
+            <a:ext cx="2932113" cy="1524000"/>
+          </a:xfrm>
+          <a:prstGeom prst="roundRect">
+            <a:avLst>
+              <a:gd name="adj" fmla="val 0"/>
+            </a:avLst>
+          </a:prstGeom>
+          <a:noFill/>
+          <a:ln w="146050" cap="sq">
+            <a:solidFill>
+              <a:srgbClr val="FFFFFF"/>
+            </a:solidFill>
+            <a:miter lim="800000"/>
+          </a:ln>
+          <a:effectLst>
+            <a:outerShdw blurRad="55000" dist="18000" dir="5400000" algn="tl" rotWithShape="0">
+              <a:srgbClr val="000000">
+                <a:alpha val="40000"/>
+              </a:srgbClr>
+            </a:outerShdw>
+          </a:effectLst>
+          <a:scene3d>
+            <a:camera prst="orthographicFront"/>
+            <a:lightRig rig="twoPt" dir="t">
+              <a:rot lat="0" lon="0" rev="7200000"/>
+            </a:lightRig>
+          </a:scene3d>
+          <a:sp3d>
+            <a:bevelT w="25400" h="19050"/>
+            <a:contourClr>
+              <a:srgbClr val="FFFFFF"/>
+            </a:contourClr>
+          </a:sp3d>
+        </p:spPr>
+        <p:txBody>
+          <a:bodyPr anchor="t">
+            <a:normAutofit/>
+          </a:bodyPr>
+          <a:lstStyle>
+            <a:lvl1pPr marL="0" indent="0" algn="ctr">
+              <a:buNone/>
+              <a:defRPr sz="1600"/>
+            </a:lvl1pPr>
+            <a:lvl2pPr marL="457200" indent="0">
+              <a:buNone/>
+              <a:defRPr sz="1600"/>
+            </a:lvl2pPr>
+            <a:lvl3pPr marL="914400" indent="0">
+              <a:buNone/>
+              <a:defRPr sz="1600"/>
+            </a:lvl3pPr>
+            <a:lvl4pPr marL="1371600" indent="0">
+              <a:buNone/>
+              <a:defRPr sz="1600"/>
+            </a:lvl4pPr>
+            <a:lvl5pPr marL="1828800" indent="0">
+              <a:buNone/>
+              <a:defRPr sz="1600"/>
+            </a:lvl5pPr>
+            <a:lvl6pPr marL="2286000" indent="0">
+              <a:buNone/>
+              <a:defRPr sz="1600"/>
+            </a:lvl6pPr>
+            <a:lvl7pPr marL="2743200" indent="0">
+              <a:buNone/>
+              <a:defRPr sz="1600"/>
+            </a:lvl7pPr>
+            <a:lvl8pPr marL="3200400" indent="0">
+              <a:buNone/>
+              <a:defRPr sz="1600"/>
+            </a:lvl8pPr>
+            <a:lvl9pPr marL="3657600" indent="0">
+              <a:buNone/>
+              <a:defRPr sz="1600"/>
+            </a:lvl9pPr>
+          </a:lstStyle>
+          <a:p>
+            <a:r>
+              <a:rPr lang="en-US"/>
+              <a:t>Click icon to add picture</a:t>
+            </a:r>
+            <a:endParaRPr lang="en-US" dirty="0"/>
+          </a:p>
+        </p:txBody>
+      </p:sp>
+      <p:sp>
+        <p:nvSpPr>
+          <p:cNvPr id="27" name="Text Placeholder 3"/>
+          <p:cNvSpPr>
+            <a:spLocks noGrp="1"/>
+          </p:cNvSpPr>
+          <p:nvPr>
+            <p:ph type="body" sz="half" idx="20"/>
+          </p:nvPr>
+        </p:nvSpPr>
+        <p:spPr>
+          <a:xfrm>
+            <a:off x="7973298" y="4772161"/>
+            <a:ext cx="3294258" cy="1019037"/>
+          </a:xfrm>
+        </p:spPr>
+        <p:txBody>
+          <a:bodyPr anchor="t">
+            <a:normAutofit/>
+          </a:bodyPr>
+          <a:lstStyle>
+            <a:lvl1pPr marL="0" indent="0" algn="ctr">
+              <a:buNone/>
+              <a:defRPr sz="1400"/>
+            </a:lvl1pPr>
+            <a:lvl2pPr marL="457200" indent="0">
+              <a:buNone/>
+              <a:defRPr sz="1200"/>
+            </a:lvl2pPr>
+            <a:lvl3pPr marL="914400" indent="0">
+              <a:buNone/>
+              <a:defRPr sz="1000"/>
+            </a:lvl3pPr>
+            <a:lvl4pPr marL="1371600" indent="0">
+              <a:buNone/>
+              <a:defRPr sz="900"/>
+            </a:lvl4pPr>
+            <a:lvl5pPr marL="1828800" indent="0">
+              <a:buNone/>
+              <a:defRPr sz="900"/>
+            </a:lvl5pPr>
+            <a:lvl6pPr marL="2286000" indent="0">
+              <a:buNone/>
+              <a:defRPr sz="900"/>
+            </a:lvl6pPr>
+            <a:lvl7pPr marL="2743200" indent="0">
+              <a:buNone/>
+              <a:defRPr sz="900"/>
+            </a:lvl7pPr>
+            <a:lvl8pPr marL="3200400" indent="0">
+              <a:buNone/>
+              <a:defRPr sz="900"/>
+            </a:lvl8pPr>
+            <a:lvl9pPr marL="3657600" indent="0">
+              <a:buNone/>
+              <a:defRPr sz="900"/>
+            </a:lvl9pPr>
+          </a:lstStyle>
+          <a:p>
+            <a:pPr lvl="0"/>
+            <a:r>
+              <a:rPr lang="en-US"/>
+              <a:t>Click to edit Master text styles</a:t>
+            </a:r>
+          </a:p>
+        </p:txBody>
+      </p:sp>
+      <p:sp>
+        <p:nvSpPr>
+          <p:cNvPr id="3" name="Date Placeholder 2"/>
+          <p:cNvSpPr>
+            <a:spLocks noGrp="1"/>
+          </p:cNvSpPr>
+          <p:nvPr>
+            <p:ph type="dt" sz="half" idx="10"/>
+          </p:nvPr>
+        </p:nvSpPr>
+        <p:spPr/>
+        <p:txBody>
+          <a:bodyPr/>
+          <a:lstStyle/>
+          <a:p>
+            <a:fld id="{819EA221-4188-4646-9974-043ED30BD88A}" type="datetimeFigureOut">
+              <a:rPr lang="en-US" smtClean="0"/>
+              <a:t>11/10/2022</a:t>
+            </a:fld>
+            <a:endParaRPr lang="en-US"/>
+          </a:p>
+        </p:txBody>
+      </p:sp>
+      <p:sp>
+        <p:nvSpPr>
+          <p:cNvPr id="4" name="Footer Placeholder 3"/>
+          <p:cNvSpPr>
+            <a:spLocks noGrp="1"/>
+          </p:cNvSpPr>
+          <p:nvPr>
+            <p:ph type="ftr" sz="quarter" idx="11"/>
+          </p:nvPr>
+        </p:nvSpPr>
+        <p:spPr/>
+        <p:txBody>
+          <a:bodyPr/>
+          <a:lstStyle/>
+          <a:p>
+            <a:endParaRPr lang="en-US"/>
+          </a:p>
+        </p:txBody>
+      </p:sp>
+      <p:sp>
+        <p:nvSpPr>
+          <p:cNvPr id="5" name="Slide Number Placeholder 4"/>
+          <p:cNvSpPr>
+            <a:spLocks noGrp="1"/>
+          </p:cNvSpPr>
+          <p:nvPr>
+            <p:ph type="sldNum" sz="quarter" idx="12"/>
+          </p:nvPr>
+        </p:nvSpPr>
+        <p:spPr/>
+        <p:txBody>
+          <a:bodyPr/>
+          <a:lstStyle/>
+          <a:p>
+            <a:fld id="{817656AC-C31C-47CE-AB64-4449965F0314}" type="slidenum">
+              <a:rPr lang="en-US" smtClean="0"/>
+              <a:t>‹#›</a:t>
+            </a:fld>
+            <a:endParaRPr lang="en-US"/>
+          </a:p>
+        </p:txBody>
+      </p:sp>
+    </p:spTree>
+    <p:extLst>
+      <p:ext uri="{BB962C8B-B14F-4D97-AF65-F5344CB8AC3E}">
+        <p14:creationId xmlns:p14="http://schemas.microsoft.com/office/powerpoint/2010/main" val="1334948348"/>
+      </p:ext>
+    </p:extLst>
+  </p:cSld>
+  <p:clrMapOvr>
+    <a:masterClrMapping/>
+  </p:clrMapOvr>
+</p:sldLayout>
+</file>
+
+<file path=ppt/slideLayouts/slideLayout16.xml><?xml version="1.0" encoding="utf-8"?>
 <p:sldLayout xmlns:a="http://schemas.openxmlformats.org/drawingml/2006/main" xmlns:r="http://schemas.openxmlformats.org/officeDocument/2006/relationships" xmlns:p="http://schemas.openxmlformats.org/presentationml/2006/main" type="vertTx" preserve="1">
   <p:cSld name="Title and Vertical Text">
     <p:spTree>
@@ -1335,7 +3935,7 @@
           <a:p>
             <a:fld id="{819EA221-4188-4646-9974-043ED30BD88A}" type="datetimeFigureOut">
               <a:rPr lang="en-US" smtClean="0"/>
-              <a:t>11/9/2022</a:t>
+              <a:t>11/10/2022</a:t>
             </a:fld>
             <a:endParaRPr lang="en-US"/>
           </a:p>
@@ -1383,41 +3983,10 @@
           </a:p>
         </p:txBody>
       </p:sp>
-      <p:cxnSp>
-        <p:nvCxnSpPr>
-          <p:cNvPr id="26" name="Straight Connector 25"/>
-          <p:cNvCxnSpPr/>
-          <p:nvPr/>
-        </p:nvCxnSpPr>
-        <p:spPr>
-          <a:xfrm>
-            <a:off x="1453896" y="1847088"/>
-            <a:ext cx="9607522" cy="0"/>
-          </a:xfrm>
-          <a:prstGeom prst="line">
-            <a:avLst/>
-          </a:prstGeom>
-          <a:ln w="31750"/>
-        </p:spPr>
-        <p:style>
-          <a:lnRef idx="3">
-            <a:schemeClr val="accent1"/>
-          </a:lnRef>
-          <a:fillRef idx="0">
-            <a:schemeClr val="accent1"/>
-          </a:fillRef>
-          <a:effectRef idx="2">
-            <a:schemeClr val="accent1"/>
-          </a:effectRef>
-          <a:fontRef idx="minor">
-            <a:schemeClr val="tx1"/>
-          </a:fontRef>
-        </p:style>
-      </p:cxnSp>
     </p:spTree>
     <p:extLst>
       <p:ext uri="{BB962C8B-B14F-4D97-AF65-F5344CB8AC3E}">
-        <p14:creationId xmlns:p14="http://schemas.microsoft.com/office/powerpoint/2010/main" val="1976043550"/>
+        <p14:creationId xmlns:p14="http://schemas.microsoft.com/office/powerpoint/2010/main" val="2489289164"/>
       </p:ext>
     </p:extLst>
   </p:cSld>
@@ -1427,7 +3996,7 @@
 </p:sldLayout>
 </file>
 
-<file path=ppt/slideLayouts/slideLayout11.xml><?xml version="1.0" encoding="utf-8"?>
+<file path=ppt/slideLayouts/slideLayout17.xml><?xml version="1.0" encoding="utf-8"?>
 <p:sldLayout xmlns:a="http://schemas.openxmlformats.org/drawingml/2006/main" xmlns:r="http://schemas.openxmlformats.org/officeDocument/2006/relationships" xmlns:p="http://schemas.openxmlformats.org/presentationml/2006/main" type="vertTitleAndTx" preserve="1">
   <p:cSld name="Vertical Title and Text">
     <p:spTree>
@@ -1456,8 +4025,8 @@
         </p:nvSpPr>
         <p:spPr>
           <a:xfrm>
-            <a:off x="9439111" y="798973"/>
-            <a:ext cx="1615742" cy="4659889"/>
+            <a:off x="8724900" y="609599"/>
+            <a:ext cx="2542657" cy="5181601"/>
           </a:xfrm>
         </p:spPr>
         <p:txBody>
@@ -1488,8 +4057,8 @@
         </p:nvSpPr>
         <p:spPr>
           <a:xfrm>
-            <a:off x="1444672" y="798973"/>
-            <a:ext cx="7828830" cy="4659889"/>
+            <a:off x="913794" y="609599"/>
+            <a:ext cx="7658705" cy="5181601"/>
           </a:xfrm>
         </p:spPr>
         <p:txBody>
@@ -1550,7 +4119,7 @@
           <a:p>
             <a:fld id="{819EA221-4188-4646-9974-043ED30BD88A}" type="datetimeFigureOut">
               <a:rPr lang="en-US" smtClean="0"/>
-              <a:t>11/9/2022</a:t>
+              <a:t>11/10/2022</a:t>
             </a:fld>
             <a:endParaRPr lang="en-US"/>
           </a:p>
@@ -1598,41 +4167,10 @@
           </a:p>
         </p:txBody>
       </p:sp>
-      <p:cxnSp>
-        <p:nvCxnSpPr>
-          <p:cNvPr id="15" name="Straight Connector 14"/>
-          <p:cNvCxnSpPr/>
-          <p:nvPr/>
-        </p:nvCxnSpPr>
-        <p:spPr>
-          <a:xfrm>
-            <a:off x="9439111" y="798973"/>
-            <a:ext cx="0" cy="4659889"/>
-          </a:xfrm>
-          <a:prstGeom prst="line">
-            <a:avLst/>
-          </a:prstGeom>
-          <a:ln w="31750"/>
-        </p:spPr>
-        <p:style>
-          <a:lnRef idx="3">
-            <a:schemeClr val="accent1"/>
-          </a:lnRef>
-          <a:fillRef idx="0">
-            <a:schemeClr val="accent1"/>
-          </a:fillRef>
-          <a:effectRef idx="2">
-            <a:schemeClr val="accent1"/>
-          </a:effectRef>
-          <a:fontRef idx="minor">
-            <a:schemeClr val="tx1"/>
-          </a:fontRef>
-        </p:style>
-      </p:cxnSp>
     </p:spTree>
     <p:extLst>
       <p:ext uri="{BB962C8B-B14F-4D97-AF65-F5344CB8AC3E}">
-        <p14:creationId xmlns:p14="http://schemas.microsoft.com/office/powerpoint/2010/main" val="476855129"/>
+        <p14:creationId xmlns:p14="http://schemas.microsoft.com/office/powerpoint/2010/main" val="3432080277"/>
       </p:ext>
     </p:extLst>
   </p:cSld>
@@ -1694,7 +4232,7 @@
         </p:nvSpPr>
         <p:spPr/>
         <p:txBody>
-          <a:bodyPr anchor="t"/>
+          <a:bodyPr/>
           <a:lstStyle/>
           <a:p>
             <a:pPr lvl="0"/>
@@ -1751,7 +4289,7 @@
           <a:p>
             <a:fld id="{819EA221-4188-4646-9974-043ED30BD88A}" type="datetimeFigureOut">
               <a:rPr lang="en-US" smtClean="0"/>
-              <a:t>11/9/2022</a:t>
+              <a:t>11/10/2022</a:t>
             </a:fld>
             <a:endParaRPr lang="en-US"/>
           </a:p>
@@ -1799,41 +4337,10 @@
           </a:p>
         </p:txBody>
       </p:sp>
-      <p:cxnSp>
-        <p:nvCxnSpPr>
-          <p:cNvPr id="33" name="Straight Connector 32"/>
-          <p:cNvCxnSpPr/>
-          <p:nvPr/>
-        </p:nvCxnSpPr>
-        <p:spPr>
-          <a:xfrm>
-            <a:off x="1453896" y="1847088"/>
-            <a:ext cx="9607522" cy="0"/>
-          </a:xfrm>
-          <a:prstGeom prst="line">
-            <a:avLst/>
-          </a:prstGeom>
-          <a:ln w="31750"/>
-        </p:spPr>
-        <p:style>
-          <a:lnRef idx="3">
-            <a:schemeClr val="accent1"/>
-          </a:lnRef>
-          <a:fillRef idx="0">
-            <a:schemeClr val="accent1"/>
-          </a:fillRef>
-          <a:effectRef idx="2">
-            <a:schemeClr val="accent1"/>
-          </a:effectRef>
-          <a:fontRef idx="minor">
-            <a:schemeClr val="tx1"/>
-          </a:fontRef>
-        </p:style>
-      </p:cxnSp>
     </p:spTree>
     <p:extLst>
       <p:ext uri="{BB962C8B-B14F-4D97-AF65-F5344CB8AC3E}">
-        <p14:creationId xmlns:p14="http://schemas.microsoft.com/office/powerpoint/2010/main" val="1291041001"/>
+        <p14:creationId xmlns:p14="http://schemas.microsoft.com/office/powerpoint/2010/main" val="1922370091"/>
       </p:ext>
     </p:extLst>
   </p:cSld>
@@ -1872,8 +4379,8 @@
         </p:nvSpPr>
         <p:spPr>
           <a:xfrm>
-            <a:off x="1454239" y="1756130"/>
-            <a:ext cx="8643154" cy="1887950"/>
+            <a:off x="1229244" y="657226"/>
+            <a:ext cx="9733512" cy="2852737"/>
           </a:xfrm>
         </p:spPr>
         <p:txBody>
@@ -1881,8 +4388,8 @@
             <a:normAutofit/>
           </a:bodyPr>
           <a:lstStyle>
-            <a:lvl1pPr algn="l">
-              <a:defRPr sz="3600"/>
+            <a:lvl1pPr>
+              <a:defRPr sz="3400"/>
             </a:lvl1pPr>
           </a:lstStyle>
           <a:p>
@@ -1906,26 +4413,26 @@
         </p:nvSpPr>
         <p:spPr>
           <a:xfrm>
-            <a:off x="1454239" y="3806195"/>
-            <a:ext cx="8630446" cy="1012929"/>
+            <a:off x="1229244" y="3602038"/>
+            <a:ext cx="9733512" cy="1500187"/>
           </a:xfrm>
         </p:spPr>
         <p:txBody>
-          <a:bodyPr tIns="91440">
-            <a:normAutofit/>
-          </a:bodyPr>
+          <a:bodyPr/>
           <a:lstStyle>
-            <a:lvl1pPr marL="0" indent="0" algn="l">
-              <a:buNone/>
-              <a:defRPr sz="1800">
+            <a:lvl1pPr marL="0" indent="0" algn="ctr">
+              <a:buNone/>
+              <a:defRPr sz="2400">
                 <a:solidFill>
-                  <a:schemeClr val="tx1"/>
+                  <a:schemeClr val="tx1">
+                    <a:tint val="75000"/>
+                  </a:schemeClr>
                 </a:solidFill>
               </a:defRPr>
             </a:lvl1pPr>
             <a:lvl2pPr marL="457200" indent="0">
               <a:buNone/>
-              <a:defRPr sz="1800">
+              <a:defRPr sz="2000">
                 <a:solidFill>
                   <a:schemeClr val="tx1">
                     <a:tint val="75000"/>
@@ -2030,7 +4537,7 @@
           <a:p>
             <a:fld id="{819EA221-4188-4646-9974-043ED30BD88A}" type="datetimeFigureOut">
               <a:rPr lang="en-US" smtClean="0"/>
-              <a:t>11/9/2022</a:t>
+              <a:t>11/10/2022</a:t>
             </a:fld>
             <a:endParaRPr lang="en-US"/>
           </a:p>
@@ -2078,41 +4585,10 @@
           </a:p>
         </p:txBody>
       </p:sp>
-      <p:cxnSp>
-        <p:nvCxnSpPr>
-          <p:cNvPr id="15" name="Straight Connector 14"/>
-          <p:cNvCxnSpPr/>
-          <p:nvPr/>
-        </p:nvCxnSpPr>
-        <p:spPr>
-          <a:xfrm>
-            <a:off x="1454239" y="3804985"/>
-            <a:ext cx="8630446" cy="0"/>
-          </a:xfrm>
-          <a:prstGeom prst="line">
-            <a:avLst/>
-          </a:prstGeom>
-          <a:ln w="31750"/>
-        </p:spPr>
-        <p:style>
-          <a:lnRef idx="3">
-            <a:schemeClr val="accent1"/>
-          </a:lnRef>
-          <a:fillRef idx="0">
-            <a:schemeClr val="accent1"/>
-          </a:fillRef>
-          <a:effectRef idx="2">
-            <a:schemeClr val="accent1"/>
-          </a:effectRef>
-          <a:fontRef idx="minor">
-            <a:schemeClr val="tx1"/>
-          </a:fontRef>
-        </p:style>
-      </p:cxnSp>
     </p:spTree>
     <p:extLst>
       <p:ext uri="{BB962C8B-B14F-4D97-AF65-F5344CB8AC3E}">
-        <p14:creationId xmlns:p14="http://schemas.microsoft.com/office/powerpoint/2010/main" val="666050286"/>
+        <p14:creationId xmlns:p14="http://schemas.microsoft.com/office/powerpoint/2010/main" val="940485332"/>
       </p:ext>
     </p:extLst>
   </p:cSld>
@@ -2151,8 +4627,8 @@
         </p:nvSpPr>
         <p:spPr>
           <a:xfrm>
-            <a:off x="1449217" y="804889"/>
-            <a:ext cx="9605635" cy="1059305"/>
+            <a:off x="913795" y="609600"/>
+            <a:ext cx="10353761" cy="1326321"/>
           </a:xfrm>
         </p:spPr>
         <p:txBody>
@@ -2179,8 +4655,8 @@
         </p:nvSpPr>
         <p:spPr>
           <a:xfrm>
-            <a:off x="1447331" y="2010878"/>
-            <a:ext cx="4645152" cy="3448595"/>
+            <a:off x="913795" y="2088319"/>
+            <a:ext cx="5106004" cy="3702881"/>
           </a:xfrm>
         </p:spPr>
         <p:txBody>
@@ -2236,8 +4712,8 @@
         </p:nvSpPr>
         <p:spPr>
           <a:xfrm>
-            <a:off x="6413771" y="2017343"/>
-            <a:ext cx="4645152" cy="3441520"/>
+            <a:off x="6173403" y="2088319"/>
+            <a:ext cx="5094154" cy="3702881"/>
           </a:xfrm>
         </p:spPr>
         <p:txBody>
@@ -2298,7 +4774,7 @@
           <a:p>
             <a:fld id="{819EA221-4188-4646-9974-043ED30BD88A}" type="datetimeFigureOut">
               <a:rPr lang="en-US" smtClean="0"/>
-              <a:t>11/9/2022</a:t>
+              <a:t>11/10/2022</a:t>
             </a:fld>
             <a:endParaRPr lang="en-US"/>
           </a:p>
@@ -2346,41 +4822,10 @@
           </a:p>
         </p:txBody>
       </p:sp>
-      <p:cxnSp>
-        <p:nvCxnSpPr>
-          <p:cNvPr id="35" name="Straight Connector 34"/>
-          <p:cNvCxnSpPr/>
-          <p:nvPr/>
-        </p:nvCxnSpPr>
-        <p:spPr>
-          <a:xfrm>
-            <a:off x="1453896" y="1847088"/>
-            <a:ext cx="9607522" cy="0"/>
-          </a:xfrm>
-          <a:prstGeom prst="line">
-            <a:avLst/>
-          </a:prstGeom>
-          <a:ln w="31750"/>
-        </p:spPr>
-        <p:style>
-          <a:lnRef idx="3">
-            <a:schemeClr val="accent1"/>
-          </a:lnRef>
-          <a:fillRef idx="0">
-            <a:schemeClr val="accent1"/>
-          </a:fillRef>
-          <a:effectRef idx="2">
-            <a:schemeClr val="accent1"/>
-          </a:effectRef>
-          <a:fontRef idx="minor">
-            <a:schemeClr val="tx1"/>
-          </a:fontRef>
-        </p:style>
-      </p:cxnSp>
     </p:spTree>
     <p:extLst>
       <p:ext uri="{BB962C8B-B14F-4D97-AF65-F5344CB8AC3E}">
-        <p14:creationId xmlns:p14="http://schemas.microsoft.com/office/powerpoint/2010/main" val="2438193263"/>
+        <p14:creationId xmlns:p14="http://schemas.microsoft.com/office/powerpoint/2010/main" val="153641759"/>
       </p:ext>
     </p:extLst>
   </p:cSld>
@@ -2419,8 +4864,8 @@
         </p:nvSpPr>
         <p:spPr>
           <a:xfrm>
-            <a:off x="1447191" y="804163"/>
-            <a:ext cx="9607661" cy="1056319"/>
+            <a:off x="913795" y="609600"/>
+            <a:ext cx="10353761" cy="1325563"/>
           </a:xfrm>
         </p:spPr>
         <p:txBody>
@@ -2447,25 +4892,19 @@
         </p:nvSpPr>
         <p:spPr>
           <a:xfrm>
-            <a:off x="1447191" y="2019549"/>
-            <a:ext cx="4645152" cy="801943"/>
+            <a:off x="1141804" y="2088320"/>
+            <a:ext cx="4879199" cy="823912"/>
           </a:xfrm>
         </p:spPr>
         <p:txBody>
-          <a:bodyPr anchor="b">
-            <a:normAutofit/>
-          </a:bodyPr>
+          <a:bodyPr anchor="b"/>
           <a:lstStyle>
             <a:lvl1pPr marL="0" indent="0">
               <a:lnSpc>
                 <a:spcPct val="100000"/>
               </a:lnSpc>
               <a:buNone/>
-              <a:defRPr sz="2200" b="0" cap="all" baseline="0">
-                <a:solidFill>
-                  <a:schemeClr val="accent1"/>
-                </a:solidFill>
-              </a:defRPr>
+              <a:defRPr sz="2400" b="1"/>
             </a:lvl1pPr>
             <a:lvl2pPr marL="457200" indent="0">
               <a:buNone/>
@@ -2521,8 +4960,8 @@
         </p:nvSpPr>
         <p:spPr>
           <a:xfrm>
-            <a:off x="1447191" y="2824269"/>
-            <a:ext cx="4645152" cy="2644457"/>
+            <a:off x="913795" y="2912232"/>
+            <a:ext cx="5107208" cy="2878968"/>
           </a:xfrm>
         </p:spPr>
         <p:txBody>
@@ -2578,25 +5017,19 @@
         </p:nvSpPr>
         <p:spPr>
           <a:xfrm>
-            <a:off x="6412362" y="2023003"/>
-            <a:ext cx="4645152" cy="802237"/>
+            <a:off x="6402003" y="2088320"/>
+            <a:ext cx="4865554" cy="823912"/>
           </a:xfrm>
         </p:spPr>
         <p:txBody>
-          <a:bodyPr anchor="b">
-            <a:normAutofit/>
-          </a:bodyPr>
+          <a:bodyPr anchor="b"/>
           <a:lstStyle>
             <a:lvl1pPr marL="0" indent="0">
               <a:lnSpc>
                 <a:spcPct val="100000"/>
               </a:lnSpc>
               <a:buNone/>
-              <a:defRPr sz="2200" b="0" cap="all" baseline="0">
-                <a:solidFill>
-                  <a:schemeClr val="accent1"/>
-                </a:solidFill>
-              </a:defRPr>
+              <a:defRPr sz="2400" b="1"/>
             </a:lvl1pPr>
             <a:lvl2pPr marL="457200" indent="0">
               <a:buNone/>
@@ -2652,8 +5085,8 @@
         </p:nvSpPr>
         <p:spPr>
           <a:xfrm>
-            <a:off x="6412362" y="2821491"/>
-            <a:ext cx="4645152" cy="2637371"/>
+            <a:off x="6172200" y="2912232"/>
+            <a:ext cx="5095357" cy="2878968"/>
           </a:xfrm>
         </p:spPr>
         <p:txBody>
@@ -2714,7 +5147,7 @@
           <a:p>
             <a:fld id="{819EA221-4188-4646-9974-043ED30BD88A}" type="datetimeFigureOut">
               <a:rPr lang="en-US" smtClean="0"/>
-              <a:t>11/9/2022</a:t>
+              <a:t>11/10/2022</a:t>
             </a:fld>
             <a:endParaRPr lang="en-US"/>
           </a:p>
@@ -2762,41 +5195,10 @@
           </a:p>
         </p:txBody>
       </p:sp>
-      <p:cxnSp>
-        <p:nvCxnSpPr>
-          <p:cNvPr id="29" name="Straight Connector 28"/>
-          <p:cNvCxnSpPr/>
-          <p:nvPr/>
-        </p:nvCxnSpPr>
-        <p:spPr>
-          <a:xfrm>
-            <a:off x="1453896" y="1847088"/>
-            <a:ext cx="9607522" cy="0"/>
-          </a:xfrm>
-          <a:prstGeom prst="line">
-            <a:avLst/>
-          </a:prstGeom>
-          <a:ln w="31750"/>
-        </p:spPr>
-        <p:style>
-          <a:lnRef idx="3">
-            <a:schemeClr val="accent1"/>
-          </a:lnRef>
-          <a:fillRef idx="0">
-            <a:schemeClr val="accent1"/>
-          </a:fillRef>
-          <a:effectRef idx="2">
-            <a:schemeClr val="accent1"/>
-          </a:effectRef>
-          <a:fontRef idx="minor">
-            <a:schemeClr val="tx1"/>
-          </a:fontRef>
-        </p:style>
-      </p:cxnSp>
     </p:spTree>
     <p:extLst>
       <p:ext uri="{BB962C8B-B14F-4D97-AF65-F5344CB8AC3E}">
-        <p14:creationId xmlns:p14="http://schemas.microsoft.com/office/powerpoint/2010/main" val="1699073882"/>
+        <p14:creationId xmlns:p14="http://schemas.microsoft.com/office/powerpoint/2010/main" val="620586294"/>
       </p:ext>
     </p:extLst>
   </p:cSld>
@@ -2863,7 +5265,7 @@
           <a:p>
             <a:fld id="{819EA221-4188-4646-9974-043ED30BD88A}" type="datetimeFigureOut">
               <a:rPr lang="en-US" smtClean="0"/>
-              <a:t>11/9/2022</a:t>
+              <a:t>11/10/2022</a:t>
             </a:fld>
             <a:endParaRPr lang="en-US"/>
           </a:p>
@@ -2911,41 +5313,10 @@
           </a:p>
         </p:txBody>
       </p:sp>
-      <p:cxnSp>
-        <p:nvCxnSpPr>
-          <p:cNvPr id="25" name="Straight Connector 24"/>
-          <p:cNvCxnSpPr/>
-          <p:nvPr/>
-        </p:nvCxnSpPr>
-        <p:spPr>
-          <a:xfrm>
-            <a:off x="1453896" y="1847088"/>
-            <a:ext cx="9607522" cy="0"/>
-          </a:xfrm>
-          <a:prstGeom prst="line">
-            <a:avLst/>
-          </a:prstGeom>
-          <a:ln w="31750"/>
-        </p:spPr>
-        <p:style>
-          <a:lnRef idx="3">
-            <a:schemeClr val="accent1"/>
-          </a:lnRef>
-          <a:fillRef idx="0">
-            <a:schemeClr val="accent1"/>
-          </a:fillRef>
-          <a:effectRef idx="2">
-            <a:schemeClr val="accent1"/>
-          </a:effectRef>
-          <a:fontRef idx="minor">
-            <a:schemeClr val="tx1"/>
-          </a:fontRef>
-        </p:style>
-      </p:cxnSp>
     </p:spTree>
     <p:extLst>
       <p:ext uri="{BB962C8B-B14F-4D97-AF65-F5344CB8AC3E}">
-        <p14:creationId xmlns:p14="http://schemas.microsoft.com/office/powerpoint/2010/main" val="630185589"/>
+        <p14:creationId xmlns:p14="http://schemas.microsoft.com/office/powerpoint/2010/main" val="1711126098"/>
       </p:ext>
     </p:extLst>
   </p:cSld>
@@ -2989,7 +5360,7 @@
           <a:p>
             <a:fld id="{819EA221-4188-4646-9974-043ED30BD88A}" type="datetimeFigureOut">
               <a:rPr lang="en-US" smtClean="0"/>
-              <a:t>11/9/2022</a:t>
+              <a:t>11/10/2022</a:t>
             </a:fld>
             <a:endParaRPr lang="en-US"/>
           </a:p>
@@ -3040,7 +5411,7 @@
     </p:spTree>
     <p:extLst>
       <p:ext uri="{BB962C8B-B14F-4D97-AF65-F5344CB8AC3E}">
-        <p14:creationId xmlns:p14="http://schemas.microsoft.com/office/powerpoint/2010/main" val="1802364085"/>
+        <p14:creationId xmlns:p14="http://schemas.microsoft.com/office/powerpoint/2010/main" val="3307102191"/>
       </p:ext>
     </p:extLst>
   </p:cSld>
@@ -3079,8 +5450,8 @@
         </p:nvSpPr>
         <p:spPr>
           <a:xfrm>
-            <a:off x="1444671" y="798973"/>
-            <a:ext cx="3273099" cy="2247117"/>
+            <a:off x="917228" y="609600"/>
+            <a:ext cx="3932237" cy="2362200"/>
           </a:xfrm>
         </p:spPr>
         <p:txBody>
@@ -3088,8 +5459,8 @@
             <a:normAutofit/>
           </a:bodyPr>
           <a:lstStyle>
-            <a:lvl1pPr algn="l">
-              <a:defRPr sz="2400"/>
+            <a:lvl1pPr>
+              <a:defRPr sz="2800"/>
             </a:lvl1pPr>
           </a:lstStyle>
           <a:p>
@@ -3113,8 +5484,8 @@
         </p:nvSpPr>
         <p:spPr>
           <a:xfrm>
-            <a:off x="5043714" y="798974"/>
-            <a:ext cx="6012470" cy="4658826"/>
+            <a:off x="5078064" y="609600"/>
+            <a:ext cx="6189492" cy="5181600"/>
           </a:xfrm>
         </p:spPr>
         <p:txBody>
@@ -3170,14 +5541,14 @@
         </p:nvSpPr>
         <p:spPr>
           <a:xfrm>
-            <a:off x="1444671" y="3205491"/>
-            <a:ext cx="3275013" cy="2248181"/>
+            <a:off x="917228" y="2971800"/>
+            <a:ext cx="3932237" cy="2819399"/>
           </a:xfrm>
         </p:spPr>
         <p:txBody>
           <a:bodyPr/>
           <a:lstStyle>
-            <a:lvl1pPr marL="0" indent="0" algn="l">
+            <a:lvl1pPr marL="0" indent="0" algn="ctr">
               <a:buNone/>
               <a:defRPr sz="1600"/>
             </a:lvl1pPr>
@@ -3240,7 +5611,7 @@
           <a:p>
             <a:fld id="{819EA221-4188-4646-9974-043ED30BD88A}" type="datetimeFigureOut">
               <a:rPr lang="en-US" smtClean="0"/>
-              <a:t>11/9/2022</a:t>
+              <a:t>11/10/2022</a:t>
             </a:fld>
             <a:endParaRPr lang="en-US"/>
           </a:p>
@@ -3288,41 +5659,10 @@
           </a:p>
         </p:txBody>
       </p:sp>
-      <p:cxnSp>
-        <p:nvCxnSpPr>
-          <p:cNvPr id="17" name="Straight Connector 16"/>
-          <p:cNvCxnSpPr/>
-          <p:nvPr/>
-        </p:nvCxnSpPr>
-        <p:spPr>
-          <a:xfrm>
-            <a:off x="1448280" y="3205491"/>
-            <a:ext cx="3269490" cy="0"/>
-          </a:xfrm>
-          <a:prstGeom prst="line">
-            <a:avLst/>
-          </a:prstGeom>
-          <a:ln w="31750"/>
-        </p:spPr>
-        <p:style>
-          <a:lnRef idx="3">
-            <a:schemeClr val="accent1"/>
-          </a:lnRef>
-          <a:fillRef idx="0">
-            <a:schemeClr val="accent1"/>
-          </a:fillRef>
-          <a:effectRef idx="2">
-            <a:schemeClr val="accent1"/>
-          </a:effectRef>
-          <a:fontRef idx="minor">
-            <a:schemeClr val="tx1"/>
-          </a:fontRef>
-        </p:style>
-      </p:cxnSp>
     </p:spTree>
     <p:extLst>
       <p:ext uri="{BB962C8B-B14F-4D97-AF65-F5344CB8AC3E}">
-        <p14:creationId xmlns:p14="http://schemas.microsoft.com/office/powerpoint/2010/main" val="2597502478"/>
+        <p14:creationId xmlns:p14="http://schemas.microsoft.com/office/powerpoint/2010/main" val="1078903709"/>
       </p:ext>
     </p:extLst>
   </p:cSld>
@@ -3349,140 +5689,6 @@
           <a:chExt cx="0" cy="0"/>
         </a:xfrm>
       </p:grpSpPr>
-      <p:grpSp>
-        <p:nvGrpSpPr>
-          <p:cNvPr id="8" name="Group 7"/>
-          <p:cNvGrpSpPr/>
-          <p:nvPr/>
-        </p:nvGrpSpPr>
-        <p:grpSpPr>
-          <a:xfrm>
-            <a:off x="7477387" y="482170"/>
-            <a:ext cx="4074533" cy="5149101"/>
-            <a:chOff x="7477387" y="482170"/>
-            <a:chExt cx="4074533" cy="5149101"/>
-          </a:xfrm>
-        </p:grpSpPr>
-        <p:sp>
-          <p:nvSpPr>
-            <p:cNvPr id="18" name="Rectangle 17"/>
-            <p:cNvSpPr/>
-            <p:nvPr/>
-          </p:nvSpPr>
-          <p:spPr bwMode="black">
-            <a:xfrm>
-              <a:off x="7477387" y="482170"/>
-              <a:ext cx="4074533" cy="5149101"/>
-            </a:xfrm>
-            <a:prstGeom prst="rect">
-              <a:avLst/>
-            </a:prstGeom>
-            <a:gradFill>
-              <a:gsLst>
-                <a:gs pos="0">
-                  <a:srgbClr val="000001"/>
-                </a:gs>
-                <a:gs pos="100000">
-                  <a:srgbClr val="191919"/>
-                </a:gs>
-              </a:gsLst>
-            </a:gradFill>
-            <a:ln w="76200" cmpd="sng">
-              <a:noFill/>
-              <a:miter lim="800000"/>
-            </a:ln>
-            <a:effectLst>
-              <a:outerShdw blurRad="127000" dist="228600" dir="4740000" sx="98000" sy="98000" algn="tl" rotWithShape="0">
-                <a:srgbClr val="000000">
-                  <a:alpha val="34000"/>
-                </a:srgbClr>
-              </a:outerShdw>
-            </a:effectLst>
-            <a:scene3d>
-              <a:camera prst="orthographicFront"/>
-              <a:lightRig rig="threePt" dir="t"/>
-            </a:scene3d>
-            <a:sp3d>
-              <a:bevelT w="152400" h="50800" prst="softRound"/>
-            </a:sp3d>
-          </p:spPr>
-          <p:style>
-            <a:lnRef idx="1">
-              <a:schemeClr val="accent1"/>
-            </a:lnRef>
-            <a:fillRef idx="3">
-              <a:schemeClr val="accent1"/>
-            </a:fillRef>
-            <a:effectRef idx="2">
-              <a:schemeClr val="accent1"/>
-            </a:effectRef>
-            <a:fontRef idx="minor">
-              <a:schemeClr val="lt1"/>
-            </a:fontRef>
-          </p:style>
-        </p:sp>
-        <p:sp>
-          <p:nvSpPr>
-            <p:cNvPr id="19" name="Rectangle 18"/>
-            <p:cNvSpPr/>
-            <p:nvPr/>
-          </p:nvSpPr>
-          <p:spPr bwMode="blackWhite">
-            <a:xfrm>
-              <a:off x="7790446" y="812506"/>
-              <a:ext cx="3450289" cy="4466452"/>
-            </a:xfrm>
-            <a:prstGeom prst="rect">
-              <a:avLst/>
-            </a:prstGeom>
-            <a:gradFill>
-              <a:gsLst>
-                <a:gs pos="0">
-                  <a:srgbClr val="DADADA"/>
-                </a:gs>
-                <a:gs pos="100000">
-                  <a:srgbClr val="FFFFFE"/>
-                </a:gs>
-              </a:gsLst>
-              <a:lin ang="16200000" scaled="0"/>
-            </a:gradFill>
-            <a:ln w="50800" cmpd="sng">
-              <a:solidFill>
-                <a:srgbClr val="191919"/>
-              </a:solidFill>
-              <a:miter lim="800000"/>
-            </a:ln>
-            <a:effectLst>
-              <a:innerShdw blurRad="63500" dist="88900" dir="14100000">
-                <a:srgbClr val="000000">
-                  <a:alpha val="30000"/>
-                </a:srgbClr>
-              </a:innerShdw>
-            </a:effectLst>
-            <a:scene3d>
-              <a:camera prst="orthographicFront"/>
-              <a:lightRig rig="threePt" dir="t"/>
-            </a:scene3d>
-            <a:sp3d>
-              <a:bevelT prst="relaxedInset"/>
-            </a:sp3d>
-          </p:spPr>
-          <p:style>
-            <a:lnRef idx="1">
-              <a:schemeClr val="accent1"/>
-            </a:lnRef>
-            <a:fillRef idx="3">
-              <a:schemeClr val="accent1"/>
-            </a:fillRef>
-            <a:effectRef idx="2">
-              <a:schemeClr val="accent1"/>
-            </a:effectRef>
-            <a:fontRef idx="minor">
-              <a:schemeClr val="lt1"/>
-            </a:fontRef>
-          </p:style>
-        </p:sp>
-      </p:grpSp>
       <p:sp>
         <p:nvSpPr>
           <p:cNvPr id="2" name="Title 1"/>
@@ -3495,8 +5701,8 @@
         </p:nvSpPr>
         <p:spPr>
           <a:xfrm>
-            <a:off x="1451206" y="1129513"/>
-            <a:ext cx="5532328" cy="1830584"/>
+            <a:off x="917227" y="609600"/>
+            <a:ext cx="5929773" cy="2362200"/>
           </a:xfrm>
         </p:spPr>
         <p:txBody>
@@ -3529,19 +5735,35 @@
         </p:nvSpPr>
         <p:spPr>
           <a:xfrm>
-            <a:off x="8124389" y="1122542"/>
-            <a:ext cx="2791171" cy="3866327"/>
+            <a:off x="7424804" y="758881"/>
+            <a:ext cx="3255356" cy="4883038"/>
           </a:xfrm>
-          <a:solidFill>
-            <a:schemeClr val="bg1">
-              <a:lumMod val="85000"/>
-            </a:schemeClr>
-          </a:solidFill>
-          <a:ln w="9525" cap="sq">
-            <a:noFill/>
+          <a:noFill/>
+          <a:ln w="190500" cap="sq">
+            <a:solidFill>
+              <a:srgbClr val="FFFFFF"/>
+            </a:solidFill>
             <a:miter lim="800000"/>
           </a:ln>
-          <a:effectLst/>
+          <a:effectLst>
+            <a:outerShdw blurRad="55000" dist="18000" dir="5400000" algn="tl" rotWithShape="0">
+              <a:srgbClr val="000000">
+                <a:alpha val="40000"/>
+              </a:srgbClr>
+            </a:outerShdw>
+          </a:effectLst>
+          <a:scene3d>
+            <a:camera prst="orthographicFront"/>
+            <a:lightRig rig="twoPt" dir="t">
+              <a:rot lat="0" lon="0" rev="7200000"/>
+            </a:lightRig>
+          </a:scene3d>
+          <a:sp3d>
+            <a:bevelT w="25400" h="19050"/>
+            <a:contourClr>
+              <a:srgbClr val="FFFFFF"/>
+            </a:contourClr>
+          </a:sp3d>
         </p:spPr>
         <p:txBody>
           <a:bodyPr anchor="t"/>
@@ -3604,8 +5826,8 @@
         </p:nvSpPr>
         <p:spPr>
           <a:xfrm>
-            <a:off x="1450329" y="3145992"/>
-            <a:ext cx="5524404" cy="2003742"/>
+            <a:off x="913794" y="2971800"/>
+            <a:ext cx="5934950" cy="2819400"/>
           </a:xfrm>
         </p:spPr>
         <p:txBody>
@@ -3613,7 +5835,7 @@
             <a:normAutofit/>
           </a:bodyPr>
           <a:lstStyle>
-            <a:lvl1pPr marL="0" indent="0" algn="l">
+            <a:lvl1pPr marL="0" indent="0" algn="ctr">
               <a:buNone/>
               <a:defRPr sz="1800"/>
             </a:lvl1pPr>
@@ -3669,23 +5891,14 @@
             <p:ph type="dt" sz="half" idx="10"/>
           </p:nvPr>
         </p:nvSpPr>
-        <p:spPr>
-          <a:xfrm>
-            <a:off x="1447382" y="5469856"/>
-            <a:ext cx="5527351" cy="320123"/>
-          </a:xfrm>
-        </p:spPr>
-        <p:txBody>
-          <a:bodyPr/>
-          <a:lstStyle>
-            <a:lvl1pPr algn="l">
-              <a:defRPr/>
-            </a:lvl1pPr>
-          </a:lstStyle>
+        <p:spPr/>
+        <p:txBody>
+          <a:bodyPr/>
+          <a:lstStyle/>
           <a:p>
             <a:fld id="{819EA221-4188-4646-9974-043ED30BD88A}" type="datetimeFigureOut">
               <a:rPr lang="en-US" smtClean="0"/>
-              <a:t>11/9/2022</a:t>
+              <a:t>11/10/2022</a:t>
             </a:fld>
             <a:endParaRPr lang="en-US"/>
           </a:p>
@@ -3701,12 +5914,7 @@
             <p:ph type="ftr" sz="quarter" idx="11"/>
           </p:nvPr>
         </p:nvSpPr>
-        <p:spPr>
-          <a:xfrm>
-            <a:off x="1447382" y="318640"/>
-            <a:ext cx="5541004" cy="320931"/>
-          </a:xfrm>
-        </p:spPr>
+        <p:spPr/>
         <p:txBody>
           <a:bodyPr/>
           <a:lstStyle/>
@@ -3738,41 +5946,10 @@
           </a:p>
         </p:txBody>
       </p:sp>
-      <p:cxnSp>
-        <p:nvCxnSpPr>
-          <p:cNvPr id="31" name="Straight Connector 30"/>
-          <p:cNvCxnSpPr/>
-          <p:nvPr/>
-        </p:nvCxnSpPr>
-        <p:spPr>
-          <a:xfrm>
-            <a:off x="1447382" y="3143605"/>
-            <a:ext cx="5527351" cy="0"/>
-          </a:xfrm>
-          <a:prstGeom prst="line">
-            <a:avLst/>
-          </a:prstGeom>
-          <a:ln w="31750"/>
-        </p:spPr>
-        <p:style>
-          <a:lnRef idx="3">
-            <a:schemeClr val="accent1"/>
-          </a:lnRef>
-          <a:fillRef idx="0">
-            <a:schemeClr val="accent1"/>
-          </a:fillRef>
-          <a:effectRef idx="2">
-            <a:schemeClr val="accent1"/>
-          </a:effectRef>
-          <a:fontRef idx="minor">
-            <a:schemeClr val="tx1"/>
-          </a:fontRef>
-        </p:style>
-      </p:cxnSp>
     </p:spTree>
     <p:extLst>
       <p:ext uri="{BB962C8B-B14F-4D97-AF65-F5344CB8AC3E}">
-        <p14:creationId xmlns:p14="http://schemas.microsoft.com/office/powerpoint/2010/main" val="3487075716"/>
+        <p14:creationId xmlns:p14="http://schemas.microsoft.com/office/powerpoint/2010/main" val="1936024188"/>
       </p:ext>
     </p:extLst>
   </p:cSld>
@@ -3806,135 +5983,57 @@
       </p:grpSpPr>
       <p:sp>
         <p:nvSpPr>
-          <p:cNvPr id="8" name="Rectangle 7"/>
-          <p:cNvSpPr/>
-          <p:nvPr/>
+          <p:cNvPr id="2" name="Title Placeholder 1"/>
+          <p:cNvSpPr>
+            <a:spLocks noGrp="1"/>
+          </p:cNvSpPr>
+          <p:nvPr>
+            <p:ph type="title"/>
+          </p:nvPr>
         </p:nvSpPr>
         <p:spPr>
           <a:xfrm>
-            <a:off x="0" y="2019476"/>
-            <a:ext cx="12192000" cy="4105941"/>
-          </a:xfrm>
-          <a:prstGeom prst="rect">
-            <a:avLst/>
-          </a:prstGeom>
-          <a:gradFill flip="none" rotWithShape="1">
-            <a:gsLst>
-              <a:gs pos="0">
-                <a:schemeClr val="bg2">
-                  <a:alpha val="0"/>
-                </a:schemeClr>
-              </a:gs>
-              <a:gs pos="100000">
-                <a:schemeClr val="bg2"/>
-              </a:gs>
-            </a:gsLst>
-            <a:lin ang="5400000" scaled="0"/>
-            <a:tileRect/>
-          </a:gradFill>
-          <a:ln>
-            <a:noFill/>
-          </a:ln>
-        </p:spPr>
-        <p:style>
-          <a:lnRef idx="2">
-            <a:schemeClr val="accent1">
-              <a:shade val="50000"/>
-            </a:schemeClr>
-          </a:lnRef>
-          <a:fillRef idx="1">
-            <a:schemeClr val="accent1"/>
-          </a:fillRef>
-          <a:effectRef idx="0">
-            <a:schemeClr val="accent1"/>
-          </a:effectRef>
-          <a:fontRef idx="minor">
-            <a:schemeClr val="lt1"/>
-          </a:fontRef>
-        </p:style>
-      </p:sp>
-      <p:pic>
-        <p:nvPicPr>
-          <p:cNvPr id="7" name="Picture 6"/>
-          <p:cNvPicPr>
-            <a:picLocks noChangeAspect="1"/>
-          </p:cNvPicPr>
-          <p:nvPr/>
-        </p:nvPicPr>
-        <p:blipFill rotWithShape="1">
-          <a:blip r:embed="rId13">
-            <a:extLst>
-              <a:ext uri="{28A0092B-C50C-407E-A947-70E740481C1C}">
-                <a14:useLocalDpi xmlns:a14="http://schemas.microsoft.com/office/drawing/2010/main" val="0"/>
-              </a:ext>
-            </a:extLst>
-          </a:blip>
-          <a:srcRect t="1538" b="-1538"/>
-          <a:stretch/>
-        </p:blipFill>
-        <p:spPr bwMode="black">
-          <a:xfrm>
-            <a:off x="0" y="6126480"/>
-            <a:ext cx="12192000" cy="742950"/>
+            <a:off x="913795" y="609600"/>
+            <a:ext cx="10353761" cy="1326321"/>
           </a:xfrm>
           <a:prstGeom prst="rect">
             <a:avLst/>
           </a:prstGeom>
         </p:spPr>
-      </p:pic>
-      <p:sp>
-        <p:nvSpPr>
-          <p:cNvPr id="2" name="Title Placeholder 1"/>
-          <p:cNvSpPr>
-            <a:spLocks noGrp="1"/>
-          </p:cNvSpPr>
-          <p:nvPr>
-            <p:ph type="title"/>
+        <p:txBody>
+          <a:bodyPr vert="horz" lIns="91440" tIns="45720" rIns="91440" bIns="45720" rtlCol="0" anchor="ctr">
+            <a:normAutofit/>
+          </a:bodyPr>
+          <a:lstStyle/>
+          <a:p>
+            <a:r>
+              <a:rPr lang="en-US"/>
+              <a:t>Click to edit Master title style</a:t>
+            </a:r>
+            <a:endParaRPr lang="en-US" dirty="0"/>
+          </a:p>
+        </p:txBody>
+      </p:sp>
+      <p:sp>
+        <p:nvSpPr>
+          <p:cNvPr id="3" name="Text Placeholder 2"/>
+          <p:cNvSpPr>
+            <a:spLocks noGrp="1"/>
+          </p:cNvSpPr>
+          <p:nvPr>
+            <p:ph type="body" idx="1"/>
           </p:nvPr>
         </p:nvSpPr>
         <p:spPr>
           <a:xfrm>
-            <a:off x="1451579" y="804519"/>
-            <a:ext cx="9603275" cy="1049235"/>
+            <a:off x="913795" y="2096064"/>
+            <a:ext cx="10353762" cy="3695136"/>
           </a:xfrm>
           <a:prstGeom prst="rect">
             <a:avLst/>
           </a:prstGeom>
         </p:spPr>
         <p:txBody>
-          <a:bodyPr vert="horz" lIns="91440" tIns="45720" rIns="91440" bIns="45720" rtlCol="0" anchor="t">
-            <a:normAutofit/>
-          </a:bodyPr>
-          <a:lstStyle/>
-          <a:p>
-            <a:r>
-              <a:rPr lang="en-US"/>
-              <a:t>Click to edit Master title style</a:t>
-            </a:r>
-            <a:endParaRPr lang="en-US" dirty="0"/>
-          </a:p>
-        </p:txBody>
-      </p:sp>
-      <p:sp>
-        <p:nvSpPr>
-          <p:cNvPr id="3" name="Text Placeholder 2"/>
-          <p:cNvSpPr>
-            <a:spLocks noGrp="1"/>
-          </p:cNvSpPr>
-          <p:nvPr>
-            <p:ph type="body" idx="1"/>
-          </p:nvPr>
-        </p:nvSpPr>
-        <p:spPr>
-          <a:xfrm>
-            <a:off x="1451579" y="2015732"/>
-            <a:ext cx="9603275" cy="3450613"/>
-          </a:xfrm>
-          <a:prstGeom prst="rect">
-            <a:avLst/>
-          </a:prstGeom>
-        </p:spPr>
-        <p:txBody>
           <a:bodyPr vert="horz" lIns="91440" tIns="45720" rIns="91440" bIns="45720" rtlCol="0">
             <a:normAutofit/>
           </a:bodyPr>
@@ -3989,8 +6088,8 @@
         </p:nvSpPr>
         <p:spPr>
           <a:xfrm>
-            <a:off x="7554138" y="330370"/>
-            <a:ext cx="3500715" cy="309201"/>
+            <a:off x="7678736" y="5883275"/>
+            <a:ext cx="2743200" cy="365125"/>
           </a:xfrm>
           <a:prstGeom prst="rect">
             <a:avLst/>
@@ -4012,7 +6111,7 @@
           <a:p>
             <a:fld id="{819EA221-4188-4646-9974-043ED30BD88A}" type="datetimeFigureOut">
               <a:rPr lang="en-US" smtClean="0"/>
-              <a:t>11/9/2022</a:t>
+              <a:t>11/10/2022</a:t>
             </a:fld>
             <a:endParaRPr lang="en-US"/>
           </a:p>
@@ -4030,8 +6129,8 @@
         </p:nvSpPr>
         <p:spPr>
           <a:xfrm>
-            <a:off x="1451579" y="329307"/>
-            <a:ext cx="5938836" cy="309201"/>
+            <a:off x="913794" y="5883275"/>
+            <a:ext cx="6672865" cy="365125"/>
           </a:xfrm>
           <a:prstGeom prst="rect">
             <a:avLst/>
@@ -4067,20 +6166,22 @@
         </p:nvSpPr>
         <p:spPr>
           <a:xfrm>
-            <a:off x="480060" y="798973"/>
-            <a:ext cx="811019" cy="503578"/>
+            <a:off x="10514011" y="5883275"/>
+            <a:ext cx="753545" cy="365125"/>
           </a:xfrm>
           <a:prstGeom prst="rect">
             <a:avLst/>
           </a:prstGeom>
         </p:spPr>
         <p:txBody>
-          <a:bodyPr vert="horz" lIns="91440" tIns="45720" rIns="91440" bIns="45720" rtlCol="0" anchor="t"/>
+          <a:bodyPr vert="horz" lIns="91440" tIns="45720" rIns="91440" bIns="45720" rtlCol="0" anchor="ctr"/>
           <a:lstStyle>
             <a:lvl1pPr algn="r">
-              <a:defRPr sz="2800">
+              <a:defRPr sz="1000">
                 <a:solidFill>
-                  <a:schemeClr val="accent1"/>
+                  <a:schemeClr val="tx1">
+                    <a:tint val="75000"/>
+                  </a:schemeClr>
                 </a:solidFill>
               </a:defRPr>
             </a:lvl1pPr>
@@ -4094,67 +6195,36 @@
           </a:p>
         </p:txBody>
       </p:sp>
-      <p:cxnSp>
-        <p:nvCxnSpPr>
-          <p:cNvPr id="10" name="Straight Connector 9"/>
-          <p:cNvCxnSpPr/>
-          <p:nvPr/>
-        </p:nvCxnSpPr>
-        <p:spPr>
-          <a:xfrm>
-            <a:off x="0" y="6128413"/>
-            <a:ext cx="12192000" cy="0"/>
-          </a:xfrm>
-          <a:prstGeom prst="line">
-            <a:avLst/>
-          </a:prstGeom>
-          <a:ln w="12700">
-            <a:solidFill>
-              <a:srgbClr val="000001">
-                <a:alpha val="20000"/>
-              </a:srgbClr>
-            </a:solidFill>
-          </a:ln>
-        </p:spPr>
-        <p:style>
-          <a:lnRef idx="1">
-            <a:schemeClr val="accent1"/>
-          </a:lnRef>
-          <a:fillRef idx="0">
-            <a:schemeClr val="accent1"/>
-          </a:fillRef>
-          <a:effectRef idx="0">
-            <a:schemeClr val="accent1"/>
-          </a:effectRef>
-          <a:fontRef idx="minor">
-            <a:schemeClr val="tx1"/>
-          </a:fontRef>
-        </p:style>
-      </p:cxnSp>
     </p:spTree>
     <p:extLst>
       <p:ext uri="{BB962C8B-B14F-4D97-AF65-F5344CB8AC3E}">
-        <p14:creationId xmlns:p14="http://schemas.microsoft.com/office/powerpoint/2010/main" val="1123926731"/>
+        <p14:creationId xmlns:p14="http://schemas.microsoft.com/office/powerpoint/2010/main" val="1609380264"/>
       </p:ext>
     </p:extLst>
   </p:cSld>
-  <p:clrMap bg1="lt1" tx1="dk1" bg2="lt2" tx2="dk2" accent1="accent1" accent2="accent2" accent3="accent3" accent4="accent4" accent5="accent5" accent6="accent6" hlink="hlink" folHlink="folHlink"/>
+  <p:clrMap bg1="dk1" tx1="lt1" bg2="dk2" tx2="lt2" accent1="accent1" accent2="accent2" accent3="accent3" accent4="accent4" accent5="accent5" accent6="accent6" hlink="hlink" folHlink="folHlink"/>
   <p:sldLayoutIdLst>
-    <p:sldLayoutId id="2147483661" r:id="rId1"/>
-    <p:sldLayoutId id="2147483662" r:id="rId2"/>
-    <p:sldLayoutId id="2147483663" r:id="rId3"/>
-    <p:sldLayoutId id="2147483664" r:id="rId4"/>
-    <p:sldLayoutId id="2147483665" r:id="rId5"/>
-    <p:sldLayoutId id="2147483666" r:id="rId6"/>
-    <p:sldLayoutId id="2147483667" r:id="rId7"/>
-    <p:sldLayoutId id="2147483668" r:id="rId8"/>
-    <p:sldLayoutId id="2147483669" r:id="rId9"/>
-    <p:sldLayoutId id="2147483670" r:id="rId10"/>
-    <p:sldLayoutId id="2147483671" r:id="rId11"/>
+    <p:sldLayoutId id="2147483673" r:id="rId1"/>
+    <p:sldLayoutId id="2147483674" r:id="rId2"/>
+    <p:sldLayoutId id="2147483675" r:id="rId3"/>
+    <p:sldLayoutId id="2147483676" r:id="rId4"/>
+    <p:sldLayoutId id="2147483677" r:id="rId5"/>
+    <p:sldLayoutId id="2147483678" r:id="rId6"/>
+    <p:sldLayoutId id="2147483679" r:id="rId7"/>
+    <p:sldLayoutId id="2147483680" r:id="rId8"/>
+    <p:sldLayoutId id="2147483681" r:id="rId9"/>
+    <p:sldLayoutId id="2147483682" r:id="rId10"/>
+    <p:sldLayoutId id="2147483683" r:id="rId11"/>
+    <p:sldLayoutId id="2147483684" r:id="rId12"/>
+    <p:sldLayoutId id="2147483685" r:id="rId13"/>
+    <p:sldLayoutId id="2147483686" r:id="rId14"/>
+    <p:sldLayoutId id="2147483687" r:id="rId15"/>
+    <p:sldLayoutId id="2147483688" r:id="rId16"/>
+    <p:sldLayoutId id="2147483689" r:id="rId17"/>
   </p:sldLayoutIdLst>
   <p:txStyles>
     <p:titleStyle>
-      <a:lvl1pPr algn="l" defTabSz="914400" rtl="0" eaLnBrk="1" latinLnBrk="0" hangingPunct="1">
+      <a:lvl1pPr algn="ctr" defTabSz="914400" rtl="0" eaLnBrk="1" latinLnBrk="0" hangingPunct="1">
         <a:lnSpc>
           <a:spcPct val="90000"/>
         </a:lnSpc>
@@ -4162,11 +6232,17 @@
           <a:spcPct val="0"/>
         </a:spcBef>
         <a:buNone/>
-        <a:defRPr sz="3200" b="0" i="0" kern="1200" cap="all">
+        <a:defRPr sz="3400" b="1" i="0" kern="1200" cap="all">
           <a:solidFill>
             <a:schemeClr val="tx1"/>
           </a:solidFill>
-          <a:effectLst/>
+          <a:effectLst>
+            <a:outerShdw blurRad="50800" dist="63500" dir="2700000" algn="tl" rotWithShape="0">
+              <a:srgbClr val="000000">
+                <a:alpha val="48000"/>
+              </a:srgbClr>
+            </a:outerShdw>
+          </a:effectLst>
           <a:latin typeface="+mj-lt"/>
           <a:ea typeface="+mj-ea"/>
           <a:cs typeface="+mj-cs"/>
@@ -4181,17 +6257,19 @@
         <a:spcBef>
           <a:spcPts val="1000"/>
         </a:spcBef>
-        <a:buClr>
-          <a:schemeClr val="accent1"/>
-        </a:buClr>
-        <a:buSzPct val="100000"/>
         <a:buFont typeface="Arial" panose="020B0604020202020204" pitchFamily="34" charset="0"/>
         <a:buChar char="•"/>
         <a:defRPr sz="2000" kern="1200">
           <a:solidFill>
             <a:schemeClr val="tx1"/>
           </a:solidFill>
-          <a:effectLst/>
+          <a:effectLst>
+            <a:outerShdw blurRad="50800" dist="38100" dir="2700000" algn="tl" rotWithShape="0">
+              <a:srgbClr val="000000">
+                <a:alpha val="48000"/>
+              </a:srgbClr>
+            </a:outerShdw>
+          </a:effectLst>
           <a:latin typeface="+mn-lt"/>
           <a:ea typeface="+mn-ea"/>
           <a:cs typeface="+mn-cs"/>
@@ -4204,17 +6282,19 @@
         <a:spcBef>
           <a:spcPts val="500"/>
         </a:spcBef>
-        <a:buClr>
-          <a:schemeClr val="accent1"/>
-        </a:buClr>
-        <a:buSzPct val="100000"/>
         <a:buFont typeface="Arial" panose="020B0604020202020204" pitchFamily="34" charset="0"/>
         <a:buChar char="•"/>
-        <a:defRPr sz="1800" kern="1200" cap="none" baseline="0">
+        <a:defRPr sz="1800" kern="1200">
           <a:solidFill>
             <a:schemeClr val="tx1"/>
           </a:solidFill>
-          <a:effectLst/>
+          <a:effectLst>
+            <a:outerShdw blurRad="50800" dist="38100" dir="2700000" algn="tl" rotWithShape="0">
+              <a:srgbClr val="000000">
+                <a:alpha val="48000"/>
+              </a:srgbClr>
+            </a:outerShdw>
+          </a:effectLst>
           <a:latin typeface="+mn-lt"/>
           <a:ea typeface="+mn-ea"/>
           <a:cs typeface="+mn-cs"/>
@@ -4227,17 +6307,19 @@
         <a:spcBef>
           <a:spcPts val="500"/>
         </a:spcBef>
-        <a:buClr>
-          <a:schemeClr val="accent1"/>
-        </a:buClr>
-        <a:buSzPct val="100000"/>
         <a:buFont typeface="Arial" panose="020B0604020202020204" pitchFamily="34" charset="0"/>
         <a:buChar char="•"/>
         <a:defRPr sz="1600" kern="1200">
           <a:solidFill>
             <a:schemeClr val="tx1"/>
           </a:solidFill>
-          <a:effectLst/>
+          <a:effectLst>
+            <a:outerShdw blurRad="50800" dist="38100" dir="2700000" algn="tl" rotWithShape="0">
+              <a:srgbClr val="000000">
+                <a:alpha val="48000"/>
+              </a:srgbClr>
+            </a:outerShdw>
+          </a:effectLst>
           <a:latin typeface="+mn-lt"/>
           <a:ea typeface="+mn-ea"/>
           <a:cs typeface="+mn-cs"/>
@@ -4250,17 +6332,19 @@
         <a:spcBef>
           <a:spcPts val="500"/>
         </a:spcBef>
-        <a:buClr>
-          <a:schemeClr val="accent1"/>
-        </a:buClr>
-        <a:buSzPct val="100000"/>
         <a:buFont typeface="Arial" panose="020B0604020202020204" pitchFamily="34" charset="0"/>
         <a:buChar char="•"/>
-        <a:defRPr sz="1400" kern="1200" cap="none" baseline="0">
+        <a:defRPr sz="1400" kern="1200">
           <a:solidFill>
             <a:schemeClr val="tx1"/>
           </a:solidFill>
-          <a:effectLst/>
+          <a:effectLst>
+            <a:outerShdw blurRad="50800" dist="38100" dir="2700000" algn="tl" rotWithShape="0">
+              <a:srgbClr val="000000">
+                <a:alpha val="48000"/>
+              </a:srgbClr>
+            </a:outerShdw>
+          </a:effectLst>
           <a:latin typeface="+mn-lt"/>
           <a:ea typeface="+mn-ea"/>
           <a:cs typeface="+mn-cs"/>
@@ -4273,17 +6357,19 @@
         <a:spcBef>
           <a:spcPts val="500"/>
         </a:spcBef>
-        <a:buClr>
-          <a:schemeClr val="accent1"/>
-        </a:buClr>
-        <a:buSzPct val="100000"/>
         <a:buFont typeface="Arial" panose="020B0604020202020204" pitchFamily="34" charset="0"/>
         <a:buChar char="•"/>
         <a:defRPr sz="1200" kern="1200">
           <a:solidFill>
             <a:schemeClr val="tx1"/>
           </a:solidFill>
-          <a:effectLst/>
+          <a:effectLst>
+            <a:outerShdw blurRad="50800" dist="38100" dir="2700000" algn="tl" rotWithShape="0">
+              <a:srgbClr val="000000">
+                <a:alpha val="48000"/>
+              </a:srgbClr>
+            </a:outerShdw>
+          </a:effectLst>
           <a:latin typeface="+mn-lt"/>
           <a:ea typeface="+mn-ea"/>
           <a:cs typeface="+mn-cs"/>
@@ -4296,17 +6382,19 @@
         <a:spcBef>
           <a:spcPts val="500"/>
         </a:spcBef>
-        <a:buClr>
-          <a:schemeClr val="accent1"/>
-        </a:buClr>
-        <a:buSzPct val="100000"/>
         <a:buFont typeface="Arial" panose="020B0604020202020204" pitchFamily="34" charset="0"/>
         <a:buChar char="•"/>
         <a:defRPr sz="1200" kern="1200">
           <a:solidFill>
             <a:schemeClr val="tx1"/>
           </a:solidFill>
-          <a:effectLst/>
+          <a:effectLst>
+            <a:outerShdw blurRad="50800" dist="38100" dir="2700000" algn="tl" rotWithShape="0">
+              <a:srgbClr val="000000">
+                <a:alpha val="48000"/>
+              </a:srgbClr>
+            </a:outerShdw>
+          </a:effectLst>
           <a:latin typeface="+mn-lt"/>
           <a:ea typeface="+mn-ea"/>
           <a:cs typeface="+mn-cs"/>
@@ -4319,17 +6407,19 @@
         <a:spcBef>
           <a:spcPts val="500"/>
         </a:spcBef>
-        <a:buClr>
-          <a:schemeClr val="accent1"/>
-        </a:buClr>
-        <a:buSzPct val="100000"/>
         <a:buFont typeface="Arial" panose="020B0604020202020204" pitchFamily="34" charset="0"/>
         <a:buChar char="•"/>
         <a:defRPr sz="1200" kern="1200">
           <a:solidFill>
             <a:schemeClr val="tx1"/>
           </a:solidFill>
-          <a:effectLst/>
+          <a:effectLst>
+            <a:outerShdw blurRad="50800" dist="38100" dir="2700000" algn="tl" rotWithShape="0">
+              <a:srgbClr val="000000">
+                <a:alpha val="48000"/>
+              </a:srgbClr>
+            </a:outerShdw>
+          </a:effectLst>
           <a:latin typeface="+mn-lt"/>
           <a:ea typeface="+mn-ea"/>
           <a:cs typeface="+mn-cs"/>
@@ -4342,17 +6432,19 @@
         <a:spcBef>
           <a:spcPts val="500"/>
         </a:spcBef>
-        <a:buClr>
-          <a:schemeClr val="accent1"/>
-        </a:buClr>
-        <a:buSzPct val="100000"/>
         <a:buFont typeface="Arial" panose="020B0604020202020204" pitchFamily="34" charset="0"/>
         <a:buChar char="•"/>
-        <a:defRPr sz="1200" kern="1200" baseline="0">
+        <a:defRPr sz="1200" kern="1200">
           <a:solidFill>
             <a:schemeClr val="tx1"/>
           </a:solidFill>
-          <a:effectLst/>
+          <a:effectLst>
+            <a:outerShdw blurRad="50800" dist="38100" dir="2700000" algn="tl" rotWithShape="0">
+              <a:srgbClr val="000000">
+                <a:alpha val="48000"/>
+              </a:srgbClr>
+            </a:outerShdw>
+          </a:effectLst>
           <a:latin typeface="+mn-lt"/>
           <a:ea typeface="+mn-ea"/>
           <a:cs typeface="+mn-cs"/>
@@ -4365,17 +6457,19 @@
         <a:spcBef>
           <a:spcPts val="500"/>
         </a:spcBef>
-        <a:buClr>
-          <a:schemeClr val="accent1"/>
-        </a:buClr>
-        <a:buSzPct val="100000"/>
         <a:buFont typeface="Arial" panose="020B0604020202020204" pitchFamily="34" charset="0"/>
         <a:buChar char="•"/>
-        <a:defRPr sz="1200" kern="1200" baseline="0">
+        <a:defRPr sz="1200" kern="1200">
           <a:solidFill>
             <a:schemeClr val="tx1"/>
           </a:solidFill>
-          <a:effectLst/>
+          <a:effectLst>
+            <a:outerShdw blurRad="50800" dist="38100" dir="2700000" algn="tl" rotWithShape="0">
+              <a:srgbClr val="000000">
+                <a:alpha val="48000"/>
+              </a:srgbClr>
+            </a:outerShdw>
+          </a:effectLst>
           <a:latin typeface="+mn-lt"/>
           <a:ea typeface="+mn-ea"/>
           <a:cs typeface="+mn-cs"/>
@@ -4623,1090 +6717,6 @@
           <p:cNvPr id="2" name="Title 1">
             <a:extLst>
               <a:ext uri="{FF2B5EF4-FFF2-40B4-BE49-F238E27FC236}">
-                <a16:creationId xmlns:a16="http://schemas.microsoft.com/office/drawing/2014/main" id="{E0A48734-0CDD-4236-9998-74F48A32AA70}"/>
-              </a:ext>
-            </a:extLst>
-          </p:cNvPr>
-          <p:cNvSpPr>
-            <a:spLocks noGrp="1"/>
-          </p:cNvSpPr>
-          <p:nvPr>
-            <p:ph type="ctrTitle"/>
-          </p:nvPr>
-        </p:nvSpPr>
-        <p:spPr>
-          <a:xfrm>
-            <a:off x="1524000" y="1122363"/>
-            <a:ext cx="9144000" cy="715063"/>
-          </a:xfrm>
-        </p:spPr>
-        <p:txBody>
-          <a:bodyPr>
-            <a:normAutofit fontScale="90000"/>
-          </a:bodyPr>
-          <a:lstStyle/>
-          <a:p>
-            <a:pPr algn="ctr"/>
-            <a:r>
-              <a:rPr lang="en-US" sz="4000" b="1" u="sng" dirty="0"/>
-              <a:t>Additional Stuff Added Not Taught in Class:</a:t>
-            </a:r>
-            <a:endParaRPr lang="en-US" sz="4000" dirty="0"/>
-          </a:p>
-        </p:txBody>
-      </p:sp>
-      <p:sp>
-        <p:nvSpPr>
-          <p:cNvPr id="3" name="Subtitle 2">
-            <a:extLst>
-              <a:ext uri="{FF2B5EF4-FFF2-40B4-BE49-F238E27FC236}">
-                <a16:creationId xmlns:a16="http://schemas.microsoft.com/office/drawing/2014/main" id="{F9F380C3-558E-43DA-B893-7760C59C631E}"/>
-              </a:ext>
-            </a:extLst>
-          </p:cNvPr>
-          <p:cNvSpPr>
-            <a:spLocks noGrp="1"/>
-          </p:cNvSpPr>
-          <p:nvPr>
-            <p:ph type="subTitle" idx="1"/>
-          </p:nvPr>
-        </p:nvSpPr>
-        <p:spPr>
-          <a:xfrm>
-            <a:off x="1524000" y="1837426"/>
-            <a:ext cx="9144000" cy="4088921"/>
-          </a:xfrm>
-        </p:spPr>
-        <p:txBody>
-          <a:bodyPr/>
-          <a:lstStyle/>
-          <a:p>
-            <a:endParaRPr lang="en-US" b="1" u="sng" dirty="0"/>
-          </a:p>
-          <a:p>
-            <a:pPr marL="342900" indent="-342900">
-              <a:buFont typeface="Arial" panose="020B0604020202020204" pitchFamily="34" charset="0"/>
-              <a:buChar char="•"/>
-            </a:pPr>
-            <a:r>
-              <a:rPr lang="en-US" sz="1400" b="1" dirty="0"/>
-              <a:t>EF Update method: </a:t>
-            </a:r>
-            <a:r>
-              <a:rPr lang="en-US" sz="1400" dirty="0"/>
-              <a:t> _</a:t>
-            </a:r>
-            <a:r>
-              <a:rPr lang="en-US" sz="1400" dirty="0" err="1"/>
-              <a:t>context.Entry</a:t>
-            </a:r>
-            <a:r>
-              <a:rPr lang="en-US" sz="1400" dirty="0"/>
-              <a:t>(</a:t>
-            </a:r>
-            <a:r>
-              <a:rPr lang="en-US" sz="1400" dirty="0" err="1"/>
-              <a:t>ObjectToUpdate</a:t>
-            </a:r>
-            <a:r>
-              <a:rPr lang="en-US" sz="1400" dirty="0"/>
-              <a:t>).</a:t>
-            </a:r>
-            <a:r>
-              <a:rPr lang="en-US" sz="1400" dirty="0" err="1"/>
-              <a:t>CurrentValues.SetValues</a:t>
-            </a:r>
-            <a:r>
-              <a:rPr lang="en-US" sz="1400" dirty="0"/>
-              <a:t>(</a:t>
-            </a:r>
-            <a:r>
-              <a:rPr lang="en-US" sz="1400" dirty="0" err="1"/>
-              <a:t>UpdatedObject</a:t>
-            </a:r>
-            <a:r>
-              <a:rPr lang="en-US" sz="1400" dirty="0"/>
-              <a:t>);</a:t>
-            </a:r>
-          </a:p>
-          <a:p>
-            <a:pPr marL="342900" indent="-342900">
-              <a:buFont typeface="Arial" panose="020B0604020202020204" pitchFamily="34" charset="0"/>
-              <a:buChar char="•"/>
-            </a:pPr>
-            <a:r>
-              <a:rPr lang="en-US" sz="1400" b="1" dirty="0"/>
-              <a:t>SQL: </a:t>
-            </a:r>
-            <a:r>
-              <a:rPr lang="en-US" sz="1400" dirty="0" err="1"/>
-              <a:t>PwdEncrypt</a:t>
-            </a:r>
-            <a:r>
-              <a:rPr lang="en-US" sz="1400" dirty="0"/>
-              <a:t>(), PWDCOMPARE()</a:t>
-            </a:r>
-          </a:p>
-          <a:p>
-            <a:pPr marL="342900" indent="-342900">
-              <a:buFont typeface="Arial" panose="020B0604020202020204" pitchFamily="34" charset="0"/>
-              <a:buChar char="•"/>
-            </a:pPr>
-            <a:endParaRPr lang="en-US" sz="1400" dirty="0"/>
-          </a:p>
-        </p:txBody>
-      </p:sp>
-    </p:spTree>
-    <p:extLst>
-      <p:ext uri="{BB962C8B-B14F-4D97-AF65-F5344CB8AC3E}">
-        <p14:creationId xmlns:p14="http://schemas.microsoft.com/office/powerpoint/2010/main" val="986027806"/>
-      </p:ext>
-    </p:extLst>
-  </p:cSld>
-  <p:clrMapOvr>
-    <a:masterClrMapping/>
-  </p:clrMapOvr>
-</p:sld>
-</file>
-
-<file path=ppt/slides/slide2.xml><?xml version="1.0" encoding="utf-8"?>
-<p:sld xmlns:a="http://schemas.openxmlformats.org/drawingml/2006/main" xmlns:r="http://schemas.openxmlformats.org/officeDocument/2006/relationships" xmlns:p="http://schemas.openxmlformats.org/presentationml/2006/main">
-  <p:cSld>
-    <p:spTree>
-      <p:nvGrpSpPr>
-        <p:cNvPr id="1" name=""/>
-        <p:cNvGrpSpPr/>
-        <p:nvPr/>
-      </p:nvGrpSpPr>
-      <p:grpSpPr>
-        <a:xfrm>
-          <a:off x="0" y="0"/>
-          <a:ext cx="0" cy="0"/>
-          <a:chOff x="0" y="0"/>
-          <a:chExt cx="0" cy="0"/>
-        </a:xfrm>
-      </p:grpSpPr>
-      <p:sp>
-        <p:nvSpPr>
-          <p:cNvPr id="2" name="Title 1">
-            <a:extLst>
-              <a:ext uri="{FF2B5EF4-FFF2-40B4-BE49-F238E27FC236}">
-                <a16:creationId xmlns:a16="http://schemas.microsoft.com/office/drawing/2014/main" id="{DED5914B-4C45-407F-995C-6EDA8A41CE43}"/>
-              </a:ext>
-            </a:extLst>
-          </p:cNvPr>
-          <p:cNvSpPr>
-            <a:spLocks noGrp="1"/>
-          </p:cNvSpPr>
-          <p:nvPr>
-            <p:ph type="title"/>
-          </p:nvPr>
-        </p:nvSpPr>
-        <p:spPr/>
-        <p:txBody>
-          <a:bodyPr/>
-          <a:lstStyle/>
-          <a:p>
-            <a:pPr algn="ctr"/>
-            <a:r>
-              <a:rPr lang="en-US" b="1" u="sng" dirty="0"/>
-              <a:t>ASP Index</a:t>
-            </a:r>
-          </a:p>
-        </p:txBody>
-      </p:sp>
-      <p:pic>
-        <p:nvPicPr>
-          <p:cNvPr id="5" name="Content Placeholder 4">
-            <a:extLst>
-              <a:ext uri="{FF2B5EF4-FFF2-40B4-BE49-F238E27FC236}">
-                <a16:creationId xmlns:a16="http://schemas.microsoft.com/office/drawing/2014/main" id="{5A6A4CDE-B681-4DCD-897B-B5A220A20A8F}"/>
-              </a:ext>
-            </a:extLst>
-          </p:cNvPr>
-          <p:cNvPicPr>
-            <a:picLocks noGrp="1" noChangeAspect="1"/>
-          </p:cNvPicPr>
-          <p:nvPr>
-            <p:ph idx="1"/>
-          </p:nvPr>
-        </p:nvPicPr>
-        <p:blipFill>
-          <a:blip r:embed="rId3"/>
-          <a:stretch>
-            <a:fillRect/>
-          </a:stretch>
-        </p:blipFill>
-        <p:spPr>
-          <a:xfrm>
-            <a:off x="3008135" y="2016125"/>
-            <a:ext cx="6490054" cy="3449638"/>
-          </a:xfrm>
-        </p:spPr>
-      </p:pic>
-    </p:spTree>
-    <p:extLst>
-      <p:ext uri="{BB962C8B-B14F-4D97-AF65-F5344CB8AC3E}">
-        <p14:creationId xmlns:p14="http://schemas.microsoft.com/office/powerpoint/2010/main" val="1205707295"/>
-      </p:ext>
-    </p:extLst>
-  </p:cSld>
-  <p:clrMapOvr>
-    <a:masterClrMapping/>
-  </p:clrMapOvr>
-</p:sld>
-</file>
-
-<file path=ppt/slides/slide3.xml><?xml version="1.0" encoding="utf-8"?>
-<p:sld xmlns:a="http://schemas.openxmlformats.org/drawingml/2006/main" xmlns:r="http://schemas.openxmlformats.org/officeDocument/2006/relationships" xmlns:p="http://schemas.openxmlformats.org/presentationml/2006/main">
-  <p:cSld>
-    <p:spTree>
-      <p:nvGrpSpPr>
-        <p:cNvPr id="1" name=""/>
-        <p:cNvGrpSpPr/>
-        <p:nvPr/>
-      </p:nvGrpSpPr>
-      <p:grpSpPr>
-        <a:xfrm>
-          <a:off x="0" y="0"/>
-          <a:ext cx="0" cy="0"/>
-          <a:chOff x="0" y="0"/>
-          <a:chExt cx="0" cy="0"/>
-        </a:xfrm>
-      </p:grpSpPr>
-      <p:sp>
-        <p:nvSpPr>
-          <p:cNvPr id="2" name="Title 1">
-            <a:extLst>
-              <a:ext uri="{FF2B5EF4-FFF2-40B4-BE49-F238E27FC236}">
-                <a16:creationId xmlns:a16="http://schemas.microsoft.com/office/drawing/2014/main" id="{601DB373-AC66-4F46-BE0D-DCA3E4EC46A6}"/>
-              </a:ext>
-            </a:extLst>
-          </p:cNvPr>
-          <p:cNvSpPr>
-            <a:spLocks noGrp="1"/>
-          </p:cNvSpPr>
-          <p:nvPr>
-            <p:ph type="title"/>
-          </p:nvPr>
-        </p:nvSpPr>
-        <p:spPr/>
-        <p:txBody>
-          <a:bodyPr/>
-          <a:lstStyle/>
-          <a:p>
-            <a:pPr algn="ctr"/>
-            <a:r>
-              <a:rPr lang="en-US" b="1" u="sng" dirty="0"/>
-              <a:t>ASP Reports</a:t>
-            </a:r>
-          </a:p>
-        </p:txBody>
-      </p:sp>
-      <p:pic>
-        <p:nvPicPr>
-          <p:cNvPr id="5" name="Content Placeholder 4">
-            <a:extLst>
-              <a:ext uri="{FF2B5EF4-FFF2-40B4-BE49-F238E27FC236}">
-                <a16:creationId xmlns:a16="http://schemas.microsoft.com/office/drawing/2014/main" id="{C1104178-45F9-4585-A31E-0FDB259CC187}"/>
-              </a:ext>
-            </a:extLst>
-          </p:cNvPr>
-          <p:cNvPicPr>
-            <a:picLocks noGrp="1" noChangeAspect="1"/>
-          </p:cNvPicPr>
-          <p:nvPr>
-            <p:ph idx="1"/>
-          </p:nvPr>
-        </p:nvPicPr>
-        <p:blipFill>
-          <a:blip r:embed="rId3"/>
-          <a:stretch>
-            <a:fillRect/>
-          </a:stretch>
-        </p:blipFill>
-        <p:spPr>
-          <a:xfrm>
-            <a:off x="1141811" y="1402739"/>
-            <a:ext cx="3004774" cy="2026261"/>
-          </a:xfrm>
-        </p:spPr>
-      </p:pic>
-      <p:pic>
-        <p:nvPicPr>
-          <p:cNvPr id="7" name="Picture 6">
-            <a:extLst>
-              <a:ext uri="{FF2B5EF4-FFF2-40B4-BE49-F238E27FC236}">
-                <a16:creationId xmlns:a16="http://schemas.microsoft.com/office/drawing/2014/main" id="{B37DB3DC-9D57-4236-89D0-02BF68EADCE2}"/>
-              </a:ext>
-            </a:extLst>
-          </p:cNvPr>
-          <p:cNvPicPr>
-            <a:picLocks noChangeAspect="1"/>
-          </p:cNvPicPr>
-          <p:nvPr/>
-        </p:nvPicPr>
-        <p:blipFill>
-          <a:blip r:embed="rId4"/>
-          <a:stretch>
-            <a:fillRect/>
-          </a:stretch>
-        </p:blipFill>
-        <p:spPr>
-          <a:xfrm>
-            <a:off x="5436899" y="1402739"/>
-            <a:ext cx="5585402" cy="2055803"/>
-          </a:xfrm>
-          <a:prstGeom prst="rect">
-            <a:avLst/>
-          </a:prstGeom>
-        </p:spPr>
-      </p:pic>
-      <p:pic>
-        <p:nvPicPr>
-          <p:cNvPr id="9" name="Picture 8">
-            <a:extLst>
-              <a:ext uri="{FF2B5EF4-FFF2-40B4-BE49-F238E27FC236}">
-                <a16:creationId xmlns:a16="http://schemas.microsoft.com/office/drawing/2014/main" id="{C7ACEC04-2D41-434C-8166-2FD11E3EBFDA}"/>
-              </a:ext>
-            </a:extLst>
-          </p:cNvPr>
-          <p:cNvPicPr>
-            <a:picLocks noChangeAspect="1"/>
-          </p:cNvPicPr>
-          <p:nvPr/>
-        </p:nvPicPr>
-        <p:blipFill>
-          <a:blip r:embed="rId5"/>
-          <a:stretch>
-            <a:fillRect/>
-          </a:stretch>
-        </p:blipFill>
-        <p:spPr>
-          <a:xfrm>
-            <a:off x="2505653" y="3578756"/>
-            <a:ext cx="5585402" cy="2263430"/>
-          </a:xfrm>
-          <a:prstGeom prst="rect">
-            <a:avLst/>
-          </a:prstGeom>
-        </p:spPr>
-      </p:pic>
-    </p:spTree>
-    <p:extLst>
-      <p:ext uri="{BB962C8B-B14F-4D97-AF65-F5344CB8AC3E}">
-        <p14:creationId xmlns:p14="http://schemas.microsoft.com/office/powerpoint/2010/main" val="1418802366"/>
-      </p:ext>
-    </p:extLst>
-  </p:cSld>
-  <p:clrMapOvr>
-    <a:masterClrMapping/>
-  </p:clrMapOvr>
-</p:sld>
-</file>
-
-<file path=ppt/slides/slide4.xml><?xml version="1.0" encoding="utf-8"?>
-<p:sld xmlns:a="http://schemas.openxmlformats.org/drawingml/2006/main" xmlns:r="http://schemas.openxmlformats.org/officeDocument/2006/relationships" xmlns:p="http://schemas.openxmlformats.org/presentationml/2006/main">
-  <p:cSld>
-    <p:spTree>
-      <p:nvGrpSpPr>
-        <p:cNvPr id="1" name=""/>
-        <p:cNvGrpSpPr/>
-        <p:nvPr/>
-      </p:nvGrpSpPr>
-      <p:grpSpPr>
-        <a:xfrm>
-          <a:off x="0" y="0"/>
-          <a:ext cx="0" cy="0"/>
-          <a:chOff x="0" y="0"/>
-          <a:chExt cx="0" cy="0"/>
-        </a:xfrm>
-      </p:grpSpPr>
-      <p:sp>
-        <p:nvSpPr>
-          <p:cNvPr id="2" name="Title 1">
-            <a:extLst>
-              <a:ext uri="{FF2B5EF4-FFF2-40B4-BE49-F238E27FC236}">
-                <a16:creationId xmlns:a16="http://schemas.microsoft.com/office/drawing/2014/main" id="{63C842B8-7310-4EB4-AEC4-86651944FF44}"/>
-              </a:ext>
-            </a:extLst>
-          </p:cNvPr>
-          <p:cNvSpPr>
-            <a:spLocks noGrp="1"/>
-          </p:cNvSpPr>
-          <p:nvPr>
-            <p:ph type="title"/>
-          </p:nvPr>
-        </p:nvSpPr>
-        <p:spPr/>
-        <p:txBody>
-          <a:bodyPr/>
-          <a:lstStyle/>
-          <a:p>
-            <a:pPr algn="ctr"/>
-            <a:r>
-              <a:rPr lang="en-US" b="1" u="sng" dirty="0"/>
-              <a:t>Angular index</a:t>
-            </a:r>
-          </a:p>
-        </p:txBody>
-      </p:sp>
-      <p:pic>
-        <p:nvPicPr>
-          <p:cNvPr id="5" name="Content Placeholder 4">
-            <a:extLst>
-              <a:ext uri="{FF2B5EF4-FFF2-40B4-BE49-F238E27FC236}">
-                <a16:creationId xmlns:a16="http://schemas.microsoft.com/office/drawing/2014/main" id="{C18FBCBC-14B7-42F5-AF67-4D39A3597C2D}"/>
-              </a:ext>
-            </a:extLst>
-          </p:cNvPr>
-          <p:cNvPicPr>
-            <a:picLocks noGrp="1" noChangeAspect="1"/>
-          </p:cNvPicPr>
-          <p:nvPr>
-            <p:ph idx="1"/>
-          </p:nvPr>
-        </p:nvPicPr>
-        <p:blipFill>
-          <a:blip r:embed="rId2"/>
-          <a:stretch>
-            <a:fillRect/>
-          </a:stretch>
-        </p:blipFill>
-        <p:spPr>
-          <a:xfrm>
-            <a:off x="2629720" y="2016125"/>
-            <a:ext cx="7246884" cy="3449638"/>
-          </a:xfrm>
-        </p:spPr>
-      </p:pic>
-    </p:spTree>
-    <p:extLst>
-      <p:ext uri="{BB962C8B-B14F-4D97-AF65-F5344CB8AC3E}">
-        <p14:creationId xmlns:p14="http://schemas.microsoft.com/office/powerpoint/2010/main" val="3713893586"/>
-      </p:ext>
-    </p:extLst>
-  </p:cSld>
-  <p:clrMapOvr>
-    <a:masterClrMapping/>
-  </p:clrMapOvr>
-</p:sld>
-</file>
-
-<file path=ppt/slides/slide5.xml><?xml version="1.0" encoding="utf-8"?>
-<p:sld xmlns:a="http://schemas.openxmlformats.org/drawingml/2006/main" xmlns:r="http://schemas.openxmlformats.org/officeDocument/2006/relationships" xmlns:p="http://schemas.openxmlformats.org/presentationml/2006/main">
-  <p:cSld>
-    <p:spTree>
-      <p:nvGrpSpPr>
-        <p:cNvPr id="1" name=""/>
-        <p:cNvGrpSpPr/>
-        <p:nvPr/>
-      </p:nvGrpSpPr>
-      <p:grpSpPr>
-        <a:xfrm>
-          <a:off x="0" y="0"/>
-          <a:ext cx="0" cy="0"/>
-          <a:chOff x="0" y="0"/>
-          <a:chExt cx="0" cy="0"/>
-        </a:xfrm>
-      </p:grpSpPr>
-      <p:sp>
-        <p:nvSpPr>
-          <p:cNvPr id="2" name="Title 1">
-            <a:extLst>
-              <a:ext uri="{FF2B5EF4-FFF2-40B4-BE49-F238E27FC236}">
-                <a16:creationId xmlns:a16="http://schemas.microsoft.com/office/drawing/2014/main" id="{88314DD9-1483-4DDE-A3F7-C5300E2E753D}"/>
-              </a:ext>
-            </a:extLst>
-          </p:cNvPr>
-          <p:cNvSpPr>
-            <a:spLocks noGrp="1"/>
-          </p:cNvSpPr>
-          <p:nvPr>
-            <p:ph type="title"/>
-          </p:nvPr>
-        </p:nvSpPr>
-        <p:spPr/>
-        <p:txBody>
-          <a:bodyPr/>
-          <a:lstStyle/>
-          <a:p>
-            <a:pPr algn="ctr"/>
-            <a:r>
-              <a:rPr lang="en-US" b="1" u="sng" dirty="0"/>
-              <a:t>login</a:t>
-            </a:r>
-          </a:p>
-        </p:txBody>
-      </p:sp>
-      <p:pic>
-        <p:nvPicPr>
-          <p:cNvPr id="5" name="Content Placeholder 4">
-            <a:extLst>
-              <a:ext uri="{FF2B5EF4-FFF2-40B4-BE49-F238E27FC236}">
-                <a16:creationId xmlns:a16="http://schemas.microsoft.com/office/drawing/2014/main" id="{197B5265-256A-4666-8124-04906B88FA7B}"/>
-              </a:ext>
-            </a:extLst>
-          </p:cNvPr>
-          <p:cNvPicPr>
-            <a:picLocks noGrp="1" noChangeAspect="1"/>
-          </p:cNvPicPr>
-          <p:nvPr>
-            <p:ph idx="1"/>
-          </p:nvPr>
-        </p:nvPicPr>
-        <p:blipFill>
-          <a:blip r:embed="rId3"/>
-          <a:stretch>
-            <a:fillRect/>
-          </a:stretch>
-        </p:blipFill>
-        <p:spPr>
-          <a:xfrm>
-            <a:off x="1451579" y="2025361"/>
-            <a:ext cx="3296551" cy="1798493"/>
-          </a:xfrm>
-        </p:spPr>
-      </p:pic>
-      <p:pic>
-        <p:nvPicPr>
-          <p:cNvPr id="9" name="Picture 8">
-            <a:extLst>
-              <a:ext uri="{FF2B5EF4-FFF2-40B4-BE49-F238E27FC236}">
-                <a16:creationId xmlns:a16="http://schemas.microsoft.com/office/drawing/2014/main" id="{4BB0D128-F8D9-40B8-9925-13BD4FFD0390}"/>
-              </a:ext>
-            </a:extLst>
-          </p:cNvPr>
-          <p:cNvPicPr>
-            <a:picLocks noChangeAspect="1"/>
-          </p:cNvPicPr>
-          <p:nvPr/>
-        </p:nvPicPr>
-        <p:blipFill>
-          <a:blip r:embed="rId4"/>
-          <a:stretch>
-            <a:fillRect/>
-          </a:stretch>
-        </p:blipFill>
-        <p:spPr>
-          <a:xfrm>
-            <a:off x="5081113" y="2025361"/>
-            <a:ext cx="2657846" cy="533474"/>
-          </a:xfrm>
-          <a:prstGeom prst="rect">
-            <a:avLst/>
-          </a:prstGeom>
-        </p:spPr>
-      </p:pic>
-      <p:pic>
-        <p:nvPicPr>
-          <p:cNvPr id="11" name="Picture 10">
-            <a:extLst>
-              <a:ext uri="{FF2B5EF4-FFF2-40B4-BE49-F238E27FC236}">
-                <a16:creationId xmlns:a16="http://schemas.microsoft.com/office/drawing/2014/main" id="{964631E2-A99C-4B77-99D2-E7922F41A211}"/>
-              </a:ext>
-            </a:extLst>
-          </p:cNvPr>
-          <p:cNvPicPr>
-            <a:picLocks noChangeAspect="1"/>
-          </p:cNvPicPr>
-          <p:nvPr/>
-        </p:nvPicPr>
-        <p:blipFill>
-          <a:blip r:embed="rId5"/>
-          <a:stretch>
-            <a:fillRect/>
-          </a:stretch>
-        </p:blipFill>
-        <p:spPr>
-          <a:xfrm>
-            <a:off x="5081113" y="2749686"/>
-            <a:ext cx="2810267" cy="2229161"/>
-          </a:xfrm>
-          <a:prstGeom prst="rect">
-            <a:avLst/>
-          </a:prstGeom>
-        </p:spPr>
-      </p:pic>
-    </p:spTree>
-    <p:extLst>
-      <p:ext uri="{BB962C8B-B14F-4D97-AF65-F5344CB8AC3E}">
-        <p14:creationId xmlns:p14="http://schemas.microsoft.com/office/powerpoint/2010/main" val="3584987720"/>
-      </p:ext>
-    </p:extLst>
-  </p:cSld>
-  <p:clrMapOvr>
-    <a:masterClrMapping/>
-  </p:clrMapOvr>
-</p:sld>
-</file>
-
-<file path=ppt/slides/slide6.xml><?xml version="1.0" encoding="utf-8"?>
-<p:sld xmlns:a="http://schemas.openxmlformats.org/drawingml/2006/main" xmlns:r="http://schemas.openxmlformats.org/officeDocument/2006/relationships" xmlns:p="http://schemas.openxmlformats.org/presentationml/2006/main">
-  <p:cSld>
-    <p:spTree>
-      <p:nvGrpSpPr>
-        <p:cNvPr id="1" name=""/>
-        <p:cNvGrpSpPr/>
-        <p:nvPr/>
-      </p:nvGrpSpPr>
-      <p:grpSpPr>
-        <a:xfrm>
-          <a:off x="0" y="0"/>
-          <a:ext cx="0" cy="0"/>
-          <a:chOff x="0" y="0"/>
-          <a:chExt cx="0" cy="0"/>
-        </a:xfrm>
-      </p:grpSpPr>
-      <p:sp>
-        <p:nvSpPr>
-          <p:cNvPr id="2" name="Title 1">
-            <a:extLst>
-              <a:ext uri="{FF2B5EF4-FFF2-40B4-BE49-F238E27FC236}">
-                <a16:creationId xmlns:a16="http://schemas.microsoft.com/office/drawing/2014/main" id="{1248F367-F262-4C04-9E18-5380341D25EC}"/>
-              </a:ext>
-            </a:extLst>
-          </p:cNvPr>
-          <p:cNvSpPr>
-            <a:spLocks noGrp="1"/>
-          </p:cNvSpPr>
-          <p:nvPr>
-            <p:ph type="title"/>
-          </p:nvPr>
-        </p:nvSpPr>
-        <p:spPr/>
-        <p:txBody>
-          <a:bodyPr/>
-          <a:lstStyle/>
-          <a:p>
-            <a:pPr algn="ctr"/>
-            <a:r>
-              <a:rPr lang="en-US" b="1" u="sng" dirty="0"/>
-              <a:t>Players page</a:t>
-            </a:r>
-          </a:p>
-        </p:txBody>
-      </p:sp>
-      <p:pic>
-        <p:nvPicPr>
-          <p:cNvPr id="5" name="Content Placeholder 4">
-            <a:extLst>
-              <a:ext uri="{FF2B5EF4-FFF2-40B4-BE49-F238E27FC236}">
-                <a16:creationId xmlns:a16="http://schemas.microsoft.com/office/drawing/2014/main" id="{CDD47C97-694C-40BB-B9B6-22501C79A5A7}"/>
-              </a:ext>
-            </a:extLst>
-          </p:cNvPr>
-          <p:cNvPicPr>
-            <a:picLocks noGrp="1" noChangeAspect="1"/>
-          </p:cNvPicPr>
-          <p:nvPr>
-            <p:ph idx="1"/>
-          </p:nvPr>
-        </p:nvPicPr>
-        <p:blipFill>
-          <a:blip r:embed="rId3"/>
-          <a:stretch>
-            <a:fillRect/>
-          </a:stretch>
-        </p:blipFill>
-        <p:spPr>
-          <a:xfrm>
-            <a:off x="1451579" y="2253971"/>
-            <a:ext cx="3868292" cy="2574163"/>
-          </a:xfrm>
-        </p:spPr>
-      </p:pic>
-      <p:pic>
-        <p:nvPicPr>
-          <p:cNvPr id="7" name="Picture 6">
-            <a:extLst>
-              <a:ext uri="{FF2B5EF4-FFF2-40B4-BE49-F238E27FC236}">
-                <a16:creationId xmlns:a16="http://schemas.microsoft.com/office/drawing/2014/main" id="{7C3D1274-8796-47D5-9A17-E5666CE85280}"/>
-              </a:ext>
-            </a:extLst>
-          </p:cNvPr>
-          <p:cNvPicPr>
-            <a:picLocks noChangeAspect="1"/>
-          </p:cNvPicPr>
-          <p:nvPr/>
-        </p:nvPicPr>
-        <p:blipFill>
-          <a:blip r:embed="rId4"/>
-          <a:stretch>
-            <a:fillRect/>
-          </a:stretch>
-        </p:blipFill>
-        <p:spPr>
-          <a:xfrm>
-            <a:off x="6762685" y="2253971"/>
-            <a:ext cx="4151785" cy="2574163"/>
-          </a:xfrm>
-          <a:prstGeom prst="rect">
-            <a:avLst/>
-          </a:prstGeom>
-        </p:spPr>
-      </p:pic>
-      <p:pic>
-        <p:nvPicPr>
-          <p:cNvPr id="11" name="Picture 10">
-            <a:extLst>
-              <a:ext uri="{FF2B5EF4-FFF2-40B4-BE49-F238E27FC236}">
-                <a16:creationId xmlns:a16="http://schemas.microsoft.com/office/drawing/2014/main" id="{FC2E4C00-0169-4EF8-B308-E40E7B4A77CB}"/>
-              </a:ext>
-            </a:extLst>
-          </p:cNvPr>
-          <p:cNvPicPr>
-            <a:picLocks noChangeAspect="1"/>
-          </p:cNvPicPr>
-          <p:nvPr/>
-        </p:nvPicPr>
-        <p:blipFill>
-          <a:blip r:embed="rId5"/>
-          <a:stretch>
-            <a:fillRect/>
-          </a:stretch>
-        </p:blipFill>
-        <p:spPr>
-          <a:xfrm>
-            <a:off x="4976856" y="3541052"/>
-            <a:ext cx="2128845" cy="2292253"/>
-          </a:xfrm>
-          <a:prstGeom prst="rect">
-            <a:avLst/>
-          </a:prstGeom>
-        </p:spPr>
-      </p:pic>
-    </p:spTree>
-    <p:extLst>
-      <p:ext uri="{BB962C8B-B14F-4D97-AF65-F5344CB8AC3E}">
-        <p14:creationId xmlns:p14="http://schemas.microsoft.com/office/powerpoint/2010/main" val="57973825"/>
-      </p:ext>
-    </p:extLst>
-  </p:cSld>
-  <p:clrMapOvr>
-    <a:masterClrMapping/>
-  </p:clrMapOvr>
-</p:sld>
-</file>
-
-<file path=ppt/slides/slide7.xml><?xml version="1.0" encoding="utf-8"?>
-<p:sld xmlns:a="http://schemas.openxmlformats.org/drawingml/2006/main" xmlns:r="http://schemas.openxmlformats.org/officeDocument/2006/relationships" xmlns:p="http://schemas.openxmlformats.org/presentationml/2006/main">
-  <p:cSld>
-    <p:spTree>
-      <p:nvGrpSpPr>
-        <p:cNvPr id="1" name=""/>
-        <p:cNvGrpSpPr/>
-        <p:nvPr/>
-      </p:nvGrpSpPr>
-      <p:grpSpPr>
-        <a:xfrm>
-          <a:off x="0" y="0"/>
-          <a:ext cx="0" cy="0"/>
-          <a:chOff x="0" y="0"/>
-          <a:chExt cx="0" cy="0"/>
-        </a:xfrm>
-      </p:grpSpPr>
-      <p:sp>
-        <p:nvSpPr>
-          <p:cNvPr id="2" name="Title 1">
-            <a:extLst>
-              <a:ext uri="{FF2B5EF4-FFF2-40B4-BE49-F238E27FC236}">
-                <a16:creationId xmlns:a16="http://schemas.microsoft.com/office/drawing/2014/main" id="{EF3D9749-E984-4E32-A38F-EC26D3BF44FE}"/>
-              </a:ext>
-            </a:extLst>
-          </p:cNvPr>
-          <p:cNvSpPr>
-            <a:spLocks noGrp="1"/>
-          </p:cNvSpPr>
-          <p:nvPr>
-            <p:ph type="title"/>
-          </p:nvPr>
-        </p:nvSpPr>
-        <p:spPr/>
-        <p:txBody>
-          <a:bodyPr/>
-          <a:lstStyle/>
-          <a:p>
-            <a:pPr algn="ctr"/>
-            <a:r>
-              <a:rPr lang="en-US" b="1" u="sng" dirty="0"/>
-              <a:t>Campaign page</a:t>
-            </a:r>
-          </a:p>
-        </p:txBody>
-      </p:sp>
-      <p:pic>
-        <p:nvPicPr>
-          <p:cNvPr id="5" name="Content Placeholder 4">
-            <a:extLst>
-              <a:ext uri="{FF2B5EF4-FFF2-40B4-BE49-F238E27FC236}">
-                <a16:creationId xmlns:a16="http://schemas.microsoft.com/office/drawing/2014/main" id="{A76C319B-6F35-43A0-9F1E-47A44DC54239}"/>
-              </a:ext>
-            </a:extLst>
-          </p:cNvPr>
-          <p:cNvPicPr>
-            <a:picLocks noGrp="1" noChangeAspect="1"/>
-          </p:cNvPicPr>
-          <p:nvPr>
-            <p:ph idx="1"/>
-          </p:nvPr>
-        </p:nvPicPr>
-        <p:blipFill>
-          <a:blip r:embed="rId2"/>
-          <a:stretch>
-            <a:fillRect/>
-          </a:stretch>
-        </p:blipFill>
-        <p:spPr>
-          <a:xfrm>
-            <a:off x="1451579" y="2280371"/>
-            <a:ext cx="3624843" cy="2297257"/>
-          </a:xfrm>
-        </p:spPr>
-      </p:pic>
-      <p:pic>
-        <p:nvPicPr>
-          <p:cNvPr id="7" name="Picture 6">
-            <a:extLst>
-              <a:ext uri="{FF2B5EF4-FFF2-40B4-BE49-F238E27FC236}">
-                <a16:creationId xmlns:a16="http://schemas.microsoft.com/office/drawing/2014/main" id="{88F61BF2-E273-42A2-B9CD-F6E9701AEC65}"/>
-              </a:ext>
-            </a:extLst>
-          </p:cNvPr>
-          <p:cNvPicPr>
-            <a:picLocks noChangeAspect="1"/>
-          </p:cNvPicPr>
-          <p:nvPr/>
-        </p:nvPicPr>
-        <p:blipFill>
-          <a:blip r:embed="rId3"/>
-          <a:stretch>
-            <a:fillRect/>
-          </a:stretch>
-        </p:blipFill>
-        <p:spPr>
-          <a:xfrm>
-            <a:off x="7393364" y="2280371"/>
-            <a:ext cx="3661490" cy="2297257"/>
-          </a:xfrm>
-          <a:prstGeom prst="rect">
-            <a:avLst/>
-          </a:prstGeom>
-        </p:spPr>
-      </p:pic>
-      <p:pic>
-        <p:nvPicPr>
-          <p:cNvPr id="9" name="Picture 8">
-            <a:extLst>
-              <a:ext uri="{FF2B5EF4-FFF2-40B4-BE49-F238E27FC236}">
-                <a16:creationId xmlns:a16="http://schemas.microsoft.com/office/drawing/2014/main" id="{42C6E320-0E6A-4947-8E2D-48A3D0373DB2}"/>
-              </a:ext>
-            </a:extLst>
-          </p:cNvPr>
-          <p:cNvPicPr>
-            <a:picLocks noChangeAspect="1"/>
-          </p:cNvPicPr>
-          <p:nvPr/>
-        </p:nvPicPr>
-        <p:blipFill>
-          <a:blip r:embed="rId4"/>
-          <a:stretch>
-            <a:fillRect/>
-          </a:stretch>
-        </p:blipFill>
-        <p:spPr>
-          <a:xfrm>
-            <a:off x="3264000" y="3958821"/>
-            <a:ext cx="2422008" cy="1807262"/>
-          </a:xfrm>
-          <a:prstGeom prst="rect">
-            <a:avLst/>
-          </a:prstGeom>
-        </p:spPr>
-      </p:pic>
-    </p:spTree>
-    <p:extLst>
-      <p:ext uri="{BB962C8B-B14F-4D97-AF65-F5344CB8AC3E}">
-        <p14:creationId xmlns:p14="http://schemas.microsoft.com/office/powerpoint/2010/main" val="2278381639"/>
-      </p:ext>
-    </p:extLst>
-  </p:cSld>
-  <p:clrMapOvr>
-    <a:masterClrMapping/>
-  </p:clrMapOvr>
-</p:sld>
-</file>
-
-<file path=ppt/slides/slide8.xml><?xml version="1.0" encoding="utf-8"?>
-<p:sld xmlns:a="http://schemas.openxmlformats.org/drawingml/2006/main" xmlns:r="http://schemas.openxmlformats.org/officeDocument/2006/relationships" xmlns:p="http://schemas.openxmlformats.org/presentationml/2006/main">
-  <p:cSld>
-    <p:spTree>
-      <p:nvGrpSpPr>
-        <p:cNvPr id="1" name=""/>
-        <p:cNvGrpSpPr/>
-        <p:nvPr/>
-      </p:nvGrpSpPr>
-      <p:grpSpPr>
-        <a:xfrm>
-          <a:off x="0" y="0"/>
-          <a:ext cx="0" cy="0"/>
-          <a:chOff x="0" y="0"/>
-          <a:chExt cx="0" cy="0"/>
-        </a:xfrm>
-      </p:grpSpPr>
-      <p:sp>
-        <p:nvSpPr>
-          <p:cNvPr id="2" name="Title 1">
-            <a:extLst>
-              <a:ext uri="{FF2B5EF4-FFF2-40B4-BE49-F238E27FC236}">
-                <a16:creationId xmlns:a16="http://schemas.microsoft.com/office/drawing/2014/main" id="{C3E3120C-2B7A-43B2-9967-7929E8CC6863}"/>
-              </a:ext>
-            </a:extLst>
-          </p:cNvPr>
-          <p:cNvSpPr>
-            <a:spLocks noGrp="1"/>
-          </p:cNvSpPr>
-          <p:nvPr>
-            <p:ph type="title"/>
-          </p:nvPr>
-        </p:nvSpPr>
-        <p:spPr/>
-        <p:txBody>
-          <a:bodyPr/>
-          <a:lstStyle/>
-          <a:p>
-            <a:pPr algn="ctr"/>
-            <a:r>
-              <a:rPr lang="en-US" b="1" u="sng" dirty="0"/>
-              <a:t>Character page</a:t>
-            </a:r>
-          </a:p>
-        </p:txBody>
-      </p:sp>
-      <p:pic>
-        <p:nvPicPr>
-          <p:cNvPr id="5" name="Content Placeholder 4">
-            <a:extLst>
-              <a:ext uri="{FF2B5EF4-FFF2-40B4-BE49-F238E27FC236}">
-                <a16:creationId xmlns:a16="http://schemas.microsoft.com/office/drawing/2014/main" id="{A1914452-FDE5-4A9A-BEF8-ABD23CFAB64F}"/>
-              </a:ext>
-            </a:extLst>
-          </p:cNvPr>
-          <p:cNvPicPr>
-            <a:picLocks noGrp="1" noChangeAspect="1"/>
-          </p:cNvPicPr>
-          <p:nvPr>
-            <p:ph idx="1"/>
-          </p:nvPr>
-        </p:nvPicPr>
-        <p:blipFill>
-          <a:blip r:embed="rId2"/>
-          <a:stretch>
-            <a:fillRect/>
-          </a:stretch>
-        </p:blipFill>
-        <p:spPr>
-          <a:xfrm>
-            <a:off x="1451579" y="1958499"/>
-            <a:ext cx="3400820" cy="2244045"/>
-          </a:xfrm>
-        </p:spPr>
-      </p:pic>
-      <p:pic>
-        <p:nvPicPr>
-          <p:cNvPr id="7" name="Picture 6">
-            <a:extLst>
-              <a:ext uri="{FF2B5EF4-FFF2-40B4-BE49-F238E27FC236}">
-                <a16:creationId xmlns:a16="http://schemas.microsoft.com/office/drawing/2014/main" id="{0A198692-7E14-42D8-8B43-D7DA72F4A82A}"/>
-              </a:ext>
-            </a:extLst>
-          </p:cNvPr>
-          <p:cNvPicPr>
-            <a:picLocks noChangeAspect="1"/>
-          </p:cNvPicPr>
-          <p:nvPr/>
-        </p:nvPicPr>
-        <p:blipFill>
-          <a:blip r:embed="rId3"/>
-          <a:stretch>
-            <a:fillRect/>
-          </a:stretch>
-        </p:blipFill>
-        <p:spPr>
-          <a:xfrm>
-            <a:off x="6832676" y="1958499"/>
-            <a:ext cx="4222178" cy="1672794"/>
-          </a:xfrm>
-          <a:prstGeom prst="rect">
-            <a:avLst/>
-          </a:prstGeom>
-        </p:spPr>
-      </p:pic>
-      <p:pic>
-        <p:nvPicPr>
-          <p:cNvPr id="9" name="Picture 8">
-            <a:extLst>
-              <a:ext uri="{FF2B5EF4-FFF2-40B4-BE49-F238E27FC236}">
-                <a16:creationId xmlns:a16="http://schemas.microsoft.com/office/drawing/2014/main" id="{9B644484-3BEB-491A-9F11-E17D830E5D50}"/>
-              </a:ext>
-            </a:extLst>
-          </p:cNvPr>
-          <p:cNvPicPr>
-            <a:picLocks noChangeAspect="1"/>
-          </p:cNvPicPr>
-          <p:nvPr/>
-        </p:nvPicPr>
-        <p:blipFill>
-          <a:blip r:embed="rId4"/>
-          <a:stretch>
-            <a:fillRect/>
-          </a:stretch>
-        </p:blipFill>
-        <p:spPr>
-          <a:xfrm>
-            <a:off x="4852399" y="3596608"/>
-            <a:ext cx="3700208" cy="2456873"/>
-          </a:xfrm>
-          <a:prstGeom prst="rect">
-            <a:avLst/>
-          </a:prstGeom>
-        </p:spPr>
-      </p:pic>
-    </p:spTree>
-    <p:extLst>
-      <p:ext uri="{BB962C8B-B14F-4D97-AF65-F5344CB8AC3E}">
-        <p14:creationId xmlns:p14="http://schemas.microsoft.com/office/powerpoint/2010/main" val="2505402052"/>
-      </p:ext>
-    </p:extLst>
-  </p:cSld>
-  <p:clrMapOvr>
-    <a:masterClrMapping/>
-  </p:clrMapOvr>
-</p:sld>
-</file>
-
-<file path=ppt/slides/slide9.xml><?xml version="1.0" encoding="utf-8"?>
-<p:sld xmlns:a="http://schemas.openxmlformats.org/drawingml/2006/main" xmlns:r="http://schemas.openxmlformats.org/officeDocument/2006/relationships" xmlns:p="http://schemas.openxmlformats.org/presentationml/2006/main">
-  <p:cSld>
-    <p:spTree>
-      <p:nvGrpSpPr>
-        <p:cNvPr id="1" name=""/>
-        <p:cNvGrpSpPr/>
-        <p:nvPr/>
-      </p:nvGrpSpPr>
-      <p:grpSpPr>
-        <a:xfrm>
-          <a:off x="0" y="0"/>
-          <a:ext cx="0" cy="0"/>
-          <a:chOff x="0" y="0"/>
-          <a:chExt cx="0" cy="0"/>
-        </a:xfrm>
-      </p:grpSpPr>
-      <p:sp>
-        <p:nvSpPr>
-          <p:cNvPr id="2" name="Title 1">
-            <a:extLst>
-              <a:ext uri="{FF2B5EF4-FFF2-40B4-BE49-F238E27FC236}">
                 <a16:creationId xmlns:a16="http://schemas.microsoft.com/office/drawing/2014/main" id="{AD054023-9578-47D4-AA71-D353269F081E}"/>
               </a:ext>
             </a:extLst>
@@ -5833,10 +6843,1307 @@
 </p:sld>
 </file>
 
+<file path=ppt/slides/slide11.xml><?xml version="1.0" encoding="utf-8"?>
+<p:sld xmlns:a="http://schemas.openxmlformats.org/drawingml/2006/main" xmlns:r="http://schemas.openxmlformats.org/officeDocument/2006/relationships" xmlns:p="http://schemas.openxmlformats.org/presentationml/2006/main">
+  <p:cSld>
+    <p:spTree>
+      <p:nvGrpSpPr>
+        <p:cNvPr id="1" name=""/>
+        <p:cNvGrpSpPr/>
+        <p:nvPr/>
+      </p:nvGrpSpPr>
+      <p:grpSpPr>
+        <a:xfrm>
+          <a:off x="0" y="0"/>
+          <a:ext cx="0" cy="0"/>
+          <a:chOff x="0" y="0"/>
+          <a:chExt cx="0" cy="0"/>
+        </a:xfrm>
+      </p:grpSpPr>
+      <p:sp>
+        <p:nvSpPr>
+          <p:cNvPr id="2" name="Title 1">
+            <a:extLst>
+              <a:ext uri="{FF2B5EF4-FFF2-40B4-BE49-F238E27FC236}">
+                <a16:creationId xmlns:a16="http://schemas.microsoft.com/office/drawing/2014/main" id="{E0A48734-0CDD-4236-9998-74F48A32AA70}"/>
+              </a:ext>
+            </a:extLst>
+          </p:cNvPr>
+          <p:cNvSpPr>
+            <a:spLocks noGrp="1"/>
+          </p:cNvSpPr>
+          <p:nvPr>
+            <p:ph type="ctrTitle"/>
+          </p:nvPr>
+        </p:nvSpPr>
+        <p:spPr>
+          <a:xfrm>
+            <a:off x="1524000" y="1122363"/>
+            <a:ext cx="9144000" cy="715063"/>
+          </a:xfrm>
+        </p:spPr>
+        <p:txBody>
+          <a:bodyPr>
+            <a:normAutofit fontScale="90000"/>
+          </a:bodyPr>
+          <a:lstStyle/>
+          <a:p>
+            <a:pPr algn="ctr"/>
+            <a:r>
+              <a:rPr lang="en-US" sz="4000" b="1" u="sng" dirty="0"/>
+              <a:t>Additional Stuff Added Not Taught in Class:</a:t>
+            </a:r>
+            <a:endParaRPr lang="en-US" sz="4000" dirty="0"/>
+          </a:p>
+        </p:txBody>
+      </p:sp>
+      <p:sp>
+        <p:nvSpPr>
+          <p:cNvPr id="3" name="Subtitle 2">
+            <a:extLst>
+              <a:ext uri="{FF2B5EF4-FFF2-40B4-BE49-F238E27FC236}">
+                <a16:creationId xmlns:a16="http://schemas.microsoft.com/office/drawing/2014/main" id="{F9F380C3-558E-43DA-B893-7760C59C631E}"/>
+              </a:ext>
+            </a:extLst>
+          </p:cNvPr>
+          <p:cNvSpPr>
+            <a:spLocks noGrp="1"/>
+          </p:cNvSpPr>
+          <p:nvPr>
+            <p:ph type="subTitle" idx="1"/>
+          </p:nvPr>
+        </p:nvSpPr>
+        <p:spPr>
+          <a:xfrm>
+            <a:off x="1524000" y="1837426"/>
+            <a:ext cx="9144000" cy="4088921"/>
+          </a:xfrm>
+        </p:spPr>
+        <p:txBody>
+          <a:bodyPr/>
+          <a:lstStyle/>
+          <a:p>
+            <a:endParaRPr lang="en-US" b="1" u="sng" dirty="0"/>
+          </a:p>
+          <a:p>
+            <a:pPr marL="342900" indent="-342900">
+              <a:buFont typeface="Arial" panose="020B0604020202020204" pitchFamily="34" charset="0"/>
+              <a:buChar char="•"/>
+            </a:pPr>
+            <a:r>
+              <a:rPr lang="en-US" sz="1400" b="1" dirty="0"/>
+              <a:t>EF Update method: </a:t>
+            </a:r>
+            <a:r>
+              <a:rPr lang="en-US" sz="1400" dirty="0"/>
+              <a:t> _</a:t>
+            </a:r>
+            <a:r>
+              <a:rPr lang="en-US" sz="1400" dirty="0" err="1"/>
+              <a:t>context.Entry</a:t>
+            </a:r>
+            <a:r>
+              <a:rPr lang="en-US" sz="1400" dirty="0"/>
+              <a:t>(</a:t>
+            </a:r>
+            <a:r>
+              <a:rPr lang="en-US" sz="1400" dirty="0" err="1"/>
+              <a:t>ObjectToUpdate</a:t>
+            </a:r>
+            <a:r>
+              <a:rPr lang="en-US" sz="1400" dirty="0"/>
+              <a:t>).</a:t>
+            </a:r>
+            <a:r>
+              <a:rPr lang="en-US" sz="1400" dirty="0" err="1"/>
+              <a:t>CurrentValues.SetValues</a:t>
+            </a:r>
+            <a:r>
+              <a:rPr lang="en-US" sz="1400" dirty="0"/>
+              <a:t>(</a:t>
+            </a:r>
+            <a:r>
+              <a:rPr lang="en-US" sz="1400" dirty="0" err="1"/>
+              <a:t>UpdatedObject</a:t>
+            </a:r>
+            <a:r>
+              <a:rPr lang="en-US" sz="1400" dirty="0"/>
+              <a:t>);</a:t>
+            </a:r>
+          </a:p>
+          <a:p>
+            <a:pPr marL="342900" indent="-342900">
+              <a:buFont typeface="Arial" panose="020B0604020202020204" pitchFamily="34" charset="0"/>
+              <a:buChar char="•"/>
+            </a:pPr>
+            <a:r>
+              <a:rPr lang="en-US" sz="1400" b="1" dirty="0"/>
+              <a:t>SQL: </a:t>
+            </a:r>
+            <a:r>
+              <a:rPr lang="en-US" sz="1400" dirty="0" err="1"/>
+              <a:t>PwdEncrypt</a:t>
+            </a:r>
+            <a:r>
+              <a:rPr lang="en-US" sz="1400" dirty="0"/>
+              <a:t>(), PWDCOMPARE()</a:t>
+            </a:r>
+          </a:p>
+          <a:p>
+            <a:pPr marL="342900" indent="-342900">
+              <a:buFont typeface="Arial" panose="020B0604020202020204" pitchFamily="34" charset="0"/>
+              <a:buChar char="•"/>
+            </a:pPr>
+            <a:endParaRPr lang="en-US" sz="1400" dirty="0"/>
+          </a:p>
+        </p:txBody>
+      </p:sp>
+    </p:spTree>
+    <p:extLst>
+      <p:ext uri="{BB962C8B-B14F-4D97-AF65-F5344CB8AC3E}">
+        <p14:creationId xmlns:p14="http://schemas.microsoft.com/office/powerpoint/2010/main" val="986027806"/>
+      </p:ext>
+    </p:extLst>
+  </p:cSld>
+  <p:clrMapOvr>
+    <a:masterClrMapping/>
+  </p:clrMapOvr>
+</p:sld>
+</file>
+
+<file path=ppt/slides/slide2.xml><?xml version="1.0" encoding="utf-8"?>
+<p:sld xmlns:a="http://schemas.openxmlformats.org/drawingml/2006/main" xmlns:r="http://schemas.openxmlformats.org/officeDocument/2006/relationships" xmlns:p="http://schemas.openxmlformats.org/presentationml/2006/main">
+  <p:cSld>
+    <p:spTree>
+      <p:nvGrpSpPr>
+        <p:cNvPr id="1" name=""/>
+        <p:cNvGrpSpPr/>
+        <p:nvPr/>
+      </p:nvGrpSpPr>
+      <p:grpSpPr>
+        <a:xfrm>
+          <a:off x="0" y="0"/>
+          <a:ext cx="0" cy="0"/>
+          <a:chOff x="0" y="0"/>
+          <a:chExt cx="0" cy="0"/>
+        </a:xfrm>
+      </p:grpSpPr>
+      <p:sp>
+        <p:nvSpPr>
+          <p:cNvPr id="2" name="Title 1">
+            <a:extLst>
+              <a:ext uri="{FF2B5EF4-FFF2-40B4-BE49-F238E27FC236}">
+                <a16:creationId xmlns:a16="http://schemas.microsoft.com/office/drawing/2014/main" id="{DED5914B-4C45-407F-995C-6EDA8A41CE43}"/>
+              </a:ext>
+            </a:extLst>
+          </p:cNvPr>
+          <p:cNvSpPr>
+            <a:spLocks noGrp="1"/>
+          </p:cNvSpPr>
+          <p:nvPr>
+            <p:ph type="title"/>
+          </p:nvPr>
+        </p:nvSpPr>
+        <p:spPr/>
+        <p:txBody>
+          <a:bodyPr/>
+          <a:lstStyle/>
+          <a:p>
+            <a:pPr algn="ctr"/>
+            <a:r>
+              <a:rPr lang="en-US" b="1" u="sng" dirty="0"/>
+              <a:t>ASP Index</a:t>
+            </a:r>
+          </a:p>
+        </p:txBody>
+      </p:sp>
+      <p:pic>
+        <p:nvPicPr>
+          <p:cNvPr id="8" name="Content Placeholder 7">
+            <a:extLst>
+              <a:ext uri="{FF2B5EF4-FFF2-40B4-BE49-F238E27FC236}">
+                <a16:creationId xmlns:a16="http://schemas.microsoft.com/office/drawing/2014/main" id="{58BF0A16-93AB-44B2-972E-C438781C991D}"/>
+              </a:ext>
+            </a:extLst>
+          </p:cNvPr>
+          <p:cNvPicPr>
+            <a:picLocks noGrp="1" noChangeAspect="1"/>
+          </p:cNvPicPr>
+          <p:nvPr>
+            <p:ph idx="1"/>
+          </p:nvPr>
+        </p:nvPicPr>
+        <p:blipFill>
+          <a:blip r:embed="rId3"/>
+          <a:stretch>
+            <a:fillRect/>
+          </a:stretch>
+        </p:blipFill>
+        <p:spPr>
+          <a:xfrm>
+            <a:off x="2602671" y="2095500"/>
+            <a:ext cx="6977132" cy="3695700"/>
+          </a:xfrm>
+          <a:prstGeom prst="rect">
+            <a:avLst/>
+          </a:prstGeom>
+        </p:spPr>
+      </p:pic>
+    </p:spTree>
+    <p:extLst>
+      <p:ext uri="{BB962C8B-B14F-4D97-AF65-F5344CB8AC3E}">
+        <p14:creationId xmlns:p14="http://schemas.microsoft.com/office/powerpoint/2010/main" val="1205707295"/>
+      </p:ext>
+    </p:extLst>
+  </p:cSld>
+  <p:clrMapOvr>
+    <a:masterClrMapping/>
+  </p:clrMapOvr>
+</p:sld>
+</file>
+
+<file path=ppt/slides/slide3.xml><?xml version="1.0" encoding="utf-8"?>
+<p:sld xmlns:a="http://schemas.openxmlformats.org/drawingml/2006/main" xmlns:r="http://schemas.openxmlformats.org/officeDocument/2006/relationships" xmlns:p="http://schemas.openxmlformats.org/presentationml/2006/main">
+  <p:cSld>
+    <p:spTree>
+      <p:nvGrpSpPr>
+        <p:cNvPr id="1" name=""/>
+        <p:cNvGrpSpPr/>
+        <p:nvPr/>
+      </p:nvGrpSpPr>
+      <p:grpSpPr>
+        <a:xfrm>
+          <a:off x="0" y="0"/>
+          <a:ext cx="0" cy="0"/>
+          <a:chOff x="0" y="0"/>
+          <a:chExt cx="0" cy="0"/>
+        </a:xfrm>
+      </p:grpSpPr>
+      <p:sp>
+        <p:nvSpPr>
+          <p:cNvPr id="2" name="Title 1">
+            <a:extLst>
+              <a:ext uri="{FF2B5EF4-FFF2-40B4-BE49-F238E27FC236}">
+                <a16:creationId xmlns:a16="http://schemas.microsoft.com/office/drawing/2014/main" id="{601DB373-AC66-4F46-BE0D-DCA3E4EC46A6}"/>
+              </a:ext>
+            </a:extLst>
+          </p:cNvPr>
+          <p:cNvSpPr>
+            <a:spLocks noGrp="1"/>
+          </p:cNvSpPr>
+          <p:nvPr>
+            <p:ph type="title"/>
+          </p:nvPr>
+        </p:nvSpPr>
+        <p:spPr/>
+        <p:txBody>
+          <a:bodyPr/>
+          <a:lstStyle/>
+          <a:p>
+            <a:pPr algn="ctr"/>
+            <a:r>
+              <a:rPr lang="en-US" b="1" u="sng" dirty="0"/>
+              <a:t>ASP Reports</a:t>
+            </a:r>
+          </a:p>
+        </p:txBody>
+      </p:sp>
+      <p:pic>
+        <p:nvPicPr>
+          <p:cNvPr id="5" name="Content Placeholder 4">
+            <a:extLst>
+              <a:ext uri="{FF2B5EF4-FFF2-40B4-BE49-F238E27FC236}">
+                <a16:creationId xmlns:a16="http://schemas.microsoft.com/office/drawing/2014/main" id="{C1104178-45F9-4585-A31E-0FDB259CC187}"/>
+              </a:ext>
+            </a:extLst>
+          </p:cNvPr>
+          <p:cNvPicPr>
+            <a:picLocks noGrp="1" noChangeAspect="1"/>
+          </p:cNvPicPr>
+          <p:nvPr>
+            <p:ph idx="1"/>
+          </p:nvPr>
+        </p:nvPicPr>
+        <p:blipFill>
+          <a:blip r:embed="rId3"/>
+          <a:stretch>
+            <a:fillRect/>
+          </a:stretch>
+        </p:blipFill>
+        <p:spPr>
+          <a:xfrm>
+            <a:off x="1406987" y="1723624"/>
+            <a:ext cx="3004774" cy="2026261"/>
+          </a:xfrm>
+        </p:spPr>
+      </p:pic>
+      <p:pic>
+        <p:nvPicPr>
+          <p:cNvPr id="7" name="Picture 6">
+            <a:extLst>
+              <a:ext uri="{FF2B5EF4-FFF2-40B4-BE49-F238E27FC236}">
+                <a16:creationId xmlns:a16="http://schemas.microsoft.com/office/drawing/2014/main" id="{B37DB3DC-9D57-4236-89D0-02BF68EADCE2}"/>
+              </a:ext>
+            </a:extLst>
+          </p:cNvPr>
+          <p:cNvPicPr>
+            <a:picLocks noChangeAspect="1"/>
+          </p:cNvPicPr>
+          <p:nvPr/>
+        </p:nvPicPr>
+        <p:blipFill>
+          <a:blip r:embed="rId4"/>
+          <a:stretch>
+            <a:fillRect/>
+          </a:stretch>
+        </p:blipFill>
+        <p:spPr>
+          <a:xfrm>
+            <a:off x="5464787" y="1748422"/>
+            <a:ext cx="5585402" cy="2055803"/>
+          </a:xfrm>
+          <a:prstGeom prst="rect">
+            <a:avLst/>
+          </a:prstGeom>
+        </p:spPr>
+      </p:pic>
+      <p:pic>
+        <p:nvPicPr>
+          <p:cNvPr id="9" name="Picture 8">
+            <a:extLst>
+              <a:ext uri="{FF2B5EF4-FFF2-40B4-BE49-F238E27FC236}">
+                <a16:creationId xmlns:a16="http://schemas.microsoft.com/office/drawing/2014/main" id="{C7ACEC04-2D41-434C-8166-2FD11E3EBFDA}"/>
+              </a:ext>
+            </a:extLst>
+          </p:cNvPr>
+          <p:cNvPicPr>
+            <a:picLocks noChangeAspect="1"/>
+          </p:cNvPicPr>
+          <p:nvPr/>
+        </p:nvPicPr>
+        <p:blipFill>
+          <a:blip r:embed="rId5"/>
+          <a:stretch>
+            <a:fillRect/>
+          </a:stretch>
+        </p:blipFill>
+        <p:spPr>
+          <a:xfrm>
+            <a:off x="1819853" y="4081676"/>
+            <a:ext cx="5585402" cy="2263430"/>
+          </a:xfrm>
+          <a:prstGeom prst="rect">
+            <a:avLst/>
+          </a:prstGeom>
+        </p:spPr>
+      </p:pic>
+    </p:spTree>
+    <p:extLst>
+      <p:ext uri="{BB962C8B-B14F-4D97-AF65-F5344CB8AC3E}">
+        <p14:creationId xmlns:p14="http://schemas.microsoft.com/office/powerpoint/2010/main" val="1418802366"/>
+      </p:ext>
+    </p:extLst>
+  </p:cSld>
+  <p:clrMapOvr>
+    <a:masterClrMapping/>
+  </p:clrMapOvr>
+</p:sld>
+</file>
+
+<file path=ppt/slides/slide4.xml><?xml version="1.0" encoding="utf-8"?>
+<p:sld xmlns:a="http://schemas.openxmlformats.org/drawingml/2006/main" xmlns:r="http://schemas.openxmlformats.org/officeDocument/2006/relationships" xmlns:p="http://schemas.openxmlformats.org/presentationml/2006/main">
+  <p:cSld>
+    <p:spTree>
+      <p:nvGrpSpPr>
+        <p:cNvPr id="1" name=""/>
+        <p:cNvGrpSpPr/>
+        <p:nvPr/>
+      </p:nvGrpSpPr>
+      <p:grpSpPr>
+        <a:xfrm>
+          <a:off x="0" y="0"/>
+          <a:ext cx="0" cy="0"/>
+          <a:chOff x="0" y="0"/>
+          <a:chExt cx="0" cy="0"/>
+        </a:xfrm>
+      </p:grpSpPr>
+      <p:sp>
+        <p:nvSpPr>
+          <p:cNvPr id="2" name="Title 1">
+            <a:extLst>
+              <a:ext uri="{FF2B5EF4-FFF2-40B4-BE49-F238E27FC236}">
+                <a16:creationId xmlns:a16="http://schemas.microsoft.com/office/drawing/2014/main" id="{D94BBC50-8E58-439E-B568-E7519C8BF7FE}"/>
+              </a:ext>
+            </a:extLst>
+          </p:cNvPr>
+          <p:cNvSpPr>
+            <a:spLocks noGrp="1"/>
+          </p:cNvSpPr>
+          <p:nvPr>
+            <p:ph type="title"/>
+          </p:nvPr>
+        </p:nvSpPr>
+        <p:spPr/>
+        <p:txBody>
+          <a:bodyPr/>
+          <a:lstStyle/>
+          <a:p>
+            <a:r>
+              <a:rPr lang="en-US" u="sng" dirty="0"/>
+              <a:t>Login Management</a:t>
+            </a:r>
+          </a:p>
+        </p:txBody>
+      </p:sp>
+      <p:pic>
+        <p:nvPicPr>
+          <p:cNvPr id="5" name="Content Placeholder 4">
+            <a:extLst>
+              <a:ext uri="{FF2B5EF4-FFF2-40B4-BE49-F238E27FC236}">
+                <a16:creationId xmlns:a16="http://schemas.microsoft.com/office/drawing/2014/main" id="{A483A508-5967-4655-A458-40926BECFAA3}"/>
+              </a:ext>
+            </a:extLst>
+          </p:cNvPr>
+          <p:cNvPicPr>
+            <a:picLocks noGrp="1" noChangeAspect="1"/>
+          </p:cNvPicPr>
+          <p:nvPr>
+            <p:ph idx="1"/>
+          </p:nvPr>
+        </p:nvPicPr>
+        <p:blipFill>
+          <a:blip r:embed="rId3"/>
+          <a:stretch>
+            <a:fillRect/>
+          </a:stretch>
+        </p:blipFill>
+        <p:spPr>
+          <a:xfrm>
+            <a:off x="1267847" y="2068068"/>
+            <a:ext cx="3381020" cy="1424940"/>
+          </a:xfrm>
+        </p:spPr>
+      </p:pic>
+      <p:pic>
+        <p:nvPicPr>
+          <p:cNvPr id="7" name="Picture 6">
+            <a:extLst>
+              <a:ext uri="{FF2B5EF4-FFF2-40B4-BE49-F238E27FC236}">
+                <a16:creationId xmlns:a16="http://schemas.microsoft.com/office/drawing/2014/main" id="{1E9E65D5-36F7-47FD-ACC4-544DF8E4FF88}"/>
+              </a:ext>
+            </a:extLst>
+          </p:cNvPr>
+          <p:cNvPicPr>
+            <a:picLocks noChangeAspect="1"/>
+          </p:cNvPicPr>
+          <p:nvPr/>
+        </p:nvPicPr>
+        <p:blipFill>
+          <a:blip r:embed="rId4"/>
+          <a:stretch>
+            <a:fillRect/>
+          </a:stretch>
+        </p:blipFill>
+        <p:spPr>
+          <a:xfrm>
+            <a:off x="6814613" y="2049793"/>
+            <a:ext cx="2286248" cy="2401824"/>
+          </a:xfrm>
+          <a:prstGeom prst="rect">
+            <a:avLst/>
+          </a:prstGeom>
+        </p:spPr>
+      </p:pic>
+      <p:pic>
+        <p:nvPicPr>
+          <p:cNvPr id="9" name="Picture 8">
+            <a:extLst>
+              <a:ext uri="{FF2B5EF4-FFF2-40B4-BE49-F238E27FC236}">
+                <a16:creationId xmlns:a16="http://schemas.microsoft.com/office/drawing/2014/main" id="{4F321FC2-E200-475B-AE27-1B3E24BEAE2E}"/>
+              </a:ext>
+            </a:extLst>
+          </p:cNvPr>
+          <p:cNvPicPr>
+            <a:picLocks noChangeAspect="1"/>
+          </p:cNvPicPr>
+          <p:nvPr/>
+        </p:nvPicPr>
+        <p:blipFill>
+          <a:blip r:embed="rId5"/>
+          <a:stretch>
+            <a:fillRect/>
+          </a:stretch>
+        </p:blipFill>
+        <p:spPr>
+          <a:xfrm>
+            <a:off x="1267847" y="3625155"/>
+            <a:ext cx="3381020" cy="2125469"/>
+          </a:xfrm>
+          <a:prstGeom prst="rect">
+            <a:avLst/>
+          </a:prstGeom>
+        </p:spPr>
+      </p:pic>
+      <p:pic>
+        <p:nvPicPr>
+          <p:cNvPr id="11" name="Picture 10">
+            <a:extLst>
+              <a:ext uri="{FF2B5EF4-FFF2-40B4-BE49-F238E27FC236}">
+                <a16:creationId xmlns:a16="http://schemas.microsoft.com/office/drawing/2014/main" id="{1DAE0328-6941-4419-A6F9-3AFECD7AB09E}"/>
+              </a:ext>
+            </a:extLst>
+          </p:cNvPr>
+          <p:cNvPicPr>
+            <a:picLocks noChangeAspect="1"/>
+          </p:cNvPicPr>
+          <p:nvPr/>
+        </p:nvPicPr>
+        <p:blipFill>
+          <a:blip r:embed="rId6"/>
+          <a:stretch>
+            <a:fillRect/>
+          </a:stretch>
+        </p:blipFill>
+        <p:spPr>
+          <a:xfrm>
+            <a:off x="4794825" y="2077110"/>
+            <a:ext cx="1873830" cy="2844970"/>
+          </a:xfrm>
+          <a:prstGeom prst="rect">
+            <a:avLst/>
+          </a:prstGeom>
+        </p:spPr>
+      </p:pic>
+      <p:pic>
+        <p:nvPicPr>
+          <p:cNvPr id="13" name="Picture 12">
+            <a:extLst>
+              <a:ext uri="{FF2B5EF4-FFF2-40B4-BE49-F238E27FC236}">
+                <a16:creationId xmlns:a16="http://schemas.microsoft.com/office/drawing/2014/main" id="{0C522111-734E-4B63-8386-DF6D3171EB7B}"/>
+              </a:ext>
+            </a:extLst>
+          </p:cNvPr>
+          <p:cNvPicPr>
+            <a:picLocks noChangeAspect="1"/>
+          </p:cNvPicPr>
+          <p:nvPr/>
+        </p:nvPicPr>
+        <p:blipFill>
+          <a:blip r:embed="rId7"/>
+          <a:stretch>
+            <a:fillRect/>
+          </a:stretch>
+        </p:blipFill>
+        <p:spPr>
+          <a:xfrm>
+            <a:off x="6814613" y="4515369"/>
+            <a:ext cx="2984545" cy="1926781"/>
+          </a:xfrm>
+          <a:prstGeom prst="rect">
+            <a:avLst/>
+          </a:prstGeom>
+        </p:spPr>
+      </p:pic>
+    </p:spTree>
+    <p:extLst>
+      <p:ext uri="{BB962C8B-B14F-4D97-AF65-F5344CB8AC3E}">
+        <p14:creationId xmlns:p14="http://schemas.microsoft.com/office/powerpoint/2010/main" val="2928952804"/>
+      </p:ext>
+    </p:extLst>
+  </p:cSld>
+  <p:clrMapOvr>
+    <a:masterClrMapping/>
+  </p:clrMapOvr>
+</p:sld>
+</file>
+
+<file path=ppt/slides/slide5.xml><?xml version="1.0" encoding="utf-8"?>
+<p:sld xmlns:a="http://schemas.openxmlformats.org/drawingml/2006/main" xmlns:r="http://schemas.openxmlformats.org/officeDocument/2006/relationships" xmlns:p="http://schemas.openxmlformats.org/presentationml/2006/main">
+  <p:cSld>
+    <p:spTree>
+      <p:nvGrpSpPr>
+        <p:cNvPr id="1" name=""/>
+        <p:cNvGrpSpPr/>
+        <p:nvPr/>
+      </p:nvGrpSpPr>
+      <p:grpSpPr>
+        <a:xfrm>
+          <a:off x="0" y="0"/>
+          <a:ext cx="0" cy="0"/>
+          <a:chOff x="0" y="0"/>
+          <a:chExt cx="0" cy="0"/>
+        </a:xfrm>
+      </p:grpSpPr>
+      <p:sp>
+        <p:nvSpPr>
+          <p:cNvPr id="2" name="Title 1">
+            <a:extLst>
+              <a:ext uri="{FF2B5EF4-FFF2-40B4-BE49-F238E27FC236}">
+                <a16:creationId xmlns:a16="http://schemas.microsoft.com/office/drawing/2014/main" id="{63C842B8-7310-4EB4-AEC4-86651944FF44}"/>
+              </a:ext>
+            </a:extLst>
+          </p:cNvPr>
+          <p:cNvSpPr>
+            <a:spLocks noGrp="1"/>
+          </p:cNvSpPr>
+          <p:nvPr>
+            <p:ph type="title"/>
+          </p:nvPr>
+        </p:nvSpPr>
+        <p:spPr/>
+        <p:txBody>
+          <a:bodyPr/>
+          <a:lstStyle/>
+          <a:p>
+            <a:pPr algn="ctr"/>
+            <a:r>
+              <a:rPr lang="en-US" b="1" u="sng" dirty="0"/>
+              <a:t>Angular index</a:t>
+            </a:r>
+          </a:p>
+        </p:txBody>
+      </p:sp>
+      <p:pic>
+        <p:nvPicPr>
+          <p:cNvPr id="5" name="Content Placeholder 4">
+            <a:extLst>
+              <a:ext uri="{FF2B5EF4-FFF2-40B4-BE49-F238E27FC236}">
+                <a16:creationId xmlns:a16="http://schemas.microsoft.com/office/drawing/2014/main" id="{C18FBCBC-14B7-42F5-AF67-4D39A3597C2D}"/>
+              </a:ext>
+            </a:extLst>
+          </p:cNvPr>
+          <p:cNvPicPr>
+            <a:picLocks noGrp="1" noChangeAspect="1"/>
+          </p:cNvPicPr>
+          <p:nvPr>
+            <p:ph idx="1"/>
+          </p:nvPr>
+        </p:nvPicPr>
+        <p:blipFill>
+          <a:blip r:embed="rId2"/>
+          <a:stretch>
+            <a:fillRect/>
+          </a:stretch>
+        </p:blipFill>
+        <p:spPr>
+          <a:xfrm>
+            <a:off x="2209336" y="2095500"/>
+            <a:ext cx="7763803" cy="3695700"/>
+          </a:xfrm>
+        </p:spPr>
+      </p:pic>
+    </p:spTree>
+    <p:extLst>
+      <p:ext uri="{BB962C8B-B14F-4D97-AF65-F5344CB8AC3E}">
+        <p14:creationId xmlns:p14="http://schemas.microsoft.com/office/powerpoint/2010/main" val="3713893586"/>
+      </p:ext>
+    </p:extLst>
+  </p:cSld>
+  <p:clrMapOvr>
+    <a:masterClrMapping/>
+  </p:clrMapOvr>
+</p:sld>
+</file>
+
+<file path=ppt/slides/slide6.xml><?xml version="1.0" encoding="utf-8"?>
+<p:sld xmlns:a="http://schemas.openxmlformats.org/drawingml/2006/main" xmlns:r="http://schemas.openxmlformats.org/officeDocument/2006/relationships" xmlns:p="http://schemas.openxmlformats.org/presentationml/2006/main">
+  <p:cSld>
+    <p:spTree>
+      <p:nvGrpSpPr>
+        <p:cNvPr id="1" name=""/>
+        <p:cNvGrpSpPr/>
+        <p:nvPr/>
+      </p:nvGrpSpPr>
+      <p:grpSpPr>
+        <a:xfrm>
+          <a:off x="0" y="0"/>
+          <a:ext cx="0" cy="0"/>
+          <a:chOff x="0" y="0"/>
+          <a:chExt cx="0" cy="0"/>
+        </a:xfrm>
+      </p:grpSpPr>
+      <p:sp>
+        <p:nvSpPr>
+          <p:cNvPr id="2" name="Title 1">
+            <a:extLst>
+              <a:ext uri="{FF2B5EF4-FFF2-40B4-BE49-F238E27FC236}">
+                <a16:creationId xmlns:a16="http://schemas.microsoft.com/office/drawing/2014/main" id="{88314DD9-1483-4DDE-A3F7-C5300E2E753D}"/>
+              </a:ext>
+            </a:extLst>
+          </p:cNvPr>
+          <p:cNvSpPr>
+            <a:spLocks noGrp="1"/>
+          </p:cNvSpPr>
+          <p:nvPr>
+            <p:ph type="title"/>
+          </p:nvPr>
+        </p:nvSpPr>
+        <p:spPr/>
+        <p:txBody>
+          <a:bodyPr/>
+          <a:lstStyle/>
+          <a:p>
+            <a:pPr algn="ctr"/>
+            <a:r>
+              <a:rPr lang="en-US" b="1" u="sng" dirty="0"/>
+              <a:t>login</a:t>
+            </a:r>
+          </a:p>
+        </p:txBody>
+      </p:sp>
+      <p:pic>
+        <p:nvPicPr>
+          <p:cNvPr id="9" name="Picture 8">
+            <a:extLst>
+              <a:ext uri="{FF2B5EF4-FFF2-40B4-BE49-F238E27FC236}">
+                <a16:creationId xmlns:a16="http://schemas.microsoft.com/office/drawing/2014/main" id="{4BB0D128-F8D9-40B8-9925-13BD4FFD0390}"/>
+              </a:ext>
+            </a:extLst>
+          </p:cNvPr>
+          <p:cNvPicPr>
+            <a:picLocks noChangeAspect="1"/>
+          </p:cNvPicPr>
+          <p:nvPr/>
+        </p:nvPicPr>
+        <p:blipFill>
+          <a:blip r:embed="rId3"/>
+          <a:stretch>
+            <a:fillRect/>
+          </a:stretch>
+        </p:blipFill>
+        <p:spPr>
+          <a:xfrm>
+            <a:off x="5081113" y="2025361"/>
+            <a:ext cx="2657846" cy="533474"/>
+          </a:xfrm>
+          <a:prstGeom prst="rect">
+            <a:avLst/>
+          </a:prstGeom>
+        </p:spPr>
+      </p:pic>
+      <p:pic>
+        <p:nvPicPr>
+          <p:cNvPr id="11" name="Picture 10">
+            <a:extLst>
+              <a:ext uri="{FF2B5EF4-FFF2-40B4-BE49-F238E27FC236}">
+                <a16:creationId xmlns:a16="http://schemas.microsoft.com/office/drawing/2014/main" id="{964631E2-A99C-4B77-99D2-E7922F41A211}"/>
+              </a:ext>
+            </a:extLst>
+          </p:cNvPr>
+          <p:cNvPicPr>
+            <a:picLocks noChangeAspect="1"/>
+          </p:cNvPicPr>
+          <p:nvPr/>
+        </p:nvPicPr>
+        <p:blipFill>
+          <a:blip r:embed="rId4"/>
+          <a:stretch>
+            <a:fillRect/>
+          </a:stretch>
+        </p:blipFill>
+        <p:spPr>
+          <a:xfrm>
+            <a:off x="5081113" y="2749686"/>
+            <a:ext cx="2810267" cy="2229161"/>
+          </a:xfrm>
+          <a:prstGeom prst="rect">
+            <a:avLst/>
+          </a:prstGeom>
+        </p:spPr>
+      </p:pic>
+      <p:pic>
+        <p:nvPicPr>
+          <p:cNvPr id="10" name="Content Placeholder 9">
+            <a:extLst>
+              <a:ext uri="{FF2B5EF4-FFF2-40B4-BE49-F238E27FC236}">
+                <a16:creationId xmlns:a16="http://schemas.microsoft.com/office/drawing/2014/main" id="{0C05FFAB-AF53-4A81-B5F6-5076D991D4A7}"/>
+              </a:ext>
+            </a:extLst>
+          </p:cNvPr>
+          <p:cNvPicPr>
+            <a:picLocks noGrp="1" noChangeAspect="1"/>
+          </p:cNvPicPr>
+          <p:nvPr>
+            <p:ph idx="1"/>
+          </p:nvPr>
+        </p:nvPicPr>
+        <p:blipFill>
+          <a:blip r:embed="rId5"/>
+          <a:stretch>
+            <a:fillRect/>
+          </a:stretch>
+        </p:blipFill>
+        <p:spPr>
+          <a:xfrm>
+            <a:off x="1017708" y="2025361"/>
+            <a:ext cx="3665832" cy="1690356"/>
+          </a:xfrm>
+          <a:prstGeom prst="rect">
+            <a:avLst/>
+          </a:prstGeom>
+        </p:spPr>
+      </p:pic>
+    </p:spTree>
+    <p:extLst>
+      <p:ext uri="{BB962C8B-B14F-4D97-AF65-F5344CB8AC3E}">
+        <p14:creationId xmlns:p14="http://schemas.microsoft.com/office/powerpoint/2010/main" val="3584987720"/>
+      </p:ext>
+    </p:extLst>
+  </p:cSld>
+  <p:clrMapOvr>
+    <a:masterClrMapping/>
+  </p:clrMapOvr>
+</p:sld>
+</file>
+
+<file path=ppt/slides/slide7.xml><?xml version="1.0" encoding="utf-8"?>
+<p:sld xmlns:a="http://schemas.openxmlformats.org/drawingml/2006/main" xmlns:r="http://schemas.openxmlformats.org/officeDocument/2006/relationships" xmlns:p="http://schemas.openxmlformats.org/presentationml/2006/main">
+  <p:cSld>
+    <p:spTree>
+      <p:nvGrpSpPr>
+        <p:cNvPr id="1" name=""/>
+        <p:cNvGrpSpPr/>
+        <p:nvPr/>
+      </p:nvGrpSpPr>
+      <p:grpSpPr>
+        <a:xfrm>
+          <a:off x="0" y="0"/>
+          <a:ext cx="0" cy="0"/>
+          <a:chOff x="0" y="0"/>
+          <a:chExt cx="0" cy="0"/>
+        </a:xfrm>
+      </p:grpSpPr>
+      <p:sp>
+        <p:nvSpPr>
+          <p:cNvPr id="2" name="Title 1">
+            <a:extLst>
+              <a:ext uri="{FF2B5EF4-FFF2-40B4-BE49-F238E27FC236}">
+                <a16:creationId xmlns:a16="http://schemas.microsoft.com/office/drawing/2014/main" id="{1248F367-F262-4C04-9E18-5380341D25EC}"/>
+              </a:ext>
+            </a:extLst>
+          </p:cNvPr>
+          <p:cNvSpPr>
+            <a:spLocks noGrp="1"/>
+          </p:cNvSpPr>
+          <p:nvPr>
+            <p:ph type="title"/>
+          </p:nvPr>
+        </p:nvSpPr>
+        <p:spPr/>
+        <p:txBody>
+          <a:bodyPr/>
+          <a:lstStyle/>
+          <a:p>
+            <a:pPr algn="ctr"/>
+            <a:r>
+              <a:rPr lang="en-US" b="1" u="sng" dirty="0"/>
+              <a:t>Players page</a:t>
+            </a:r>
+          </a:p>
+        </p:txBody>
+      </p:sp>
+      <p:pic>
+        <p:nvPicPr>
+          <p:cNvPr id="5" name="Content Placeholder 4">
+            <a:extLst>
+              <a:ext uri="{FF2B5EF4-FFF2-40B4-BE49-F238E27FC236}">
+                <a16:creationId xmlns:a16="http://schemas.microsoft.com/office/drawing/2014/main" id="{CDD47C97-694C-40BB-B9B6-22501C79A5A7}"/>
+              </a:ext>
+            </a:extLst>
+          </p:cNvPr>
+          <p:cNvPicPr>
+            <a:picLocks noGrp="1" noChangeAspect="1"/>
+          </p:cNvPicPr>
+          <p:nvPr>
+            <p:ph idx="1"/>
+          </p:nvPr>
+        </p:nvPicPr>
+        <p:blipFill>
+          <a:blip r:embed="rId3"/>
+          <a:stretch>
+            <a:fillRect/>
+          </a:stretch>
+        </p:blipFill>
+        <p:spPr>
+          <a:xfrm>
+            <a:off x="848075" y="1778483"/>
+            <a:ext cx="3868292" cy="2574163"/>
+          </a:xfrm>
+        </p:spPr>
+      </p:pic>
+      <p:pic>
+        <p:nvPicPr>
+          <p:cNvPr id="7" name="Picture 6">
+            <a:extLst>
+              <a:ext uri="{FF2B5EF4-FFF2-40B4-BE49-F238E27FC236}">
+                <a16:creationId xmlns:a16="http://schemas.microsoft.com/office/drawing/2014/main" id="{7C3D1274-8796-47D5-9A17-E5666CE85280}"/>
+              </a:ext>
+            </a:extLst>
+          </p:cNvPr>
+          <p:cNvPicPr>
+            <a:picLocks noChangeAspect="1"/>
+          </p:cNvPicPr>
+          <p:nvPr/>
+        </p:nvPicPr>
+        <p:blipFill>
+          <a:blip r:embed="rId4"/>
+          <a:stretch>
+            <a:fillRect/>
+          </a:stretch>
+        </p:blipFill>
+        <p:spPr>
+          <a:xfrm>
+            <a:off x="7181491" y="1778482"/>
+            <a:ext cx="4151785" cy="2574163"/>
+          </a:xfrm>
+          <a:prstGeom prst="rect">
+            <a:avLst/>
+          </a:prstGeom>
+        </p:spPr>
+      </p:pic>
+      <p:pic>
+        <p:nvPicPr>
+          <p:cNvPr id="11" name="Picture 10">
+            <a:extLst>
+              <a:ext uri="{FF2B5EF4-FFF2-40B4-BE49-F238E27FC236}">
+                <a16:creationId xmlns:a16="http://schemas.microsoft.com/office/drawing/2014/main" id="{FC2E4C00-0169-4EF8-B308-E40E7B4A77CB}"/>
+              </a:ext>
+            </a:extLst>
+          </p:cNvPr>
+          <p:cNvPicPr>
+            <a:picLocks noChangeAspect="1"/>
+          </p:cNvPicPr>
+          <p:nvPr/>
+        </p:nvPicPr>
+        <p:blipFill>
+          <a:blip r:embed="rId5"/>
+          <a:stretch>
+            <a:fillRect/>
+          </a:stretch>
+        </p:blipFill>
+        <p:spPr>
+          <a:xfrm>
+            <a:off x="4884506" y="3879380"/>
+            <a:ext cx="2128845" cy="2292253"/>
+          </a:xfrm>
+          <a:prstGeom prst="rect">
+            <a:avLst/>
+          </a:prstGeom>
+        </p:spPr>
+      </p:pic>
+    </p:spTree>
+    <p:extLst>
+      <p:ext uri="{BB962C8B-B14F-4D97-AF65-F5344CB8AC3E}">
+        <p14:creationId xmlns:p14="http://schemas.microsoft.com/office/powerpoint/2010/main" val="57973825"/>
+      </p:ext>
+    </p:extLst>
+  </p:cSld>
+  <p:clrMapOvr>
+    <a:masterClrMapping/>
+  </p:clrMapOvr>
+</p:sld>
+</file>
+
+<file path=ppt/slides/slide8.xml><?xml version="1.0" encoding="utf-8"?>
+<p:sld xmlns:a="http://schemas.openxmlformats.org/drawingml/2006/main" xmlns:r="http://schemas.openxmlformats.org/officeDocument/2006/relationships" xmlns:p="http://schemas.openxmlformats.org/presentationml/2006/main">
+  <p:cSld>
+    <p:spTree>
+      <p:nvGrpSpPr>
+        <p:cNvPr id="1" name=""/>
+        <p:cNvGrpSpPr/>
+        <p:nvPr/>
+      </p:nvGrpSpPr>
+      <p:grpSpPr>
+        <a:xfrm>
+          <a:off x="0" y="0"/>
+          <a:ext cx="0" cy="0"/>
+          <a:chOff x="0" y="0"/>
+          <a:chExt cx="0" cy="0"/>
+        </a:xfrm>
+      </p:grpSpPr>
+      <p:sp>
+        <p:nvSpPr>
+          <p:cNvPr id="2" name="Title 1">
+            <a:extLst>
+              <a:ext uri="{FF2B5EF4-FFF2-40B4-BE49-F238E27FC236}">
+                <a16:creationId xmlns:a16="http://schemas.microsoft.com/office/drawing/2014/main" id="{EF3D9749-E984-4E32-A38F-EC26D3BF44FE}"/>
+              </a:ext>
+            </a:extLst>
+          </p:cNvPr>
+          <p:cNvSpPr>
+            <a:spLocks noGrp="1"/>
+          </p:cNvSpPr>
+          <p:nvPr>
+            <p:ph type="title"/>
+          </p:nvPr>
+        </p:nvSpPr>
+        <p:spPr/>
+        <p:txBody>
+          <a:bodyPr/>
+          <a:lstStyle/>
+          <a:p>
+            <a:pPr algn="ctr"/>
+            <a:r>
+              <a:rPr lang="en-US" b="1" u="sng" dirty="0"/>
+              <a:t>Campaign page</a:t>
+            </a:r>
+          </a:p>
+        </p:txBody>
+      </p:sp>
+      <p:pic>
+        <p:nvPicPr>
+          <p:cNvPr id="5" name="Content Placeholder 4">
+            <a:extLst>
+              <a:ext uri="{FF2B5EF4-FFF2-40B4-BE49-F238E27FC236}">
+                <a16:creationId xmlns:a16="http://schemas.microsoft.com/office/drawing/2014/main" id="{A76C319B-6F35-43A0-9F1E-47A44DC54239}"/>
+              </a:ext>
+            </a:extLst>
+          </p:cNvPr>
+          <p:cNvPicPr>
+            <a:picLocks noGrp="1" noChangeAspect="1"/>
+          </p:cNvPicPr>
+          <p:nvPr>
+            <p:ph idx="1"/>
+          </p:nvPr>
+        </p:nvPicPr>
+        <p:blipFill>
+          <a:blip r:embed="rId2"/>
+          <a:stretch>
+            <a:fillRect/>
+          </a:stretch>
+        </p:blipFill>
+        <p:spPr>
+          <a:xfrm>
+            <a:off x="630331" y="1885611"/>
+            <a:ext cx="3624843" cy="2297257"/>
+          </a:xfrm>
+        </p:spPr>
+      </p:pic>
+      <p:pic>
+        <p:nvPicPr>
+          <p:cNvPr id="7" name="Picture 6">
+            <a:extLst>
+              <a:ext uri="{FF2B5EF4-FFF2-40B4-BE49-F238E27FC236}">
+                <a16:creationId xmlns:a16="http://schemas.microsoft.com/office/drawing/2014/main" id="{88F61BF2-E273-42A2-B9CD-F6E9701AEC65}"/>
+              </a:ext>
+            </a:extLst>
+          </p:cNvPr>
+          <p:cNvPicPr>
+            <a:picLocks noChangeAspect="1"/>
+          </p:cNvPicPr>
+          <p:nvPr/>
+        </p:nvPicPr>
+        <p:blipFill>
+          <a:blip r:embed="rId3"/>
+          <a:stretch>
+            <a:fillRect/>
+          </a:stretch>
+        </p:blipFill>
+        <p:spPr>
+          <a:xfrm>
+            <a:off x="7244110" y="1874190"/>
+            <a:ext cx="3661490" cy="2297257"/>
+          </a:xfrm>
+          <a:prstGeom prst="rect">
+            <a:avLst/>
+          </a:prstGeom>
+        </p:spPr>
+      </p:pic>
+      <p:pic>
+        <p:nvPicPr>
+          <p:cNvPr id="9" name="Picture 8">
+            <a:extLst>
+              <a:ext uri="{FF2B5EF4-FFF2-40B4-BE49-F238E27FC236}">
+                <a16:creationId xmlns:a16="http://schemas.microsoft.com/office/drawing/2014/main" id="{42C6E320-0E6A-4947-8E2D-48A3D0373DB2}"/>
+              </a:ext>
+            </a:extLst>
+          </p:cNvPr>
+          <p:cNvPicPr>
+            <a:picLocks noChangeAspect="1"/>
+          </p:cNvPicPr>
+          <p:nvPr/>
+        </p:nvPicPr>
+        <p:blipFill>
+          <a:blip r:embed="rId4"/>
+          <a:stretch>
+            <a:fillRect/>
+          </a:stretch>
+        </p:blipFill>
+        <p:spPr>
+          <a:xfrm>
+            <a:off x="4538638" y="4132557"/>
+            <a:ext cx="2422008" cy="1807262"/>
+          </a:xfrm>
+          <a:prstGeom prst="rect">
+            <a:avLst/>
+          </a:prstGeom>
+        </p:spPr>
+      </p:pic>
+    </p:spTree>
+    <p:extLst>
+      <p:ext uri="{BB962C8B-B14F-4D97-AF65-F5344CB8AC3E}">
+        <p14:creationId xmlns:p14="http://schemas.microsoft.com/office/powerpoint/2010/main" val="2278381639"/>
+      </p:ext>
+    </p:extLst>
+  </p:cSld>
+  <p:clrMapOvr>
+    <a:masterClrMapping/>
+  </p:clrMapOvr>
+</p:sld>
+</file>
+
+<file path=ppt/slides/slide9.xml><?xml version="1.0" encoding="utf-8"?>
+<p:sld xmlns:a="http://schemas.openxmlformats.org/drawingml/2006/main" xmlns:r="http://schemas.openxmlformats.org/officeDocument/2006/relationships" xmlns:p="http://schemas.openxmlformats.org/presentationml/2006/main">
+  <p:cSld>
+    <p:spTree>
+      <p:nvGrpSpPr>
+        <p:cNvPr id="1" name=""/>
+        <p:cNvGrpSpPr/>
+        <p:nvPr/>
+      </p:nvGrpSpPr>
+      <p:grpSpPr>
+        <a:xfrm>
+          <a:off x="0" y="0"/>
+          <a:ext cx="0" cy="0"/>
+          <a:chOff x="0" y="0"/>
+          <a:chExt cx="0" cy="0"/>
+        </a:xfrm>
+      </p:grpSpPr>
+      <p:sp>
+        <p:nvSpPr>
+          <p:cNvPr id="2" name="Title 1">
+            <a:extLst>
+              <a:ext uri="{FF2B5EF4-FFF2-40B4-BE49-F238E27FC236}">
+                <a16:creationId xmlns:a16="http://schemas.microsoft.com/office/drawing/2014/main" id="{C3E3120C-2B7A-43B2-9967-7929E8CC6863}"/>
+              </a:ext>
+            </a:extLst>
+          </p:cNvPr>
+          <p:cNvSpPr>
+            <a:spLocks noGrp="1"/>
+          </p:cNvSpPr>
+          <p:nvPr>
+            <p:ph type="title"/>
+          </p:nvPr>
+        </p:nvSpPr>
+        <p:spPr/>
+        <p:txBody>
+          <a:bodyPr/>
+          <a:lstStyle/>
+          <a:p>
+            <a:pPr algn="ctr"/>
+            <a:r>
+              <a:rPr lang="en-US" b="1" u="sng" dirty="0"/>
+              <a:t>Character page</a:t>
+            </a:r>
+          </a:p>
+        </p:txBody>
+      </p:sp>
+      <p:pic>
+        <p:nvPicPr>
+          <p:cNvPr id="5" name="Content Placeholder 4">
+            <a:extLst>
+              <a:ext uri="{FF2B5EF4-FFF2-40B4-BE49-F238E27FC236}">
+                <a16:creationId xmlns:a16="http://schemas.microsoft.com/office/drawing/2014/main" id="{A1914452-FDE5-4A9A-BEF8-ABD23CFAB64F}"/>
+              </a:ext>
+            </a:extLst>
+          </p:cNvPr>
+          <p:cNvPicPr>
+            <a:picLocks noGrp="1" noChangeAspect="1"/>
+          </p:cNvPicPr>
+          <p:nvPr>
+            <p:ph idx="1"/>
+          </p:nvPr>
+        </p:nvPicPr>
+        <p:blipFill>
+          <a:blip r:embed="rId2"/>
+          <a:stretch>
+            <a:fillRect/>
+          </a:stretch>
+        </p:blipFill>
+        <p:spPr>
+          <a:xfrm>
+            <a:off x="1003523" y="2141379"/>
+            <a:ext cx="3400820" cy="2244045"/>
+          </a:xfrm>
+        </p:spPr>
+      </p:pic>
+      <p:pic>
+        <p:nvPicPr>
+          <p:cNvPr id="7" name="Picture 6">
+            <a:extLst>
+              <a:ext uri="{FF2B5EF4-FFF2-40B4-BE49-F238E27FC236}">
+                <a16:creationId xmlns:a16="http://schemas.microsoft.com/office/drawing/2014/main" id="{0A198692-7E14-42D8-8B43-D7DA72F4A82A}"/>
+              </a:ext>
+            </a:extLst>
+          </p:cNvPr>
+          <p:cNvPicPr>
+            <a:picLocks noChangeAspect="1"/>
+          </p:cNvPicPr>
+          <p:nvPr/>
+        </p:nvPicPr>
+        <p:blipFill>
+          <a:blip r:embed="rId3"/>
+          <a:stretch>
+            <a:fillRect/>
+          </a:stretch>
+        </p:blipFill>
+        <p:spPr>
+          <a:xfrm>
+            <a:off x="6966299" y="2118733"/>
+            <a:ext cx="4222178" cy="1672794"/>
+          </a:xfrm>
+          <a:prstGeom prst="rect">
+            <a:avLst/>
+          </a:prstGeom>
+        </p:spPr>
+      </p:pic>
+      <p:pic>
+        <p:nvPicPr>
+          <p:cNvPr id="9" name="Picture 8">
+            <a:extLst>
+              <a:ext uri="{FF2B5EF4-FFF2-40B4-BE49-F238E27FC236}">
+                <a16:creationId xmlns:a16="http://schemas.microsoft.com/office/drawing/2014/main" id="{9B644484-3BEB-491A-9F11-E17D830E5D50}"/>
+              </a:ext>
+            </a:extLst>
+          </p:cNvPr>
+          <p:cNvPicPr>
+            <a:picLocks noChangeAspect="1"/>
+          </p:cNvPicPr>
+          <p:nvPr/>
+        </p:nvPicPr>
+        <p:blipFill>
+          <a:blip r:embed="rId4"/>
+          <a:stretch>
+            <a:fillRect/>
+          </a:stretch>
+        </p:blipFill>
+        <p:spPr>
+          <a:xfrm>
+            <a:off x="4514071" y="3873823"/>
+            <a:ext cx="3700208" cy="2456873"/>
+          </a:xfrm>
+          <a:prstGeom prst="rect">
+            <a:avLst/>
+          </a:prstGeom>
+        </p:spPr>
+      </p:pic>
+    </p:spTree>
+    <p:extLst>
+      <p:ext uri="{BB962C8B-B14F-4D97-AF65-F5344CB8AC3E}">
+        <p14:creationId xmlns:p14="http://schemas.microsoft.com/office/powerpoint/2010/main" val="2505402052"/>
+      </p:ext>
+    </p:extLst>
+  </p:cSld>
+  <p:clrMapOvr>
+    <a:masterClrMapping/>
+  </p:clrMapOvr>
+</p:sld>
+</file>
+
 <file path=ppt/theme/theme1.xml><?xml version="1.0" encoding="utf-8"?>
-<a:theme xmlns:a="http://schemas.openxmlformats.org/drawingml/2006/main" name="Gallery">
+<a:theme xmlns:a="http://schemas.openxmlformats.org/drawingml/2006/main" name="Damask">
   <a:themeElements>
-    <a:clrScheme name="Gallery">
+    <a:clrScheme name="Damask">
       <a:dk1>
         <a:sysClr val="windowText" lastClr="000000"/>
       </a:dk1>
@@ -5844,44 +8151,44 @@
         <a:sysClr val="window" lastClr="FFFFFF"/>
       </a:lt1>
       <a:dk2>
-        <a:srgbClr val="454545"/>
+        <a:srgbClr val="2A5B7F"/>
       </a:dk2>
       <a:lt2>
-        <a:srgbClr val="DFDBD5"/>
+        <a:srgbClr val="ABDAFC"/>
       </a:lt2>
       <a:accent1>
-        <a:srgbClr val="B71E42"/>
+        <a:srgbClr val="9EC544"/>
       </a:accent1>
       <a:accent2>
-        <a:srgbClr val="DE478E"/>
+        <a:srgbClr val="50BEA3"/>
       </a:accent2>
       <a:accent3>
-        <a:srgbClr val="BC72F0"/>
+        <a:srgbClr val="4A9CCC"/>
       </a:accent3>
       <a:accent4>
-        <a:srgbClr val="795FAF"/>
+        <a:srgbClr val="9A66CA"/>
       </a:accent4>
       <a:accent5>
-        <a:srgbClr val="586EA6"/>
+        <a:srgbClr val="C54F71"/>
       </a:accent5>
       <a:accent6>
-        <a:srgbClr val="6892A0"/>
+        <a:srgbClr val="DE9C3C"/>
       </a:accent6>
       <a:hlink>
-        <a:srgbClr val="FA2B5C"/>
+        <a:srgbClr val="6BA9DA"/>
       </a:hlink>
       <a:folHlink>
-        <a:srgbClr val="BC658E"/>
+        <a:srgbClr val="A0BCD3"/>
       </a:folHlink>
     </a:clrScheme>
-    <a:fontScheme name="Gallery">
+    <a:fontScheme name="Damask">
       <a:majorFont>
-        <a:latin typeface="Gill Sans MT" panose="020B0502020104020203"/>
+        <a:latin typeface="Bookman Old Style" panose="02050604050505020204"/>
         <a:ea typeface=""/>
         <a:cs typeface=""/>
-        <a:font script="Jpan" typeface="游ゴシック Light"/>
+        <a:font script="Jpan" typeface="ＭＳ Ｐゴシック"/>
         <a:font script="Hang" typeface="맑은 고딕"/>
-        <a:font script="Hans" typeface="等线 Light"/>
+        <a:font script="Hans" typeface="宋体"/>
         <a:font script="Hant" typeface="新細明體"/>
         <a:font script="Arab" typeface="Times New Roman"/>
         <a:font script="Hebr" typeface="Times New Roman"/>
@@ -5911,12 +8218,12 @@
         <a:font script="Geor" typeface="Sylfaen"/>
       </a:majorFont>
       <a:minorFont>
-        <a:latin typeface="Gill Sans MT" panose="020B0502020104020203"/>
+        <a:latin typeface="Rockwell" panose="02060603020205020403"/>
         <a:ea typeface=""/>
         <a:cs typeface=""/>
-        <a:font script="Jpan" typeface="游ゴシック"/>
+        <a:font script="Jpan" typeface="ＭＳ Ｐゴシック"/>
         <a:font script="Hang" typeface="맑은 고딕"/>
-        <a:font script="Hans" typeface="等线"/>
+        <a:font script="Hans" typeface="宋体"/>
         <a:font script="Hant" typeface="新細明體"/>
         <a:font script="Arab" typeface="Arial"/>
         <a:font script="Hebr" typeface="Arial"/>
@@ -5946,7 +8253,7 @@
         <a:font script="Geor" typeface="Sylfaen"/>
       </a:minorFont>
     </a:fontScheme>
-    <a:fmtScheme name="Gallery">
+    <a:fmtScheme name="Damask">
       <a:fillStyleLst>
         <a:solidFill>
           <a:schemeClr val="phClr"/>
@@ -5955,8 +8262,7 @@
           <a:gsLst>
             <a:gs pos="0">
               <a:schemeClr val="phClr">
-                <a:tint val="54000"/>
-                <a:alpha val="100000"/>
+                <a:tint val="48000"/>
                 <a:satMod val="105000"/>
                 <a:lumMod val="110000"/>
               </a:schemeClr>
@@ -5964,7 +8270,6 @@
             <a:gs pos="100000">
               <a:schemeClr val="phClr">
                 <a:tint val="78000"/>
-                <a:alpha val="92000"/>
                 <a:satMod val="109000"/>
                 <a:lumMod val="100000"/>
               </a:schemeClr>
@@ -5976,23 +8281,23 @@
           <a:gsLst>
             <a:gs pos="0">
               <a:schemeClr val="phClr">
-                <a:tint val="98000"/>
-                <a:satMod val="110000"/>
+                <a:tint val="94000"/>
+                <a:satMod val="100000"/>
                 <a:lumMod val="104000"/>
               </a:schemeClr>
             </a:gs>
             <a:gs pos="69000">
               <a:schemeClr val="phClr">
-                <a:shade val="88000"/>
+                <a:shade val="86000"/>
                 <a:satMod val="130000"/>
-                <a:lumMod val="92000"/>
+                <a:lumMod val="102000"/>
               </a:schemeClr>
             </a:gs>
             <a:gs pos="100000">
               <a:schemeClr val="phClr">
-                <a:shade val="78000"/>
+                <a:shade val="72000"/>
                 <a:satMod val="130000"/>
-                <a:lumMod val="92000"/>
+                <a:lumMod val="100000"/>
               </a:schemeClr>
             </a:gs>
           </a:gsLst>
@@ -6000,19 +8305,19 @@
         </a:gradFill>
       </a:fillStyleLst>
       <a:lnStyleLst>
-        <a:ln w="9525" cap="flat" cmpd="sng" algn="ctr">
+        <a:ln w="12700" cap="flat" cmpd="sng" algn="ctr">
           <a:solidFill>
             <a:schemeClr val="phClr"/>
           </a:solidFill>
           <a:prstDash val="solid"/>
         </a:ln>
-        <a:ln w="15875" cap="flat" cmpd="sng" algn="ctr">
+        <a:ln w="19050" cap="flat" cmpd="sng" algn="ctr">
           <a:solidFill>
             <a:schemeClr val="phClr"/>
           </a:solidFill>
           <a:prstDash val="solid"/>
         </a:ln>
-        <a:ln w="22225" cap="flat" cmpd="sng" algn="ctr">
+        <a:ln w="25400" cap="flat" cmpd="sng" algn="ctr">
           <a:solidFill>
             <a:schemeClr val="phClr"/>
           </a:solidFill>
@@ -6024,13 +8329,19 @@
           <a:effectLst/>
         </a:effectStyle>
         <a:effectStyle>
-          <a:effectLst/>
+          <a:effectLst>
+            <a:outerShdw blurRad="50800" dist="38100" dir="5400000" sy="96000" rotWithShape="0">
+              <a:srgbClr val="000000">
+                <a:alpha val="54000"/>
+              </a:srgbClr>
+            </a:outerShdw>
+          </a:effectLst>
         </a:effectStyle>
         <a:effectStyle>
           <a:effectLst>
-            <a:outerShdw blurRad="50800" dist="50800" dir="5400000" sx="96000" sy="96000" rotWithShape="0">
+            <a:outerShdw blurRad="76200" dist="38100" dir="5400000" algn="ctr" rotWithShape="0">
               <a:srgbClr val="000000">
-                <a:alpha val="48000"/>
+                <a:alpha val="76000"/>
               </a:srgbClr>
             </a:outerShdw>
           </a:effectLst>
@@ -6038,12 +8349,10 @@
             <a:camera prst="orthographicFront">
               <a:rot lat="0" lon="0" rev="0"/>
             </a:camera>
-            <a:lightRig rig="balanced" dir="t">
-              <a:rot lat="0" lon="0" rev="1080000"/>
-            </a:lightRig>
+            <a:lightRig rig="balanced" dir="t"/>
           </a:scene3d>
-          <a:sp3d>
-            <a:bevelT w="38100" h="12700" prst="softRound"/>
+          <a:sp3d prstMaterial="matte">
+            <a:bevelT w="25400" h="25400" prst="relaxedInset"/>
           </a:sp3d>
         </a:effectStyle>
       </a:effectStyleLst>
@@ -6052,27 +8361,28 @@
           <a:schemeClr val="phClr"/>
         </a:solidFill>
         <a:solidFill>
-          <a:schemeClr val="phClr"/>
+          <a:schemeClr val="phClr">
+            <a:tint val="95000"/>
+            <a:satMod val="170000"/>
+          </a:schemeClr>
         </a:solidFill>
-        <a:gradFill rotWithShape="1">
-          <a:gsLst>
-            <a:gs pos="0">
+        <a:blipFill rotWithShape="1">
+          <a:blip xmlns:r="http://schemas.openxmlformats.org/officeDocument/2006/relationships" r:embed="rId1">
+            <a:duotone>
               <a:schemeClr val="phClr">
-                <a:tint val="94000"/>
-                <a:satMod val="80000"/>
-                <a:lumMod val="106000"/>
+                <a:shade val="18000"/>
+                <a:satMod val="160000"/>
+                <a:lumMod val="28000"/>
               </a:schemeClr>
-            </a:gs>
-            <a:gs pos="100000">
               <a:schemeClr val="phClr">
-                <a:shade val="80000"/>
+                <a:tint val="95000"/>
+                <a:satMod val="160000"/>
+                <a:lumMod val="116000"/>
               </a:schemeClr>
-            </a:gs>
-          </a:gsLst>
-          <a:path path="circle">
-            <a:fillToRect l="43000" r="43000" b="100000"/>
-          </a:path>
-        </a:gradFill>
+            </a:duotone>
+          </a:blip>
+          <a:stretch/>
+        </a:blipFill>
       </a:bgFillStyleLst>
     </a:fmtScheme>
   </a:themeElements>
@@ -6080,7 +8390,7 @@
   <a:extraClrSchemeLst/>
   <a:extLst>
     <a:ext uri="{05A4C25C-085E-4340-85A3-A5531E510DB2}">
-      <thm15:themeFamily xmlns:thm15="http://schemas.microsoft.com/office/thememl/2012/main" name="Gallery" id="{BBFCD31E-59A1-489D-B089-A3EAD7CAE12E}" vid="{F5E91637-A7B6-4E27-B710-77DA7014EE1E}"/>
+      <thm15:themeFamily xmlns:thm15="http://schemas.microsoft.com/office/thememl/2012/main" name="Damask" id="{F9A299A0-33D0-4E0F-9F3F-7163E3744208}" vid="{746EEEEA-FB6A-406B-B510-531588D54811}"/>
     </a:ext>
   </a:extLst>
 </a:theme>

--- a/Res/Capstone_Presentation.pptx
+++ b/Res/Capstone_Presentation.pptx
@@ -15,8 +15,8 @@
     <p:sldId id="260" r:id="rId6"/>
     <p:sldId id="261" r:id="rId7"/>
     <p:sldId id="262" r:id="rId8"/>
-    <p:sldId id="263" r:id="rId9"/>
-    <p:sldId id="264" r:id="rId10"/>
+    <p:sldId id="264" r:id="rId9"/>
+    <p:sldId id="263" r:id="rId10"/>
     <p:sldId id="265" r:id="rId11"/>
     <p:sldId id="256" r:id="rId12"/>
   </p:sldIdLst>
@@ -7866,6 +7866,154 @@
           <p:cNvPr id="2" name="Title 1">
             <a:extLst>
               <a:ext uri="{FF2B5EF4-FFF2-40B4-BE49-F238E27FC236}">
+                <a16:creationId xmlns:a16="http://schemas.microsoft.com/office/drawing/2014/main" id="{C3E3120C-2B7A-43B2-9967-7929E8CC6863}"/>
+              </a:ext>
+            </a:extLst>
+          </p:cNvPr>
+          <p:cNvSpPr>
+            <a:spLocks noGrp="1"/>
+          </p:cNvSpPr>
+          <p:nvPr>
+            <p:ph type="title"/>
+          </p:nvPr>
+        </p:nvSpPr>
+        <p:spPr/>
+        <p:txBody>
+          <a:bodyPr/>
+          <a:lstStyle/>
+          <a:p>
+            <a:pPr algn="ctr"/>
+            <a:r>
+              <a:rPr lang="en-US" b="1" u="sng" dirty="0"/>
+              <a:t>Character page</a:t>
+            </a:r>
+          </a:p>
+        </p:txBody>
+      </p:sp>
+      <p:pic>
+        <p:nvPicPr>
+          <p:cNvPr id="5" name="Content Placeholder 4">
+            <a:extLst>
+              <a:ext uri="{FF2B5EF4-FFF2-40B4-BE49-F238E27FC236}">
+                <a16:creationId xmlns:a16="http://schemas.microsoft.com/office/drawing/2014/main" id="{A1914452-FDE5-4A9A-BEF8-ABD23CFAB64F}"/>
+              </a:ext>
+            </a:extLst>
+          </p:cNvPr>
+          <p:cNvPicPr>
+            <a:picLocks noGrp="1" noChangeAspect="1"/>
+          </p:cNvPicPr>
+          <p:nvPr>
+            <p:ph idx="1"/>
+          </p:nvPr>
+        </p:nvPicPr>
+        <p:blipFill>
+          <a:blip r:embed="rId2"/>
+          <a:stretch>
+            <a:fillRect/>
+          </a:stretch>
+        </p:blipFill>
+        <p:spPr>
+          <a:xfrm>
+            <a:off x="1003523" y="2141379"/>
+            <a:ext cx="3400820" cy="2244045"/>
+          </a:xfrm>
+        </p:spPr>
+      </p:pic>
+      <p:pic>
+        <p:nvPicPr>
+          <p:cNvPr id="7" name="Picture 6">
+            <a:extLst>
+              <a:ext uri="{FF2B5EF4-FFF2-40B4-BE49-F238E27FC236}">
+                <a16:creationId xmlns:a16="http://schemas.microsoft.com/office/drawing/2014/main" id="{0A198692-7E14-42D8-8B43-D7DA72F4A82A}"/>
+              </a:ext>
+            </a:extLst>
+          </p:cNvPr>
+          <p:cNvPicPr>
+            <a:picLocks noChangeAspect="1"/>
+          </p:cNvPicPr>
+          <p:nvPr/>
+        </p:nvPicPr>
+        <p:blipFill>
+          <a:blip r:embed="rId3"/>
+          <a:stretch>
+            <a:fillRect/>
+          </a:stretch>
+        </p:blipFill>
+        <p:spPr>
+          <a:xfrm>
+            <a:off x="6966299" y="2118733"/>
+            <a:ext cx="4222178" cy="1672794"/>
+          </a:xfrm>
+          <a:prstGeom prst="rect">
+            <a:avLst/>
+          </a:prstGeom>
+        </p:spPr>
+      </p:pic>
+      <p:pic>
+        <p:nvPicPr>
+          <p:cNvPr id="9" name="Picture 8">
+            <a:extLst>
+              <a:ext uri="{FF2B5EF4-FFF2-40B4-BE49-F238E27FC236}">
+                <a16:creationId xmlns:a16="http://schemas.microsoft.com/office/drawing/2014/main" id="{9B644484-3BEB-491A-9F11-E17D830E5D50}"/>
+              </a:ext>
+            </a:extLst>
+          </p:cNvPr>
+          <p:cNvPicPr>
+            <a:picLocks noChangeAspect="1"/>
+          </p:cNvPicPr>
+          <p:nvPr/>
+        </p:nvPicPr>
+        <p:blipFill>
+          <a:blip r:embed="rId4"/>
+          <a:stretch>
+            <a:fillRect/>
+          </a:stretch>
+        </p:blipFill>
+        <p:spPr>
+          <a:xfrm>
+            <a:off x="4514071" y="3873823"/>
+            <a:ext cx="3700208" cy="2456873"/>
+          </a:xfrm>
+          <a:prstGeom prst="rect">
+            <a:avLst/>
+          </a:prstGeom>
+        </p:spPr>
+      </p:pic>
+    </p:spTree>
+    <p:extLst>
+      <p:ext uri="{BB962C8B-B14F-4D97-AF65-F5344CB8AC3E}">
+        <p14:creationId xmlns:p14="http://schemas.microsoft.com/office/powerpoint/2010/main" val="2505402052"/>
+      </p:ext>
+    </p:extLst>
+  </p:cSld>
+  <p:clrMapOvr>
+    <a:masterClrMapping/>
+  </p:clrMapOvr>
+</p:sld>
+</file>
+
+<file path=ppt/slides/slide9.xml><?xml version="1.0" encoding="utf-8"?>
+<p:sld xmlns:a="http://schemas.openxmlformats.org/drawingml/2006/main" xmlns:r="http://schemas.openxmlformats.org/officeDocument/2006/relationships" xmlns:p="http://schemas.openxmlformats.org/presentationml/2006/main">
+  <p:cSld>
+    <p:spTree>
+      <p:nvGrpSpPr>
+        <p:cNvPr id="1" name=""/>
+        <p:cNvGrpSpPr/>
+        <p:nvPr/>
+      </p:nvGrpSpPr>
+      <p:grpSpPr>
+        <a:xfrm>
+          <a:off x="0" y="0"/>
+          <a:ext cx="0" cy="0"/>
+          <a:chOff x="0" y="0"/>
+          <a:chExt cx="0" cy="0"/>
+        </a:xfrm>
+      </p:grpSpPr>
+      <p:sp>
+        <p:nvSpPr>
+          <p:cNvPr id="2" name="Title 1">
+            <a:extLst>
+              <a:ext uri="{FF2B5EF4-FFF2-40B4-BE49-F238E27FC236}">
                 <a16:creationId xmlns:a16="http://schemas.microsoft.com/office/drawing/2014/main" id="{EF3D9749-E984-4E32-A38F-EC26D3BF44FE}"/>
               </a:ext>
             </a:extLst>
@@ -7983,154 +8131,6 @@
     <p:extLst>
       <p:ext uri="{BB962C8B-B14F-4D97-AF65-F5344CB8AC3E}">
         <p14:creationId xmlns:p14="http://schemas.microsoft.com/office/powerpoint/2010/main" val="2278381639"/>
-      </p:ext>
-    </p:extLst>
-  </p:cSld>
-  <p:clrMapOvr>
-    <a:masterClrMapping/>
-  </p:clrMapOvr>
-</p:sld>
-</file>
-
-<file path=ppt/slides/slide9.xml><?xml version="1.0" encoding="utf-8"?>
-<p:sld xmlns:a="http://schemas.openxmlformats.org/drawingml/2006/main" xmlns:r="http://schemas.openxmlformats.org/officeDocument/2006/relationships" xmlns:p="http://schemas.openxmlformats.org/presentationml/2006/main">
-  <p:cSld>
-    <p:spTree>
-      <p:nvGrpSpPr>
-        <p:cNvPr id="1" name=""/>
-        <p:cNvGrpSpPr/>
-        <p:nvPr/>
-      </p:nvGrpSpPr>
-      <p:grpSpPr>
-        <a:xfrm>
-          <a:off x="0" y="0"/>
-          <a:ext cx="0" cy="0"/>
-          <a:chOff x="0" y="0"/>
-          <a:chExt cx="0" cy="0"/>
-        </a:xfrm>
-      </p:grpSpPr>
-      <p:sp>
-        <p:nvSpPr>
-          <p:cNvPr id="2" name="Title 1">
-            <a:extLst>
-              <a:ext uri="{FF2B5EF4-FFF2-40B4-BE49-F238E27FC236}">
-                <a16:creationId xmlns:a16="http://schemas.microsoft.com/office/drawing/2014/main" id="{C3E3120C-2B7A-43B2-9967-7929E8CC6863}"/>
-              </a:ext>
-            </a:extLst>
-          </p:cNvPr>
-          <p:cNvSpPr>
-            <a:spLocks noGrp="1"/>
-          </p:cNvSpPr>
-          <p:nvPr>
-            <p:ph type="title"/>
-          </p:nvPr>
-        </p:nvSpPr>
-        <p:spPr/>
-        <p:txBody>
-          <a:bodyPr/>
-          <a:lstStyle/>
-          <a:p>
-            <a:pPr algn="ctr"/>
-            <a:r>
-              <a:rPr lang="en-US" b="1" u="sng" dirty="0"/>
-              <a:t>Character page</a:t>
-            </a:r>
-          </a:p>
-        </p:txBody>
-      </p:sp>
-      <p:pic>
-        <p:nvPicPr>
-          <p:cNvPr id="5" name="Content Placeholder 4">
-            <a:extLst>
-              <a:ext uri="{FF2B5EF4-FFF2-40B4-BE49-F238E27FC236}">
-                <a16:creationId xmlns:a16="http://schemas.microsoft.com/office/drawing/2014/main" id="{A1914452-FDE5-4A9A-BEF8-ABD23CFAB64F}"/>
-              </a:ext>
-            </a:extLst>
-          </p:cNvPr>
-          <p:cNvPicPr>
-            <a:picLocks noGrp="1" noChangeAspect="1"/>
-          </p:cNvPicPr>
-          <p:nvPr>
-            <p:ph idx="1"/>
-          </p:nvPr>
-        </p:nvPicPr>
-        <p:blipFill>
-          <a:blip r:embed="rId2"/>
-          <a:stretch>
-            <a:fillRect/>
-          </a:stretch>
-        </p:blipFill>
-        <p:spPr>
-          <a:xfrm>
-            <a:off x="1003523" y="2141379"/>
-            <a:ext cx="3400820" cy="2244045"/>
-          </a:xfrm>
-        </p:spPr>
-      </p:pic>
-      <p:pic>
-        <p:nvPicPr>
-          <p:cNvPr id="7" name="Picture 6">
-            <a:extLst>
-              <a:ext uri="{FF2B5EF4-FFF2-40B4-BE49-F238E27FC236}">
-                <a16:creationId xmlns:a16="http://schemas.microsoft.com/office/drawing/2014/main" id="{0A198692-7E14-42D8-8B43-D7DA72F4A82A}"/>
-              </a:ext>
-            </a:extLst>
-          </p:cNvPr>
-          <p:cNvPicPr>
-            <a:picLocks noChangeAspect="1"/>
-          </p:cNvPicPr>
-          <p:nvPr/>
-        </p:nvPicPr>
-        <p:blipFill>
-          <a:blip r:embed="rId3"/>
-          <a:stretch>
-            <a:fillRect/>
-          </a:stretch>
-        </p:blipFill>
-        <p:spPr>
-          <a:xfrm>
-            <a:off x="6966299" y="2118733"/>
-            <a:ext cx="4222178" cy="1672794"/>
-          </a:xfrm>
-          <a:prstGeom prst="rect">
-            <a:avLst/>
-          </a:prstGeom>
-        </p:spPr>
-      </p:pic>
-      <p:pic>
-        <p:nvPicPr>
-          <p:cNvPr id="9" name="Picture 8">
-            <a:extLst>
-              <a:ext uri="{FF2B5EF4-FFF2-40B4-BE49-F238E27FC236}">
-                <a16:creationId xmlns:a16="http://schemas.microsoft.com/office/drawing/2014/main" id="{9B644484-3BEB-491A-9F11-E17D830E5D50}"/>
-              </a:ext>
-            </a:extLst>
-          </p:cNvPr>
-          <p:cNvPicPr>
-            <a:picLocks noChangeAspect="1"/>
-          </p:cNvPicPr>
-          <p:nvPr/>
-        </p:nvPicPr>
-        <p:blipFill>
-          <a:blip r:embed="rId4"/>
-          <a:stretch>
-            <a:fillRect/>
-          </a:stretch>
-        </p:blipFill>
-        <p:spPr>
-          <a:xfrm>
-            <a:off x="4514071" y="3873823"/>
-            <a:ext cx="3700208" cy="2456873"/>
-          </a:xfrm>
-          <a:prstGeom prst="rect">
-            <a:avLst/>
-          </a:prstGeom>
-        </p:spPr>
-      </p:pic>
-    </p:spTree>
-    <p:extLst>
-      <p:ext uri="{BB962C8B-B14F-4D97-AF65-F5344CB8AC3E}">
-        <p14:creationId xmlns:p14="http://schemas.microsoft.com/office/powerpoint/2010/main" val="2505402052"/>
       </p:ext>
     </p:extLst>
   </p:cSld>
